--- a/Predict the severity of car accident.pptx
+++ b/Predict the severity of car accident.pptx
@@ -11,9 +11,15 @@
     <p:sldId id="259" r:id="rId5"/>
     <p:sldId id="260" r:id="rId6"/>
     <p:sldId id="261" r:id="rId7"/>
-    <p:sldId id="262" r:id="rId8"/>
-    <p:sldId id="265" r:id="rId9"/>
-    <p:sldId id="264" r:id="rId10"/>
+    <p:sldId id="266" r:id="rId8"/>
+    <p:sldId id="262" r:id="rId9"/>
+    <p:sldId id="265" r:id="rId10"/>
+    <p:sldId id="267" r:id="rId11"/>
+    <p:sldId id="268" r:id="rId12"/>
+    <p:sldId id="269" r:id="rId13"/>
+    <p:sldId id="271" r:id="rId14"/>
+    <p:sldId id="270" r:id="rId15"/>
+    <p:sldId id="264" r:id="rId16"/>
   </p:sldIdLst>
   <p:sldSz cx="12192000" cy="6858000"/>
   <p:notesSz cx="6858000" cy="9144000"/>
@@ -170,7 +176,7 @@
           <a:noFill/>
           <a:extLst>
             <a:ext uri="{909E8E84-426E-40dd-AFC4-6F175D3DCCD1}">
-              <a14:hiddenFill xmlns="" xmlns:a14="http://schemas.microsoft.com/office/drawing/2010/main">
+              <a14:hiddenFill xmlns:a14="http://schemas.microsoft.com/office/drawing/2010/main" xmlns="">
                 <a:solidFill>
                   <a:srgbClr val="FFFFFF"/>
                 </a:solidFill>
@@ -230,7 +236,7 @@
             </a:ln>
             <a:extLst>
               <a:ext uri="{91240B29-F687-4f45-9708-019B960494DF}">
-                <a14:hiddenLine xmlns="" xmlns:a14="http://schemas.microsoft.com/office/drawing/2010/main" w="9525">
+                <a14:hiddenLine xmlns:a14="http://schemas.microsoft.com/office/drawing/2010/main" xmlns="" w="9525">
                   <a:solidFill>
                     <a:srgbClr val="000000"/>
                   </a:solidFill>
@@ -320,7 +326,7 @@
             </a:ln>
             <a:extLst>
               <a:ext uri="{91240B29-F687-4f45-9708-019B960494DF}">
-                <a14:hiddenLine xmlns="" xmlns:a14="http://schemas.microsoft.com/office/drawing/2010/main" w="9525">
+                <a14:hiddenLine xmlns:a14="http://schemas.microsoft.com/office/drawing/2010/main" xmlns="" w="9525">
                   <a:solidFill>
                     <a:srgbClr val="000000"/>
                   </a:solidFill>
@@ -410,7 +416,7 @@
             </a:ln>
             <a:extLst>
               <a:ext uri="{91240B29-F687-4f45-9708-019B960494DF}">
-                <a14:hiddenLine xmlns="" xmlns:a14="http://schemas.microsoft.com/office/drawing/2010/main" w="9525">
+                <a14:hiddenLine xmlns:a14="http://schemas.microsoft.com/office/drawing/2010/main" xmlns="" w="9525">
                   <a:solidFill>
                     <a:srgbClr val="000000"/>
                   </a:solidFill>
@@ -444,7 +450,7 @@
             </a:ln>
             <a:extLst>
               <a:ext uri="{91240B29-F687-4f45-9708-019B960494DF}">
-                <a14:hiddenLine xmlns="" xmlns:a14="http://schemas.microsoft.com/office/drawing/2010/main" w="9525">
+                <a14:hiddenLine xmlns:a14="http://schemas.microsoft.com/office/drawing/2010/main" xmlns="" w="9525">
                   <a:solidFill>
                     <a:srgbClr val="000000"/>
                   </a:solidFill>
@@ -534,7 +540,7 @@
             </a:ln>
             <a:extLst>
               <a:ext uri="{91240B29-F687-4f45-9708-019B960494DF}">
-                <a14:hiddenLine xmlns="" xmlns:a14="http://schemas.microsoft.com/office/drawing/2010/main" w="9525">
+                <a14:hiddenLine xmlns:a14="http://schemas.microsoft.com/office/drawing/2010/main" xmlns="" w="9525">
                   <a:solidFill>
                     <a:srgbClr val="000000"/>
                   </a:solidFill>
@@ -596,7 +602,7 @@
             </a:ln>
             <a:extLst>
               <a:ext uri="{91240B29-F687-4f45-9708-019B960494DF}">
-                <a14:hiddenLine xmlns="" xmlns:a14="http://schemas.microsoft.com/office/drawing/2010/main" w="9525">
+                <a14:hiddenLine xmlns:a14="http://schemas.microsoft.com/office/drawing/2010/main" xmlns="" w="9525">
                   <a:solidFill>
                     <a:srgbClr val="000000"/>
                   </a:solidFill>
@@ -658,7 +664,7 @@
             </a:ln>
             <a:extLst>
               <a:ext uri="{91240B29-F687-4f45-9708-019B960494DF}">
-                <a14:hiddenLine xmlns="" xmlns:a14="http://schemas.microsoft.com/office/drawing/2010/main" w="9525">
+                <a14:hiddenLine xmlns:a14="http://schemas.microsoft.com/office/drawing/2010/main" xmlns="" w="9525">
                   <a:solidFill>
                     <a:srgbClr val="000000"/>
                   </a:solidFill>
@@ -748,7 +754,7 @@
             </a:ln>
             <a:extLst>
               <a:ext uri="{91240B29-F687-4f45-9708-019B960494DF}">
-                <a14:hiddenLine xmlns="" xmlns:a14="http://schemas.microsoft.com/office/drawing/2010/main" w="9525">
+                <a14:hiddenLine xmlns:a14="http://schemas.microsoft.com/office/drawing/2010/main" xmlns="" w="9525">
                   <a:solidFill>
                     <a:srgbClr val="000000"/>
                   </a:solidFill>
@@ -810,7 +816,7 @@
             </a:ln>
             <a:extLst>
               <a:ext uri="{91240B29-F687-4f45-9708-019B960494DF}">
-                <a14:hiddenLine xmlns="" xmlns:a14="http://schemas.microsoft.com/office/drawing/2010/main" w="9525">
+                <a14:hiddenLine xmlns:a14="http://schemas.microsoft.com/office/drawing/2010/main" xmlns="" w="9525">
                   <a:solidFill>
                     <a:srgbClr val="000000"/>
                   </a:solidFill>
@@ -872,7 +878,7 @@
             </a:ln>
             <a:extLst>
               <a:ext uri="{91240B29-F687-4f45-9708-019B960494DF}">
-                <a14:hiddenLine xmlns="" xmlns:a14="http://schemas.microsoft.com/office/drawing/2010/main" w="9525">
+                <a14:hiddenLine xmlns:a14="http://schemas.microsoft.com/office/drawing/2010/main" xmlns="" w="9525">
                   <a:solidFill>
                     <a:srgbClr val="000000"/>
                   </a:solidFill>
@@ -962,7 +968,7 @@
             </a:ln>
             <a:extLst>
               <a:ext uri="{91240B29-F687-4f45-9708-019B960494DF}">
-                <a14:hiddenLine xmlns="" xmlns:a14="http://schemas.microsoft.com/office/drawing/2010/main" w="9525">
+                <a14:hiddenLine xmlns:a14="http://schemas.microsoft.com/office/drawing/2010/main" xmlns="" w="9525">
                   <a:solidFill>
                     <a:srgbClr val="000000"/>
                   </a:solidFill>
@@ -1052,7 +1058,7 @@
             </a:ln>
             <a:extLst>
               <a:ext uri="{91240B29-F687-4f45-9708-019B960494DF}">
-                <a14:hiddenLine xmlns="" xmlns:a14="http://schemas.microsoft.com/office/drawing/2010/main" w="9525">
+                <a14:hiddenLine xmlns:a14="http://schemas.microsoft.com/office/drawing/2010/main" xmlns="" w="9525">
                   <a:solidFill>
                     <a:srgbClr val="000000"/>
                   </a:solidFill>
@@ -1114,7 +1120,7 @@
             </a:ln>
             <a:extLst>
               <a:ext uri="{91240B29-F687-4f45-9708-019B960494DF}">
-                <a14:hiddenLine xmlns="" xmlns:a14="http://schemas.microsoft.com/office/drawing/2010/main" w="9525">
+                <a14:hiddenLine xmlns:a14="http://schemas.microsoft.com/office/drawing/2010/main" xmlns="" w="9525">
                   <a:solidFill>
                     <a:srgbClr val="000000"/>
                   </a:solidFill>
@@ -1224,7 +1230,7 @@
             </a:ln>
             <a:extLst>
               <a:ext uri="{91240B29-F687-4f45-9708-019B960494DF}">
-                <a14:hiddenLine xmlns="" xmlns:a14="http://schemas.microsoft.com/office/drawing/2010/main" w="9525">
+                <a14:hiddenLine xmlns:a14="http://schemas.microsoft.com/office/drawing/2010/main" xmlns="" w="9525">
                   <a:solidFill>
                     <a:srgbClr val="000000"/>
                   </a:solidFill>
@@ -1286,7 +1292,7 @@
             </a:ln>
             <a:extLst>
               <a:ext uri="{91240B29-F687-4f45-9708-019B960494DF}">
-                <a14:hiddenLine xmlns="" xmlns:a14="http://schemas.microsoft.com/office/drawing/2010/main" w="9525">
+                <a14:hiddenLine xmlns:a14="http://schemas.microsoft.com/office/drawing/2010/main" xmlns="" w="9525">
                   <a:solidFill>
                     <a:srgbClr val="000000"/>
                   </a:solidFill>
@@ -1376,7 +1382,7 @@
             </a:ln>
             <a:extLst>
               <a:ext uri="{91240B29-F687-4f45-9708-019B960494DF}">
-                <a14:hiddenLine xmlns="" xmlns:a14="http://schemas.microsoft.com/office/drawing/2010/main" w="9525">
+                <a14:hiddenLine xmlns:a14="http://schemas.microsoft.com/office/drawing/2010/main" xmlns="" w="9525">
                   <a:solidFill>
                     <a:srgbClr val="000000"/>
                   </a:solidFill>
@@ -1466,7 +1472,7 @@
             </a:ln>
             <a:extLst>
               <a:ext uri="{91240B29-F687-4f45-9708-019B960494DF}">
-                <a14:hiddenLine xmlns="" xmlns:a14="http://schemas.microsoft.com/office/drawing/2010/main" w="9525">
+                <a14:hiddenLine xmlns:a14="http://schemas.microsoft.com/office/drawing/2010/main" xmlns="" w="9525">
                   <a:solidFill>
                     <a:srgbClr val="000000"/>
                   </a:solidFill>
@@ -1528,7 +1534,7 @@
             </a:ln>
             <a:extLst>
               <a:ext uri="{91240B29-F687-4f45-9708-019B960494DF}">
-                <a14:hiddenLine xmlns="" xmlns:a14="http://schemas.microsoft.com/office/drawing/2010/main" w="9525">
+                <a14:hiddenLine xmlns:a14="http://schemas.microsoft.com/office/drawing/2010/main" xmlns="" w="9525">
                   <a:solidFill>
                     <a:srgbClr val="000000"/>
                   </a:solidFill>
@@ -1618,7 +1624,7 @@
             </a:ln>
             <a:extLst>
               <a:ext uri="{91240B29-F687-4f45-9708-019B960494DF}">
-                <a14:hiddenLine xmlns="" xmlns:a14="http://schemas.microsoft.com/office/drawing/2010/main" w="9525">
+                <a14:hiddenLine xmlns:a14="http://schemas.microsoft.com/office/drawing/2010/main" xmlns="" w="9525">
                   <a:solidFill>
                     <a:srgbClr val="000000"/>
                   </a:solidFill>
@@ -1708,7 +1714,7 @@
             </a:ln>
             <a:extLst>
               <a:ext uri="{91240B29-F687-4f45-9708-019B960494DF}">
-                <a14:hiddenLine xmlns="" xmlns:a14="http://schemas.microsoft.com/office/drawing/2010/main" w="9525">
+                <a14:hiddenLine xmlns:a14="http://schemas.microsoft.com/office/drawing/2010/main" xmlns="" w="9525">
                   <a:solidFill>
                     <a:srgbClr val="000000"/>
                   </a:solidFill>
@@ -1764,7 +1770,7 @@
             </a:ln>
             <a:extLst>
               <a:ext uri="{91240B29-F687-4f45-9708-019B960494DF}">
-                <a14:hiddenLine xmlns="" xmlns:a14="http://schemas.microsoft.com/office/drawing/2010/main" w="9525">
+                <a14:hiddenLine xmlns:a14="http://schemas.microsoft.com/office/drawing/2010/main" xmlns="" w="9525">
                   <a:solidFill>
                     <a:srgbClr val="000000"/>
                   </a:solidFill>
@@ -1854,7 +1860,7 @@
             </a:ln>
             <a:extLst>
               <a:ext uri="{91240B29-F687-4f45-9708-019B960494DF}">
-                <a14:hiddenLine xmlns="" xmlns:a14="http://schemas.microsoft.com/office/drawing/2010/main" w="9525">
+                <a14:hiddenLine xmlns:a14="http://schemas.microsoft.com/office/drawing/2010/main" xmlns="" w="9525">
                   <a:solidFill>
                     <a:srgbClr val="000000"/>
                   </a:solidFill>
@@ -1910,7 +1916,7 @@
             </a:ln>
             <a:extLst>
               <a:ext uri="{91240B29-F687-4f45-9708-019B960494DF}">
-                <a14:hiddenLine xmlns="" xmlns:a14="http://schemas.microsoft.com/office/drawing/2010/main" w="9525">
+                <a14:hiddenLine xmlns:a14="http://schemas.microsoft.com/office/drawing/2010/main" xmlns="" w="9525">
                   <a:solidFill>
                     <a:srgbClr val="000000"/>
                   </a:solidFill>
@@ -2000,7 +2006,7 @@
             </a:ln>
             <a:extLst>
               <a:ext uri="{91240B29-F687-4f45-9708-019B960494DF}">
-                <a14:hiddenLine xmlns="" xmlns:a14="http://schemas.microsoft.com/office/drawing/2010/main" w="9525">
+                <a14:hiddenLine xmlns:a14="http://schemas.microsoft.com/office/drawing/2010/main" xmlns="" w="9525">
                   <a:solidFill>
                     <a:srgbClr val="000000"/>
                   </a:solidFill>
@@ -2068,7 +2074,7 @@
             </a:ln>
             <a:extLst>
               <a:ext uri="{91240B29-F687-4f45-9708-019B960494DF}">
-                <a14:hiddenLine xmlns="" xmlns:a14="http://schemas.microsoft.com/office/drawing/2010/main" w="9525">
+                <a14:hiddenLine xmlns:a14="http://schemas.microsoft.com/office/drawing/2010/main" xmlns="" w="9525">
                   <a:solidFill>
                     <a:srgbClr val="000000"/>
                   </a:solidFill>
@@ -2158,7 +2164,7 @@
             </a:ln>
             <a:extLst>
               <a:ext uri="{91240B29-F687-4f45-9708-019B960494DF}">
-                <a14:hiddenLine xmlns="" xmlns:a14="http://schemas.microsoft.com/office/drawing/2010/main" w="9525">
+                <a14:hiddenLine xmlns:a14="http://schemas.microsoft.com/office/drawing/2010/main" xmlns="" w="9525">
                   <a:solidFill>
                     <a:srgbClr val="000000"/>
                   </a:solidFill>
@@ -2226,7 +2232,7 @@
             </a:ln>
             <a:extLst>
               <a:ext uri="{91240B29-F687-4f45-9708-019B960494DF}">
-                <a14:hiddenLine xmlns="" xmlns:a14="http://schemas.microsoft.com/office/drawing/2010/main" w="9525">
+                <a14:hiddenLine xmlns:a14="http://schemas.microsoft.com/office/drawing/2010/main" xmlns="" w="9525">
                   <a:solidFill>
                     <a:srgbClr val="000000"/>
                   </a:solidFill>
@@ -2316,7 +2322,7 @@
             </a:ln>
             <a:extLst>
               <a:ext uri="{91240B29-F687-4f45-9708-019B960494DF}">
-                <a14:hiddenLine xmlns="" xmlns:a14="http://schemas.microsoft.com/office/drawing/2010/main" w="9525">
+                <a14:hiddenLine xmlns:a14="http://schemas.microsoft.com/office/drawing/2010/main" xmlns="" w="9525">
                   <a:solidFill>
                     <a:srgbClr val="000000"/>
                   </a:solidFill>
@@ -2350,7 +2356,7 @@
             </a:ln>
             <a:extLst>
               <a:ext uri="{91240B29-F687-4f45-9708-019B960494DF}">
-                <a14:hiddenLine xmlns="" xmlns:a14="http://schemas.microsoft.com/office/drawing/2010/main" w="9525">
+                <a14:hiddenLine xmlns:a14="http://schemas.microsoft.com/office/drawing/2010/main" xmlns="" w="9525">
                   <a:solidFill>
                     <a:srgbClr val="000000"/>
                   </a:solidFill>
@@ -2440,7 +2446,7 @@
             </a:ln>
             <a:extLst>
               <a:ext uri="{91240B29-F687-4f45-9708-019B960494DF}">
-                <a14:hiddenLine xmlns="" xmlns:a14="http://schemas.microsoft.com/office/drawing/2010/main" w="9525">
+                <a14:hiddenLine xmlns:a14="http://schemas.microsoft.com/office/drawing/2010/main" xmlns="" w="9525">
                   <a:solidFill>
                     <a:srgbClr val="000000"/>
                   </a:solidFill>
@@ -2502,7 +2508,7 @@
             </a:ln>
             <a:extLst>
               <a:ext uri="{91240B29-F687-4f45-9708-019B960494DF}">
-                <a14:hiddenLine xmlns="" xmlns:a14="http://schemas.microsoft.com/office/drawing/2010/main" w="9525">
+                <a14:hiddenLine xmlns:a14="http://schemas.microsoft.com/office/drawing/2010/main" xmlns="" w="9525">
                   <a:solidFill>
                     <a:srgbClr val="000000"/>
                   </a:solidFill>
@@ -2564,7 +2570,7 @@
             </a:ln>
             <a:extLst>
               <a:ext uri="{91240B29-F687-4f45-9708-019B960494DF}">
-                <a14:hiddenLine xmlns="" xmlns:a14="http://schemas.microsoft.com/office/drawing/2010/main" w="9525">
+                <a14:hiddenLine xmlns:a14="http://schemas.microsoft.com/office/drawing/2010/main" xmlns="" w="9525">
                   <a:solidFill>
                     <a:srgbClr val="000000"/>
                   </a:solidFill>
@@ -2654,7 +2660,7 @@
             </a:ln>
             <a:extLst>
               <a:ext uri="{91240B29-F687-4f45-9708-019B960494DF}">
-                <a14:hiddenLine xmlns="" xmlns:a14="http://schemas.microsoft.com/office/drawing/2010/main" w="9525">
+                <a14:hiddenLine xmlns:a14="http://schemas.microsoft.com/office/drawing/2010/main" xmlns="" w="9525">
                   <a:solidFill>
                     <a:srgbClr val="000000"/>
                   </a:solidFill>
@@ -2722,7 +2728,7 @@
             </a:ln>
             <a:extLst>
               <a:ext uri="{91240B29-F687-4f45-9708-019B960494DF}">
-                <a14:hiddenLine xmlns="" xmlns:a14="http://schemas.microsoft.com/office/drawing/2010/main" w="9525">
+                <a14:hiddenLine xmlns:a14="http://schemas.microsoft.com/office/drawing/2010/main" xmlns="" w="9525">
                   <a:solidFill>
                     <a:srgbClr val="000000"/>
                   </a:solidFill>
@@ -2784,7 +2790,7 @@
             </a:ln>
             <a:extLst>
               <a:ext uri="{91240B29-F687-4f45-9708-019B960494DF}">
-                <a14:hiddenLine xmlns="" xmlns:a14="http://schemas.microsoft.com/office/drawing/2010/main" w="9525">
+                <a14:hiddenLine xmlns:a14="http://schemas.microsoft.com/office/drawing/2010/main" xmlns="" w="9525">
                   <a:solidFill>
                     <a:srgbClr val="000000"/>
                   </a:solidFill>
@@ -2874,7 +2880,7 @@
             </a:ln>
             <a:extLst>
               <a:ext uri="{91240B29-F687-4f45-9708-019B960494DF}">
-                <a14:hiddenLine xmlns="" xmlns:a14="http://schemas.microsoft.com/office/drawing/2010/main" w="9525">
+                <a14:hiddenLine xmlns:a14="http://schemas.microsoft.com/office/drawing/2010/main" xmlns="" w="9525">
                   <a:solidFill>
                     <a:srgbClr val="000000"/>
                   </a:solidFill>
@@ -2936,7 +2942,7 @@
             </a:ln>
             <a:extLst>
               <a:ext uri="{91240B29-F687-4f45-9708-019B960494DF}">
-                <a14:hiddenLine xmlns="" xmlns:a14="http://schemas.microsoft.com/office/drawing/2010/main" w="9525">
+                <a14:hiddenLine xmlns:a14="http://schemas.microsoft.com/office/drawing/2010/main" xmlns="" w="9525">
                   <a:solidFill>
                     <a:srgbClr val="000000"/>
                   </a:solidFill>
@@ -3026,7 +3032,7 @@
             </a:ln>
             <a:extLst>
               <a:ext uri="{91240B29-F687-4f45-9708-019B960494DF}">
-                <a14:hiddenLine xmlns="" xmlns:a14="http://schemas.microsoft.com/office/drawing/2010/main" w="9525">
+                <a14:hiddenLine xmlns:a14="http://schemas.microsoft.com/office/drawing/2010/main" xmlns="" w="9525">
                   <a:solidFill>
                     <a:srgbClr val="000000"/>
                   </a:solidFill>
@@ -3088,7 +3094,7 @@
             </a:ln>
             <a:extLst>
               <a:ext uri="{91240B29-F687-4f45-9708-019B960494DF}">
-                <a14:hiddenLine xmlns="" xmlns:a14="http://schemas.microsoft.com/office/drawing/2010/main" w="9525">
+                <a14:hiddenLine xmlns:a14="http://schemas.microsoft.com/office/drawing/2010/main" xmlns="" w="9525">
                   <a:solidFill>
                     <a:srgbClr val="000000"/>
                   </a:solidFill>
@@ -3178,7 +3184,7 @@
             </a:ln>
             <a:extLst>
               <a:ext uri="{91240B29-F687-4f45-9708-019B960494DF}">
-                <a14:hiddenLine xmlns="" xmlns:a14="http://schemas.microsoft.com/office/drawing/2010/main" w="9525">
+                <a14:hiddenLine xmlns:a14="http://schemas.microsoft.com/office/drawing/2010/main" xmlns="" w="9525">
                   <a:solidFill>
                     <a:srgbClr val="000000"/>
                   </a:solidFill>
@@ -3212,7 +3218,7 @@
             </a:ln>
             <a:extLst>
               <a:ext uri="{91240B29-F687-4f45-9708-019B960494DF}">
-                <a14:hiddenLine xmlns="" xmlns:a14="http://schemas.microsoft.com/office/drawing/2010/main" w="9525">
+                <a14:hiddenLine xmlns:a14="http://schemas.microsoft.com/office/drawing/2010/main" xmlns="" w="9525">
                   <a:solidFill>
                     <a:srgbClr val="000000"/>
                   </a:solidFill>
@@ -3277,7 +3283,7 @@
             </a:ln>
             <a:extLst>
               <a:ext uri="{91240B29-F687-4f45-9708-019B960494DF}">
-                <a14:hiddenLine xmlns="" xmlns:a14="http://schemas.microsoft.com/office/drawing/2010/main" w="9525">
+                <a14:hiddenLine xmlns:a14="http://schemas.microsoft.com/office/drawing/2010/main" xmlns="" w="9525">
                   <a:solidFill>
                     <a:srgbClr val="000000"/>
                   </a:solidFill>
@@ -3367,7 +3373,7 @@
             </a:ln>
             <a:extLst>
               <a:ext uri="{91240B29-F687-4f45-9708-019B960494DF}">
-                <a14:hiddenLine xmlns="" xmlns:a14="http://schemas.microsoft.com/office/drawing/2010/main" w="9525">
+                <a14:hiddenLine xmlns:a14="http://schemas.microsoft.com/office/drawing/2010/main" xmlns="" w="9525">
                   <a:solidFill>
                     <a:srgbClr val="000000"/>
                   </a:solidFill>
@@ -3429,7 +3435,7 @@
             </a:ln>
             <a:extLst>
               <a:ext uri="{91240B29-F687-4f45-9708-019B960494DF}">
-                <a14:hiddenLine xmlns="" xmlns:a14="http://schemas.microsoft.com/office/drawing/2010/main" w="9525">
+                <a14:hiddenLine xmlns:a14="http://schemas.microsoft.com/office/drawing/2010/main" xmlns="" w="9525">
                   <a:solidFill>
                     <a:srgbClr val="000000"/>
                   </a:solidFill>
@@ -3519,7 +3525,7 @@
             </a:ln>
             <a:extLst>
               <a:ext uri="{91240B29-F687-4f45-9708-019B960494DF}">
-                <a14:hiddenLine xmlns="" xmlns:a14="http://schemas.microsoft.com/office/drawing/2010/main" w="9525">
+                <a14:hiddenLine xmlns:a14="http://schemas.microsoft.com/office/drawing/2010/main" xmlns="" w="9525">
                   <a:solidFill>
                     <a:srgbClr val="000000"/>
                   </a:solidFill>
@@ -3609,7 +3615,7 @@
             </a:ln>
             <a:extLst>
               <a:ext uri="{91240B29-F687-4f45-9708-019B960494DF}">
-                <a14:hiddenLine xmlns="" xmlns:a14="http://schemas.microsoft.com/office/drawing/2010/main" w="9525">
+                <a14:hiddenLine xmlns:a14="http://schemas.microsoft.com/office/drawing/2010/main" xmlns="" w="9525">
                   <a:solidFill>
                     <a:srgbClr val="000000"/>
                   </a:solidFill>
@@ -3674,7 +3680,7 @@
             </a:ln>
             <a:extLst>
               <a:ext uri="{91240B29-F687-4f45-9708-019B960494DF}">
-                <a14:hiddenLine xmlns="" xmlns:a14="http://schemas.microsoft.com/office/drawing/2010/main" w="9525">
+                <a14:hiddenLine xmlns:a14="http://schemas.microsoft.com/office/drawing/2010/main" xmlns="" w="9525">
                   <a:solidFill>
                     <a:srgbClr val="000000"/>
                   </a:solidFill>
@@ -3736,7 +3742,7 @@
             </a:ln>
             <a:extLst>
               <a:ext uri="{91240B29-F687-4f45-9708-019B960494DF}">
-                <a14:hiddenLine xmlns="" xmlns:a14="http://schemas.microsoft.com/office/drawing/2010/main" w="9525">
+                <a14:hiddenLine xmlns:a14="http://schemas.microsoft.com/office/drawing/2010/main" xmlns="" w="9525">
                   <a:solidFill>
                     <a:srgbClr val="000000"/>
                   </a:solidFill>
@@ -3826,7 +3832,7 @@
             </a:ln>
             <a:extLst>
               <a:ext uri="{91240B29-F687-4f45-9708-019B960494DF}">
-                <a14:hiddenLine xmlns="" xmlns:a14="http://schemas.microsoft.com/office/drawing/2010/main" w="9525">
+                <a14:hiddenLine xmlns:a14="http://schemas.microsoft.com/office/drawing/2010/main" xmlns="" w="9525">
                   <a:solidFill>
                     <a:srgbClr val="000000"/>
                   </a:solidFill>
@@ -3916,7 +3922,7 @@
             </a:ln>
             <a:extLst>
               <a:ext uri="{91240B29-F687-4f45-9708-019B960494DF}">
-                <a14:hiddenLine xmlns="" xmlns:a14="http://schemas.microsoft.com/office/drawing/2010/main" w="9525">
+                <a14:hiddenLine xmlns:a14="http://schemas.microsoft.com/office/drawing/2010/main" xmlns="" w="9525">
                   <a:solidFill>
                     <a:srgbClr val="000000"/>
                   </a:solidFill>
@@ -3978,7 +3984,7 @@
             </a:ln>
             <a:extLst>
               <a:ext uri="{91240B29-F687-4f45-9708-019B960494DF}">
-                <a14:hiddenLine xmlns="" xmlns:a14="http://schemas.microsoft.com/office/drawing/2010/main" w="9525">
+                <a14:hiddenLine xmlns:a14="http://schemas.microsoft.com/office/drawing/2010/main" xmlns="" w="9525">
                   <a:solidFill>
                     <a:srgbClr val="000000"/>
                   </a:solidFill>
@@ -4098,7 +4104,7 @@
             </a:ln>
             <a:extLst>
               <a:ext uri="{91240B29-F687-4f45-9708-019B960494DF}">
-                <a14:hiddenLine xmlns="" xmlns:a14="http://schemas.microsoft.com/office/drawing/2010/main" w="9525">
+                <a14:hiddenLine xmlns:a14="http://schemas.microsoft.com/office/drawing/2010/main" xmlns="" w="9525">
                   <a:solidFill>
                     <a:srgbClr val="000000"/>
                   </a:solidFill>
@@ -4166,7 +4172,7 @@
             </a:ln>
             <a:extLst>
               <a:ext uri="{91240B29-F687-4f45-9708-019B960494DF}">
-                <a14:hiddenLine xmlns="" xmlns:a14="http://schemas.microsoft.com/office/drawing/2010/main" w="9525">
+                <a14:hiddenLine xmlns:a14="http://schemas.microsoft.com/office/drawing/2010/main" xmlns="" w="9525">
                   <a:solidFill>
                     <a:srgbClr val="000000"/>
                   </a:solidFill>
@@ -4256,7 +4262,7 @@
             </a:ln>
             <a:extLst>
               <a:ext uri="{91240B29-F687-4f45-9708-019B960494DF}">
-                <a14:hiddenLine xmlns="" xmlns:a14="http://schemas.microsoft.com/office/drawing/2010/main" w="9525">
+                <a14:hiddenLine xmlns:a14="http://schemas.microsoft.com/office/drawing/2010/main" xmlns="" w="9525">
                   <a:solidFill>
                     <a:srgbClr val="000000"/>
                   </a:solidFill>
@@ -4396,7 +4402,7 @@
           <a:p>
             <a:fld id="{D57496F3-E82A-4402-ABD5-920C20A7108D}" type="datetimeFigureOut">
               <a:rPr lang="es-MX" smtClean="0"/>
-              <a:t>05/10/2020</a:t>
+              <a:t>06/10/2020</a:t>
             </a:fld>
             <a:endParaRPr lang="es-MX"/>
           </a:p>
@@ -4663,7 +4669,7 @@
           <a:p>
             <a:fld id="{D57496F3-E82A-4402-ABD5-920C20A7108D}" type="datetimeFigureOut">
               <a:rPr lang="es-MX" smtClean="0"/>
-              <a:t>05/10/2020</a:t>
+              <a:t>06/10/2020</a:t>
             </a:fld>
             <a:endParaRPr lang="es-MX"/>
           </a:p>
@@ -4859,7 +4865,7 @@
           <a:p>
             <a:fld id="{D57496F3-E82A-4402-ABD5-920C20A7108D}" type="datetimeFigureOut">
               <a:rPr lang="es-MX" smtClean="0"/>
-              <a:t>05/10/2020</a:t>
+              <a:t>06/10/2020</a:t>
             </a:fld>
             <a:endParaRPr lang="es-MX"/>
           </a:p>
@@ -5122,7 +5128,7 @@
           <a:p>
             <a:fld id="{D57496F3-E82A-4402-ABD5-920C20A7108D}" type="datetimeFigureOut">
               <a:rPr lang="es-MX" smtClean="0"/>
-              <a:t>05/10/2020</a:t>
+              <a:t>06/10/2020</a:t>
             </a:fld>
             <a:endParaRPr lang="es-MX"/>
           </a:p>
@@ -5556,7 +5562,7 @@
           <a:p>
             <a:fld id="{D57496F3-E82A-4402-ABD5-920C20A7108D}" type="datetimeFigureOut">
               <a:rPr lang="es-MX" smtClean="0"/>
-              <a:t>05/10/2020</a:t>
+              <a:t>06/10/2020</a:t>
             </a:fld>
             <a:endParaRPr lang="es-MX"/>
           </a:p>
@@ -6102,7 +6108,7 @@
           <a:p>
             <a:fld id="{D57496F3-E82A-4402-ABD5-920C20A7108D}" type="datetimeFigureOut">
               <a:rPr lang="es-MX" smtClean="0"/>
-              <a:t>05/10/2020</a:t>
+              <a:t>06/10/2020</a:t>
             </a:fld>
             <a:endParaRPr lang="es-MX"/>
           </a:p>
@@ -6822,7 +6828,7 @@
           <a:p>
             <a:fld id="{D57496F3-E82A-4402-ABD5-920C20A7108D}" type="datetimeFigureOut">
               <a:rPr lang="es-MX" smtClean="0"/>
-              <a:t>05/10/2020</a:t>
+              <a:t>06/10/2020</a:t>
             </a:fld>
             <a:endParaRPr lang="es-MX"/>
           </a:p>
@@ -6992,7 +6998,7 @@
           <a:p>
             <a:fld id="{D57496F3-E82A-4402-ABD5-920C20A7108D}" type="datetimeFigureOut">
               <a:rPr lang="es-MX" smtClean="0"/>
-              <a:t>05/10/2020</a:t>
+              <a:t>06/10/2020</a:t>
             </a:fld>
             <a:endParaRPr lang="es-MX"/>
           </a:p>
@@ -7172,7 +7178,7 @@
           <a:p>
             <a:fld id="{D57496F3-E82A-4402-ABD5-920C20A7108D}" type="datetimeFigureOut">
               <a:rPr lang="es-MX" smtClean="0"/>
-              <a:t>05/10/2020</a:t>
+              <a:t>06/10/2020</a:t>
             </a:fld>
             <a:endParaRPr lang="es-MX"/>
           </a:p>
@@ -7342,7 +7348,7 @@
           <a:p>
             <a:fld id="{D57496F3-E82A-4402-ABD5-920C20A7108D}" type="datetimeFigureOut">
               <a:rPr lang="es-MX" smtClean="0"/>
-              <a:t>05/10/2020</a:t>
+              <a:t>06/10/2020</a:t>
             </a:fld>
             <a:endParaRPr lang="es-MX"/>
           </a:p>
@@ -7592,7 +7598,7 @@
           <a:p>
             <a:fld id="{D57496F3-E82A-4402-ABD5-920C20A7108D}" type="datetimeFigureOut">
               <a:rPr lang="es-MX" smtClean="0"/>
-              <a:t>05/10/2020</a:t>
+              <a:t>06/10/2020</a:t>
             </a:fld>
             <a:endParaRPr lang="es-MX"/>
           </a:p>
@@ -7824,7 +7830,7 @@
           <a:p>
             <a:fld id="{D57496F3-E82A-4402-ABD5-920C20A7108D}" type="datetimeFigureOut">
               <a:rPr lang="es-MX" smtClean="0"/>
-              <a:t>05/10/2020</a:t>
+              <a:t>06/10/2020</a:t>
             </a:fld>
             <a:endParaRPr lang="es-MX"/>
           </a:p>
@@ -8205,7 +8211,7 @@
           <a:p>
             <a:fld id="{D57496F3-E82A-4402-ABD5-920C20A7108D}" type="datetimeFigureOut">
               <a:rPr lang="es-MX" smtClean="0"/>
-              <a:t>05/10/2020</a:t>
+              <a:t>06/10/2020</a:t>
             </a:fld>
             <a:endParaRPr lang="es-MX"/>
           </a:p>
@@ -8323,7 +8329,7 @@
           <a:p>
             <a:fld id="{D57496F3-E82A-4402-ABD5-920C20A7108D}" type="datetimeFigureOut">
               <a:rPr lang="es-MX" smtClean="0"/>
-              <a:t>05/10/2020</a:t>
+              <a:t>06/10/2020</a:t>
             </a:fld>
             <a:endParaRPr lang="es-MX"/>
           </a:p>
@@ -8418,7 +8424,7 @@
           <a:p>
             <a:fld id="{D57496F3-E82A-4402-ABD5-920C20A7108D}" type="datetimeFigureOut">
               <a:rPr lang="es-MX" smtClean="0"/>
-              <a:t>05/10/2020</a:t>
+              <a:t>06/10/2020</a:t>
             </a:fld>
             <a:endParaRPr lang="es-MX"/>
           </a:p>
@@ -8667,7 +8673,7 @@
           <a:p>
             <a:fld id="{D57496F3-E82A-4402-ABD5-920C20A7108D}" type="datetimeFigureOut">
               <a:rPr lang="es-MX" smtClean="0"/>
-              <a:t>05/10/2020</a:t>
+              <a:t>06/10/2020</a:t>
             </a:fld>
             <a:endParaRPr lang="es-MX"/>
           </a:p>
@@ -8947,7 +8953,7 @@
           <a:p>
             <a:fld id="{D57496F3-E82A-4402-ABD5-920C20A7108D}" type="datetimeFigureOut">
               <a:rPr lang="es-MX" smtClean="0"/>
-              <a:t>05/10/2020</a:t>
+              <a:t>06/10/2020</a:t>
             </a:fld>
             <a:endParaRPr lang="es-MX"/>
           </a:p>
@@ -9063,7 +9069,7 @@
           <a:noFill/>
           <a:extLst>
             <a:ext uri="{909E8E84-426E-40dd-AFC4-6F175D3DCCD1}">
-              <a14:hiddenFill xmlns="" xmlns:a14="http://schemas.microsoft.com/office/drawing/2010/main">
+              <a14:hiddenFill xmlns:a14="http://schemas.microsoft.com/office/drawing/2010/main" xmlns="">
                 <a:solidFill>
                   <a:srgbClr val="FFFFFF"/>
                 </a:solidFill>
@@ -9137,7 +9143,7 @@
               </a:ln>
               <a:extLst>
                 <a:ext uri="{91240B29-F687-4f45-9708-019B960494DF}">
-                  <a14:hiddenLine xmlns="" xmlns:a14="http://schemas.microsoft.com/office/drawing/2010/main" w="9525">
+                  <a14:hiddenLine xmlns:a14="http://schemas.microsoft.com/office/drawing/2010/main" xmlns="" w="9525">
                     <a:solidFill>
                       <a:srgbClr val="000000"/>
                     </a:solidFill>
@@ -9227,7 +9233,7 @@
               </a:ln>
               <a:extLst>
                 <a:ext uri="{91240B29-F687-4f45-9708-019B960494DF}">
-                  <a14:hiddenLine xmlns="" xmlns:a14="http://schemas.microsoft.com/office/drawing/2010/main" w="9525">
+                  <a14:hiddenLine xmlns:a14="http://schemas.microsoft.com/office/drawing/2010/main" xmlns="" w="9525">
                     <a:solidFill>
                       <a:srgbClr val="000000"/>
                     </a:solidFill>
@@ -9317,7 +9323,7 @@
               </a:ln>
               <a:extLst>
                 <a:ext uri="{91240B29-F687-4f45-9708-019B960494DF}">
-                  <a14:hiddenLine xmlns="" xmlns:a14="http://schemas.microsoft.com/office/drawing/2010/main" w="9525">
+                  <a14:hiddenLine xmlns:a14="http://schemas.microsoft.com/office/drawing/2010/main" xmlns="" w="9525">
                     <a:solidFill>
                       <a:srgbClr val="000000"/>
                     </a:solidFill>
@@ -9379,7 +9385,7 @@
               </a:ln>
               <a:extLst>
                 <a:ext uri="{91240B29-F687-4f45-9708-019B960494DF}">
-                  <a14:hiddenLine xmlns="" xmlns:a14="http://schemas.microsoft.com/office/drawing/2010/main" w="9525">
+                  <a14:hiddenLine xmlns:a14="http://schemas.microsoft.com/office/drawing/2010/main" xmlns="" w="9525">
                     <a:solidFill>
                       <a:srgbClr val="000000"/>
                     </a:solidFill>
@@ -9469,7 +9475,7 @@
               </a:ln>
               <a:extLst>
                 <a:ext uri="{91240B29-F687-4f45-9708-019B960494DF}">
-                  <a14:hiddenLine xmlns="" xmlns:a14="http://schemas.microsoft.com/office/drawing/2010/main" w="9525">
+                  <a14:hiddenLine xmlns:a14="http://schemas.microsoft.com/office/drawing/2010/main" xmlns="" w="9525">
                     <a:solidFill>
                       <a:srgbClr val="000000"/>
                     </a:solidFill>
@@ -9531,7 +9537,7 @@
               </a:ln>
               <a:extLst>
                 <a:ext uri="{91240B29-F687-4f45-9708-019B960494DF}">
-                  <a14:hiddenLine xmlns="" xmlns:a14="http://schemas.microsoft.com/office/drawing/2010/main" w="9525">
+                  <a14:hiddenLine xmlns:a14="http://schemas.microsoft.com/office/drawing/2010/main" xmlns="" w="9525">
                     <a:solidFill>
                       <a:srgbClr val="000000"/>
                     </a:solidFill>
@@ -9593,7 +9599,7 @@
               </a:ln>
               <a:extLst>
                 <a:ext uri="{91240B29-F687-4f45-9708-019B960494DF}">
-                  <a14:hiddenLine xmlns="" xmlns:a14="http://schemas.microsoft.com/office/drawing/2010/main" w="9525">
+                  <a14:hiddenLine xmlns:a14="http://schemas.microsoft.com/office/drawing/2010/main" xmlns="" w="9525">
                     <a:solidFill>
                       <a:srgbClr val="000000"/>
                     </a:solidFill>
@@ -9683,7 +9689,7 @@
               </a:ln>
               <a:extLst>
                 <a:ext uri="{91240B29-F687-4f45-9708-019B960494DF}">
-                  <a14:hiddenLine xmlns="" xmlns:a14="http://schemas.microsoft.com/office/drawing/2010/main" w="9525">
+                  <a14:hiddenLine xmlns:a14="http://schemas.microsoft.com/office/drawing/2010/main" xmlns="" w="9525">
                     <a:solidFill>
                       <a:srgbClr val="000000"/>
                     </a:solidFill>
@@ -9773,7 +9779,7 @@
               </a:ln>
               <a:extLst>
                 <a:ext uri="{91240B29-F687-4f45-9708-019B960494DF}">
-                  <a14:hiddenLine xmlns="" xmlns:a14="http://schemas.microsoft.com/office/drawing/2010/main" w="9525">
+                  <a14:hiddenLine xmlns:a14="http://schemas.microsoft.com/office/drawing/2010/main" xmlns="" w="9525">
                     <a:solidFill>
                       <a:srgbClr val="000000"/>
                     </a:solidFill>
@@ -9835,7 +9841,7 @@
               </a:ln>
               <a:extLst>
                 <a:ext uri="{91240B29-F687-4f45-9708-019B960494DF}">
-                  <a14:hiddenLine xmlns="" xmlns:a14="http://schemas.microsoft.com/office/drawing/2010/main" w="9525">
+                  <a14:hiddenLine xmlns:a14="http://schemas.microsoft.com/office/drawing/2010/main" xmlns="" w="9525">
                     <a:solidFill>
                       <a:srgbClr val="000000"/>
                     </a:solidFill>
@@ -9945,7 +9951,7 @@
               </a:ln>
               <a:extLst>
                 <a:ext uri="{91240B29-F687-4f45-9708-019B960494DF}">
-                  <a14:hiddenLine xmlns="" xmlns:a14="http://schemas.microsoft.com/office/drawing/2010/main" w="9525">
+                  <a14:hiddenLine xmlns:a14="http://schemas.microsoft.com/office/drawing/2010/main" xmlns="" w="9525">
                     <a:solidFill>
                       <a:srgbClr val="000000"/>
                     </a:solidFill>
@@ -10029,7 +10035,7 @@
               </a:ln>
               <a:extLst>
                 <a:ext uri="{91240B29-F687-4f45-9708-019B960494DF}">
-                  <a14:hiddenLine xmlns="" xmlns:a14="http://schemas.microsoft.com/office/drawing/2010/main" w="9525">
+                  <a14:hiddenLine xmlns:a14="http://schemas.microsoft.com/office/drawing/2010/main" xmlns="" w="9525">
                     <a:solidFill>
                       <a:srgbClr val="000000"/>
                     </a:solidFill>
@@ -10091,7 +10097,7 @@
               </a:ln>
               <a:extLst>
                 <a:ext uri="{91240B29-F687-4f45-9708-019B960494DF}">
-                  <a14:hiddenLine xmlns="" xmlns:a14="http://schemas.microsoft.com/office/drawing/2010/main" w="9525">
+                  <a14:hiddenLine xmlns:a14="http://schemas.microsoft.com/office/drawing/2010/main" xmlns="" w="9525">
                     <a:solidFill>
                       <a:srgbClr val="000000"/>
                     </a:solidFill>
@@ -10153,7 +10159,7 @@
               </a:ln>
               <a:extLst>
                 <a:ext uri="{91240B29-F687-4f45-9708-019B960494DF}">
-                  <a14:hiddenLine xmlns="" xmlns:a14="http://schemas.microsoft.com/office/drawing/2010/main" w="9525">
+                  <a14:hiddenLine xmlns:a14="http://schemas.microsoft.com/office/drawing/2010/main" xmlns="" w="9525">
                     <a:solidFill>
                       <a:srgbClr val="000000"/>
                     </a:solidFill>
@@ -10243,7 +10249,7 @@
               </a:ln>
               <a:extLst>
                 <a:ext uri="{91240B29-F687-4f45-9708-019B960494DF}">
-                  <a14:hiddenLine xmlns="" xmlns:a14="http://schemas.microsoft.com/office/drawing/2010/main" w="9525">
+                  <a14:hiddenLine xmlns:a14="http://schemas.microsoft.com/office/drawing/2010/main" xmlns="" w="9525">
                     <a:solidFill>
                       <a:srgbClr val="000000"/>
                     </a:solidFill>
@@ -10277,7 +10283,7 @@
               </a:ln>
               <a:extLst>
                 <a:ext uri="{91240B29-F687-4f45-9708-019B960494DF}">
-                  <a14:hiddenLine xmlns="" xmlns:a14="http://schemas.microsoft.com/office/drawing/2010/main" w="9525">
+                  <a14:hiddenLine xmlns:a14="http://schemas.microsoft.com/office/drawing/2010/main" xmlns="" w="9525">
                     <a:solidFill>
                       <a:srgbClr val="000000"/>
                     </a:solidFill>
@@ -10342,7 +10348,7 @@
               </a:ln>
               <a:extLst>
                 <a:ext uri="{91240B29-F687-4f45-9708-019B960494DF}">
-                  <a14:hiddenLine xmlns="" xmlns:a14="http://schemas.microsoft.com/office/drawing/2010/main" w="9525">
+                  <a14:hiddenLine xmlns:a14="http://schemas.microsoft.com/office/drawing/2010/main" xmlns="" w="9525">
                     <a:solidFill>
                       <a:srgbClr val="000000"/>
                     </a:solidFill>
@@ -10432,7 +10438,7 @@
               </a:ln>
               <a:extLst>
                 <a:ext uri="{91240B29-F687-4f45-9708-019B960494DF}">
-                  <a14:hiddenLine xmlns="" xmlns:a14="http://schemas.microsoft.com/office/drawing/2010/main" w="9525">
+                  <a14:hiddenLine xmlns:a14="http://schemas.microsoft.com/office/drawing/2010/main" xmlns="" w="9525">
                     <a:solidFill>
                       <a:srgbClr val="000000"/>
                     </a:solidFill>
@@ -10494,7 +10500,7 @@
               </a:ln>
               <a:extLst>
                 <a:ext uri="{91240B29-F687-4f45-9708-019B960494DF}">
-                  <a14:hiddenLine xmlns="" xmlns:a14="http://schemas.microsoft.com/office/drawing/2010/main" w="9525">
+                  <a14:hiddenLine xmlns:a14="http://schemas.microsoft.com/office/drawing/2010/main" xmlns="" w="9525">
                     <a:solidFill>
                       <a:srgbClr val="000000"/>
                     </a:solidFill>
@@ -10584,7 +10590,7 @@
               </a:ln>
               <a:extLst>
                 <a:ext uri="{91240B29-F687-4f45-9708-019B960494DF}">
-                  <a14:hiddenLine xmlns="" xmlns:a14="http://schemas.microsoft.com/office/drawing/2010/main" w="9525">
+                  <a14:hiddenLine xmlns:a14="http://schemas.microsoft.com/office/drawing/2010/main" xmlns="" w="9525">
                     <a:solidFill>
                       <a:srgbClr val="000000"/>
                     </a:solidFill>
@@ -10649,7 +10655,7 @@
               </a:ln>
               <a:extLst>
                 <a:ext uri="{91240B29-F687-4f45-9708-019B960494DF}">
-                  <a14:hiddenLine xmlns="" xmlns:a14="http://schemas.microsoft.com/office/drawing/2010/main" w="9525">
+                  <a14:hiddenLine xmlns:a14="http://schemas.microsoft.com/office/drawing/2010/main" xmlns="" w="9525">
                     <a:solidFill>
                       <a:srgbClr val="000000"/>
                     </a:solidFill>
@@ -10711,7 +10717,7 @@
               </a:ln>
               <a:extLst>
                 <a:ext uri="{91240B29-F687-4f45-9708-019B960494DF}">
-                  <a14:hiddenLine xmlns="" xmlns:a14="http://schemas.microsoft.com/office/drawing/2010/main" w="9525">
+                  <a14:hiddenLine xmlns:a14="http://schemas.microsoft.com/office/drawing/2010/main" xmlns="" w="9525">
                     <a:solidFill>
                       <a:srgbClr val="000000"/>
                     </a:solidFill>
@@ -10801,7 +10807,7 @@
               </a:ln>
               <a:extLst>
                 <a:ext uri="{91240B29-F687-4f45-9708-019B960494DF}">
-                  <a14:hiddenLine xmlns="" xmlns:a14="http://schemas.microsoft.com/office/drawing/2010/main" w="9525">
+                  <a14:hiddenLine xmlns:a14="http://schemas.microsoft.com/office/drawing/2010/main" xmlns="" w="9525">
                     <a:solidFill>
                       <a:srgbClr val="000000"/>
                     </a:solidFill>
@@ -10891,7 +10897,7 @@
               </a:ln>
               <a:extLst>
                 <a:ext uri="{91240B29-F687-4f45-9708-019B960494DF}">
-                  <a14:hiddenLine xmlns="" xmlns:a14="http://schemas.microsoft.com/office/drawing/2010/main" w="9525">
+                  <a14:hiddenLine xmlns:a14="http://schemas.microsoft.com/office/drawing/2010/main" xmlns="" w="9525">
                     <a:solidFill>
                       <a:srgbClr val="000000"/>
                     </a:solidFill>
@@ -10956,7 +10962,7 @@
               </a:ln>
               <a:extLst>
                 <a:ext uri="{91240B29-F687-4f45-9708-019B960494DF}">
-                  <a14:hiddenLine xmlns="" xmlns:a14="http://schemas.microsoft.com/office/drawing/2010/main" w="9525">
+                  <a14:hiddenLine xmlns:a14="http://schemas.microsoft.com/office/drawing/2010/main" xmlns="" w="9525">
                     <a:solidFill>
                       <a:srgbClr val="000000"/>
                     </a:solidFill>
@@ -11076,7 +11082,7 @@
               </a:ln>
               <a:extLst>
                 <a:ext uri="{91240B29-F687-4f45-9708-019B960494DF}">
-                  <a14:hiddenLine xmlns="" xmlns:a14="http://schemas.microsoft.com/office/drawing/2010/main" w="9525">
+                  <a14:hiddenLine xmlns:a14="http://schemas.microsoft.com/office/drawing/2010/main" xmlns="" w="9525">
                     <a:solidFill>
                       <a:srgbClr val="000000"/>
                     </a:solidFill>
@@ -11174,7 +11180,7 @@
               </a:ln>
               <a:extLst>
                 <a:ext uri="{91240B29-F687-4f45-9708-019B960494DF}">
-                  <a14:hiddenLine xmlns="" xmlns:a14="http://schemas.microsoft.com/office/drawing/2010/main" w="9525">
+                  <a14:hiddenLine xmlns:a14="http://schemas.microsoft.com/office/drawing/2010/main" xmlns="" w="9525">
                     <a:solidFill>
                       <a:srgbClr val="000000"/>
                     </a:solidFill>
@@ -11289,7 +11295,7 @@
               </a:ln>
               <a:extLst>
                 <a:ext uri="{91240B29-F687-4f45-9708-019B960494DF}">
-                  <a14:hiddenLine xmlns="" xmlns:a14="http://schemas.microsoft.com/office/drawing/2010/main" w="9525">
+                  <a14:hiddenLine xmlns:a14="http://schemas.microsoft.com/office/drawing/2010/main" xmlns="" w="9525">
                     <a:solidFill>
                       <a:srgbClr val="000000"/>
                     </a:solidFill>
@@ -11379,7 +11385,7 @@
               </a:ln>
               <a:extLst>
                 <a:ext uri="{91240B29-F687-4f45-9708-019B960494DF}">
-                  <a14:hiddenLine xmlns="" xmlns:a14="http://schemas.microsoft.com/office/drawing/2010/main" w="9525">
+                  <a14:hiddenLine xmlns:a14="http://schemas.microsoft.com/office/drawing/2010/main" xmlns="" w="9525">
                     <a:solidFill>
                       <a:srgbClr val="000000"/>
                     </a:solidFill>
@@ -11444,7 +11450,7 @@
               </a:ln>
               <a:extLst>
                 <a:ext uri="{91240B29-F687-4f45-9708-019B960494DF}">
-                  <a14:hiddenLine xmlns="" xmlns:a14="http://schemas.microsoft.com/office/drawing/2010/main" w="9525">
+                  <a14:hiddenLine xmlns:a14="http://schemas.microsoft.com/office/drawing/2010/main" xmlns="" w="9525">
                     <a:solidFill>
                       <a:srgbClr val="000000"/>
                     </a:solidFill>
@@ -11534,7 +11540,7 @@
               </a:ln>
               <a:extLst>
                 <a:ext uri="{91240B29-F687-4f45-9708-019B960494DF}">
-                  <a14:hiddenLine xmlns="" xmlns:a14="http://schemas.microsoft.com/office/drawing/2010/main" w="9525">
+                  <a14:hiddenLine xmlns:a14="http://schemas.microsoft.com/office/drawing/2010/main" xmlns="" w="9525">
                     <a:solidFill>
                       <a:srgbClr val="000000"/>
                     </a:solidFill>
@@ -11602,7 +11608,7 @@
               </a:ln>
               <a:extLst>
                 <a:ext uri="{91240B29-F687-4f45-9708-019B960494DF}">
-                  <a14:hiddenLine xmlns="" xmlns:a14="http://schemas.microsoft.com/office/drawing/2010/main" w="9525">
+                  <a14:hiddenLine xmlns:a14="http://schemas.microsoft.com/office/drawing/2010/main" xmlns="" w="9525">
                     <a:solidFill>
                       <a:srgbClr val="000000"/>
                     </a:solidFill>
@@ -11692,7 +11698,7 @@
               </a:ln>
               <a:extLst>
                 <a:ext uri="{91240B29-F687-4f45-9708-019B960494DF}">
-                  <a14:hiddenLine xmlns="" xmlns:a14="http://schemas.microsoft.com/office/drawing/2010/main" w="9525">
+                  <a14:hiddenLine xmlns:a14="http://schemas.microsoft.com/office/drawing/2010/main" xmlns="" w="9525">
                     <a:solidFill>
                       <a:srgbClr val="000000"/>
                     </a:solidFill>
@@ -11760,7 +11766,7 @@
               </a:ln>
               <a:extLst>
                 <a:ext uri="{91240B29-F687-4f45-9708-019B960494DF}">
-                  <a14:hiddenLine xmlns="" xmlns:a14="http://schemas.microsoft.com/office/drawing/2010/main" w="9525">
+                  <a14:hiddenLine xmlns:a14="http://schemas.microsoft.com/office/drawing/2010/main" xmlns="" w="9525">
                     <a:solidFill>
                       <a:srgbClr val="000000"/>
                     </a:solidFill>
@@ -11850,7 +11856,7 @@
               </a:ln>
               <a:extLst>
                 <a:ext uri="{91240B29-F687-4f45-9708-019B960494DF}">
-                  <a14:hiddenLine xmlns="" xmlns:a14="http://schemas.microsoft.com/office/drawing/2010/main" w="9525">
+                  <a14:hiddenLine xmlns:a14="http://schemas.microsoft.com/office/drawing/2010/main" xmlns="" w="9525">
                     <a:solidFill>
                       <a:srgbClr val="000000"/>
                     </a:solidFill>
@@ -11884,7 +11890,7 @@
               </a:ln>
               <a:extLst>
                 <a:ext uri="{91240B29-F687-4f45-9708-019B960494DF}">
-                  <a14:hiddenLine xmlns="" xmlns:a14="http://schemas.microsoft.com/office/drawing/2010/main" w="9525">
+                  <a14:hiddenLine xmlns:a14="http://schemas.microsoft.com/office/drawing/2010/main" xmlns="" w="9525">
                     <a:solidFill>
                       <a:srgbClr val="000000"/>
                     </a:solidFill>
@@ -12024,7 +12030,7 @@
           <a:p>
             <a:fld id="{D57496F3-E82A-4402-ABD5-920C20A7108D}" type="datetimeFigureOut">
               <a:rPr lang="es-MX" smtClean="0"/>
-              <a:t>05/10/2020</a:t>
+              <a:t>06/10/2020</a:t>
             </a:fld>
             <a:endParaRPr lang="es-MX"/>
           </a:p>
@@ -12519,6 +12525,3399 @@
     <p:extLst>
       <p:ext uri="{BB962C8B-B14F-4D97-AF65-F5344CB8AC3E}">
         <p14:creationId xmlns:p14="http://schemas.microsoft.com/office/powerpoint/2010/main" val="4185756156"/>
+      </p:ext>
+    </p:extLst>
+  </p:cSld>
+  <p:clrMapOvr>
+    <a:masterClrMapping/>
+  </p:clrMapOvr>
+</p:sld>
+</file>
+
+<file path=ppt/slides/slide10.xml><?xml version="1.0" encoding="utf-8"?>
+<p:sld xmlns:a="http://schemas.openxmlformats.org/drawingml/2006/main" xmlns:r="http://schemas.openxmlformats.org/officeDocument/2006/relationships" xmlns:p="http://schemas.openxmlformats.org/presentationml/2006/main">
+  <p:cSld>
+    <p:spTree>
+      <p:nvGrpSpPr>
+        <p:cNvPr id="1" name=""/>
+        <p:cNvGrpSpPr/>
+        <p:nvPr/>
+      </p:nvGrpSpPr>
+      <p:grpSpPr>
+        <a:xfrm>
+          <a:off x="0" y="0"/>
+          <a:ext cx="0" cy="0"/>
+          <a:chOff x="0" y="0"/>
+          <a:chExt cx="0" cy="0"/>
+        </a:xfrm>
+      </p:grpSpPr>
+      <p:pic>
+        <p:nvPicPr>
+          <p:cNvPr id="1026" name="Picture 2">
+            <a:extLst>
+              <a:ext uri="{FF2B5EF4-FFF2-40B4-BE49-F238E27FC236}">
+                <a16:creationId xmlns:a16="http://schemas.microsoft.com/office/drawing/2014/main" id="{6CAB4DE6-55CA-485F-BBCC-11C48D50DFDE}"/>
+              </a:ext>
+            </a:extLst>
+          </p:cNvPr>
+          <p:cNvPicPr>
+            <a:picLocks noChangeAspect="1" noChangeArrowheads="1"/>
+          </p:cNvPicPr>
+          <p:nvPr/>
+        </p:nvPicPr>
+        <p:blipFill>
+          <a:blip r:embed="rId2">
+            <a:extLst>
+              <a:ext uri="{28A0092B-C50C-407E-A947-70E740481C1C}">
+                <a14:useLocalDpi xmlns:a14="http://schemas.microsoft.com/office/drawing/2010/main" val="0"/>
+              </a:ext>
+            </a:extLst>
+          </a:blip>
+          <a:srcRect/>
+          <a:stretch>
+            <a:fillRect/>
+          </a:stretch>
+        </p:blipFill>
+        <p:spPr bwMode="auto">
+          <a:xfrm rot="5400000">
+            <a:off x="3064032" y="-2479030"/>
+            <a:ext cx="6063935" cy="11816059"/>
+          </a:xfrm>
+          <a:prstGeom prst="rect">
+            <a:avLst/>
+          </a:prstGeom>
+          <a:noFill/>
+          <a:extLst>
+            <a:ext uri="{909E8E84-426E-40DD-AFC4-6F175D3DCCD1}">
+              <a14:hiddenFill xmlns:a14="http://schemas.microsoft.com/office/drawing/2010/main">
+                <a:solidFill>
+                  <a:srgbClr val="FFFFFF"/>
+                </a:solidFill>
+              </a14:hiddenFill>
+            </a:ext>
+          </a:extLst>
+        </p:spPr>
+      </p:pic>
+    </p:spTree>
+    <p:extLst>
+      <p:ext uri="{BB962C8B-B14F-4D97-AF65-F5344CB8AC3E}">
+        <p14:creationId xmlns:p14="http://schemas.microsoft.com/office/powerpoint/2010/main" val="937899895"/>
+      </p:ext>
+    </p:extLst>
+  </p:cSld>
+  <p:clrMapOvr>
+    <a:masterClrMapping/>
+  </p:clrMapOvr>
+</p:sld>
+</file>
+
+<file path=ppt/slides/slide11.xml><?xml version="1.0" encoding="utf-8"?>
+<p:sld xmlns:a="http://schemas.openxmlformats.org/drawingml/2006/main" xmlns:r="http://schemas.openxmlformats.org/officeDocument/2006/relationships" xmlns:p="http://schemas.openxmlformats.org/presentationml/2006/main">
+  <p:cSld>
+    <p:bg>
+      <p:bgPr>
+        <a:blipFill>
+          <a:blip r:embed="rId2">
+            <a:duotone>
+              <a:schemeClr val="bg2">
+                <a:shade val="88000"/>
+                <a:hueMod val="106000"/>
+                <a:satMod val="140000"/>
+                <a:lumMod val="54000"/>
+              </a:schemeClr>
+              <a:schemeClr val="bg2">
+                <a:tint val="98000"/>
+                <a:hueMod val="90000"/>
+                <a:satMod val="150000"/>
+                <a:lumMod val="160000"/>
+              </a:schemeClr>
+            </a:duotone>
+          </a:blip>
+          <a:stretch/>
+        </a:blipFill>
+        <a:effectLst/>
+      </p:bgPr>
+    </p:bg>
+    <p:spTree>
+      <p:nvGrpSpPr>
+        <p:cNvPr id="1" name=""/>
+        <p:cNvGrpSpPr/>
+        <p:nvPr/>
+      </p:nvGrpSpPr>
+      <p:grpSpPr>
+        <a:xfrm>
+          <a:off x="0" y="0"/>
+          <a:ext cx="0" cy="0"/>
+          <a:chOff x="0" y="0"/>
+          <a:chExt cx="0" cy="0"/>
+        </a:xfrm>
+      </p:grpSpPr>
+      <p:sp useBgFill="1">
+        <p:nvSpPr>
+          <p:cNvPr id="10" name="Rectangle 9">
+            <a:extLst>
+              <a:ext uri="{FF2B5EF4-FFF2-40B4-BE49-F238E27FC236}">
+                <a16:creationId xmlns:a16="http://schemas.microsoft.com/office/drawing/2014/main" id="{C2E4E997-8672-4FFD-B8EC-9932A8E4714B}"/>
+              </a:ext>
+              <a:ext uri="{C183D7F6-B498-43B3-948B-1728B52AA6E4}">
+                <adec:decorative xmlns:adec="http://schemas.microsoft.com/office/drawing/2017/decorative" val="1"/>
+              </a:ext>
+            </a:extLst>
+          </p:cNvPr>
+          <p:cNvSpPr>
+            <a:spLocks noGrp="1" noRot="1" noChangeAspect="1" noMove="1" noResize="1" noEditPoints="1" noAdjustHandles="1" noChangeArrowheads="1" noChangeShapeType="1" noTextEdit="1"/>
+          </p:cNvSpPr>
+          <p:nvPr>
+            <p:extLst>
+              <p:ext uri="{386F3935-93C4-4BCD-93E2-E3B085C9AB24}">
+                <p16:designElem xmlns:p16="http://schemas.microsoft.com/office/powerpoint/2015/main" val="1"/>
+              </p:ext>
+            </p:extLst>
+          </p:nvPr>
+        </p:nvSpPr>
+        <p:spPr>
+          <a:xfrm>
+            <a:off x="0" y="0"/>
+            <a:ext cx="12192000" cy="6858000"/>
+          </a:xfrm>
+          <a:prstGeom prst="rect">
+            <a:avLst/>
+          </a:prstGeom>
+          <a:ln>
+            <a:noFill/>
+          </a:ln>
+        </p:spPr>
+        <p:style>
+          <a:lnRef idx="2">
+            <a:schemeClr val="accent1">
+              <a:shade val="50000"/>
+            </a:schemeClr>
+          </a:lnRef>
+          <a:fillRef idx="1003">
+            <a:schemeClr val="dk2"/>
+          </a:fillRef>
+          <a:effectRef idx="0">
+            <a:schemeClr val="accent1"/>
+          </a:effectRef>
+          <a:fontRef idx="minor">
+            <a:schemeClr val="lt1"/>
+          </a:fontRef>
+        </p:style>
+        <p:txBody>
+          <a:bodyPr rtlCol="0" anchor="ctr"/>
+          <a:lstStyle/>
+          <a:p>
+            <a:pPr algn="ctr"/>
+            <a:endParaRPr lang="en-US"/>
+          </a:p>
+        </p:txBody>
+      </p:sp>
+      <p:pic>
+        <p:nvPicPr>
+          <p:cNvPr id="12" name="Picture 2">
+            <a:extLst>
+              <a:ext uri="{FF2B5EF4-FFF2-40B4-BE49-F238E27FC236}">
+                <a16:creationId xmlns:a16="http://schemas.microsoft.com/office/drawing/2014/main" id="{FE6BA9E6-1D9E-4D30-B528-D49FA1342E4E}"/>
+              </a:ext>
+              <a:ext uri="{C183D7F6-B498-43B3-948B-1728B52AA6E4}">
+                <adec:decorative xmlns:adec="http://schemas.microsoft.com/office/drawing/2017/decorative" val="1"/>
+              </a:ext>
+            </a:extLst>
+          </p:cNvPr>
+          <p:cNvPicPr>
+            <a:picLocks noGrp="1" noRot="1" noChangeAspect="1" noMove="1" noResize="1" noEditPoints="1" noAdjustHandles="1" noChangeArrowheads="1" noChangeShapeType="1" noCrop="1"/>
+          </p:cNvPicPr>
+          <p:nvPr>
+            <p:extLst>
+              <p:ext uri="{386F3935-93C4-4BCD-93E2-E3B085C9AB24}">
+                <p16:designElem xmlns:p16="http://schemas.microsoft.com/office/powerpoint/2015/main" val="1"/>
+              </p:ext>
+            </p:extLst>
+          </p:nvPr>
+        </p:nvPicPr>
+        <p:blipFill>
+          <a:blip r:embed="rId3">
+            <a:alphaModFix amt="30000"/>
+            <a:extLst>
+              <a:ext uri="{28A0092B-C50C-407E-A947-70E740481C1C}">
+                <a14:useLocalDpi xmlns:a14="http://schemas.microsoft.com/office/drawing/2010/main" val="0"/>
+              </a:ext>
+            </a:extLst>
+          </a:blip>
+          <a:srcRect/>
+          <a:stretch>
+            <a:fillRect/>
+          </a:stretch>
+        </p:blipFill>
+        <p:spPr bwMode="auto">
+          <a:xfrm>
+            <a:off x="0" y="0"/>
+            <a:ext cx="12192003" cy="6858001"/>
+          </a:xfrm>
+          <a:prstGeom prst="rect">
+            <a:avLst/>
+          </a:prstGeom>
+          <a:noFill/>
+          <a:extLst>
+            <a:ext uri="{909E8E84-426E-40dd-AFC4-6F175D3DCCD1}">
+              <a14:hiddenFill xmlns="" xmlns:a16="http://schemas.microsoft.com/office/drawing/2014/main" xmlns:p14="http://schemas.microsoft.com/office/powerpoint/2010/main" xmlns:a14="http://schemas.microsoft.com/office/drawing/2010/main">
+                <a:solidFill>
+                  <a:srgbClr val="FFFFFF"/>
+                </a:solidFill>
+              </a14:hiddenFill>
+            </a:ext>
+          </a:extLst>
+        </p:spPr>
+      </p:pic>
+      <p:sp>
+        <p:nvSpPr>
+          <p:cNvPr id="2" name="Título 1">
+            <a:extLst>
+              <a:ext uri="{FF2B5EF4-FFF2-40B4-BE49-F238E27FC236}">
+                <a16:creationId xmlns:a16="http://schemas.microsoft.com/office/drawing/2014/main" id="{7D7067AE-3325-4FD3-9F68-CD77AF38CF8B}"/>
+              </a:ext>
+            </a:extLst>
+          </p:cNvPr>
+          <p:cNvSpPr>
+            <a:spLocks noGrp="1"/>
+          </p:cNvSpPr>
+          <p:nvPr>
+            <p:ph type="title"/>
+          </p:nvPr>
+        </p:nvSpPr>
+        <p:spPr>
+          <a:xfrm>
+            <a:off x="1141413" y="618518"/>
+            <a:ext cx="4459286" cy="1478570"/>
+          </a:xfrm>
+        </p:spPr>
+        <p:txBody>
+          <a:bodyPr>
+            <a:normAutofit/>
+          </a:bodyPr>
+          <a:lstStyle/>
+          <a:p>
+            <a:r>
+              <a:rPr lang="en-US" sz="3200"/>
+              <a:t>Analysis when speed was the cause of the accident </a:t>
+            </a:r>
+            <a:endParaRPr lang="es-MX" sz="3200"/>
+          </a:p>
+        </p:txBody>
+      </p:sp>
+      <p:sp>
+        <p:nvSpPr>
+          <p:cNvPr id="3" name="Marcador de contenido 2">
+            <a:extLst>
+              <a:ext uri="{FF2B5EF4-FFF2-40B4-BE49-F238E27FC236}">
+                <a16:creationId xmlns:a16="http://schemas.microsoft.com/office/drawing/2014/main" id="{12494353-AFE8-4D6D-BF62-F12F7820C391}"/>
+              </a:ext>
+            </a:extLst>
+          </p:cNvPr>
+          <p:cNvSpPr>
+            <a:spLocks noGrp="1"/>
+          </p:cNvSpPr>
+          <p:nvPr>
+            <p:ph idx="1"/>
+          </p:nvPr>
+        </p:nvSpPr>
+        <p:spPr>
+          <a:xfrm>
+            <a:off x="1141412" y="2249487"/>
+            <a:ext cx="4459287" cy="3965046"/>
+          </a:xfrm>
+        </p:spPr>
+        <p:txBody>
+          <a:bodyPr>
+            <a:normAutofit/>
+          </a:bodyPr>
+          <a:lstStyle/>
+          <a:p>
+            <a:r>
+              <a:rPr lang="en-US" sz="2000"/>
+              <a:t>The junctiontype, the weather and the lightconditions do not change even when the speed does. In other words, even if we go slow, if the same conditions happen at the same time, an accident could be presented.</a:t>
+            </a:r>
+          </a:p>
+        </p:txBody>
+      </p:sp>
+      <p:pic>
+        <p:nvPicPr>
+          <p:cNvPr id="5" name="Imagen 4" descr="Gráfico, Gráfico de barras&#10;&#10;Descripción generada automáticamente">
+            <a:extLst>
+              <a:ext uri="{FF2B5EF4-FFF2-40B4-BE49-F238E27FC236}">
+                <a16:creationId xmlns:a16="http://schemas.microsoft.com/office/drawing/2014/main" id="{5A43E847-B44C-45CD-95BA-E5835FF68947}"/>
+              </a:ext>
+            </a:extLst>
+          </p:cNvPr>
+          <p:cNvPicPr>
+            <a:picLocks noChangeAspect="1"/>
+          </p:cNvPicPr>
+          <p:nvPr/>
+        </p:nvPicPr>
+        <p:blipFill>
+          <a:blip r:embed="rId4">
+            <a:extLst>
+              <a:ext uri="{28A0092B-C50C-407E-A947-70E740481C1C}">
+                <a14:useLocalDpi xmlns:a14="http://schemas.microsoft.com/office/drawing/2010/main" val="0"/>
+              </a:ext>
+            </a:extLst>
+          </a:blip>
+          <a:stretch>
+            <a:fillRect/>
+          </a:stretch>
+        </p:blipFill>
+        <p:spPr>
+          <a:xfrm>
+            <a:off x="6588581" y="618518"/>
+            <a:ext cx="4471116" cy="5596015"/>
+          </a:xfrm>
+          <a:prstGeom prst="round2DiagRect">
+            <a:avLst>
+              <a:gd name="adj1" fmla="val 5608"/>
+              <a:gd name="adj2" fmla="val 0"/>
+            </a:avLst>
+          </a:prstGeom>
+          <a:ln w="19050" cap="sq">
+            <a:solidFill>
+              <a:schemeClr val="tx2">
+                <a:lumMod val="60000"/>
+                <a:lumOff val="40000"/>
+                <a:alpha val="60000"/>
+              </a:schemeClr>
+            </a:solidFill>
+            <a:miter lim="800000"/>
+          </a:ln>
+          <a:effectLst>
+            <a:outerShdw blurRad="88900" dist="38100" dir="5400000" algn="t" rotWithShape="0">
+              <a:prstClr val="black">
+                <a:alpha val="40000"/>
+              </a:prstClr>
+            </a:outerShdw>
+          </a:effectLst>
+        </p:spPr>
+      </p:pic>
+      <p:grpSp>
+        <p:nvGrpSpPr>
+          <p:cNvPr id="14" name="Group 13">
+            <a:extLst>
+              <a:ext uri="{FF2B5EF4-FFF2-40B4-BE49-F238E27FC236}">
+                <a16:creationId xmlns:a16="http://schemas.microsoft.com/office/drawing/2014/main" id="{453E4DEE-E996-40F8-8635-0FF43D7348F9}"/>
+              </a:ext>
+              <a:ext uri="{C183D7F6-B498-43B3-948B-1728B52AA6E4}">
+                <adec:decorative xmlns:adec="http://schemas.microsoft.com/office/drawing/2017/decorative" val="1"/>
+              </a:ext>
+            </a:extLst>
+          </p:cNvPr>
+          <p:cNvGrpSpPr>
+            <a:grpSpLocks noGrp="1" noUngrp="1" noRot="1" noChangeAspect="1" noMove="1" noResize="1"/>
+          </p:cNvGrpSpPr>
+          <p:nvPr>
+            <p:extLst>
+              <p:ext uri="{386F3935-93C4-4BCD-93E2-E3B085C9AB24}">
+                <p16:designElem xmlns:p16="http://schemas.microsoft.com/office/powerpoint/2015/main" val="1"/>
+              </p:ext>
+            </p:extLst>
+          </p:nvPr>
+        </p:nvGrpSpPr>
+        <p:grpSpPr>
+          <a:xfrm>
+            <a:off x="0" y="0"/>
+            <a:ext cx="1220788" cy="6858001"/>
+            <a:chOff x="-14288" y="0"/>
+            <a:chExt cx="1220788" cy="6858001"/>
+          </a:xfrm>
+          <a:gradFill flip="none" rotWithShape="1">
+            <a:gsLst>
+              <a:gs pos="0">
+                <a:schemeClr val="tx2"/>
+              </a:gs>
+              <a:gs pos="100000">
+                <a:schemeClr val="bg2">
+                  <a:lumMod val="60000"/>
+                  <a:lumOff val="40000"/>
+                </a:schemeClr>
+              </a:gs>
+            </a:gsLst>
+            <a:lin ang="5400000" scaled="0"/>
+            <a:tileRect/>
+          </a:gradFill>
+        </p:grpSpPr>
+        <p:sp>
+          <p:nvSpPr>
+            <p:cNvPr id="15" name="Rectangle 5">
+              <a:extLst>
+                <a:ext uri="{FF2B5EF4-FFF2-40B4-BE49-F238E27FC236}">
+                  <a16:creationId xmlns:a16="http://schemas.microsoft.com/office/drawing/2014/main" id="{08BD1D3E-43CE-49EB-A424-0738950C6424}"/>
+                </a:ext>
+                <a:ext uri="{C183D7F6-B498-43B3-948B-1728B52AA6E4}">
+                  <adec:decorative xmlns:adec="http://schemas.microsoft.com/office/drawing/2017/decorative" val="1"/>
+                </a:ext>
+              </a:extLst>
+            </p:cNvPr>
+            <p:cNvSpPr>
+              <a:spLocks noChangeArrowheads="1"/>
+            </p:cNvSpPr>
+            <p:nvPr>
+              <p:extLst>
+                <p:ext uri="{386F3935-93C4-4BCD-93E2-E3B085C9AB24}">
+                  <p16:designElem xmlns:p16="http://schemas.microsoft.com/office/powerpoint/2015/main" val="1"/>
+                </p:ext>
+              </p:extLst>
+            </p:nvPr>
+          </p:nvSpPr>
+          <p:spPr bwMode="auto">
+            <a:xfrm>
+              <a:off x="114300" y="4763"/>
+              <a:ext cx="23813" cy="2181225"/>
+            </a:xfrm>
+            <a:prstGeom prst="rect">
+              <a:avLst/>
+            </a:prstGeom>
+            <a:grpFill/>
+            <a:ln>
+              <a:noFill/>
+            </a:ln>
+            <a:extLst>
+              <a:ext uri="{91240B29-F687-4f45-9708-019B960494DF}">
+                <a14:hiddenLine xmlns="" xmlns:a16="http://schemas.microsoft.com/office/drawing/2014/main" xmlns:p14="http://schemas.microsoft.com/office/powerpoint/2010/main" xmlns:a14="http://schemas.microsoft.com/office/drawing/2010/main" w="9525">
+                  <a:solidFill>
+                    <a:srgbClr val="000000"/>
+                  </a:solidFill>
+                  <a:miter lim="800000"/>
+                  <a:headEnd/>
+                  <a:tailEnd/>
+                </a14:hiddenLine>
+              </a:ext>
+            </a:extLst>
+          </p:spPr>
+        </p:sp>
+        <p:sp>
+          <p:nvSpPr>
+            <p:cNvPr id="16" name="Freeform 6">
+              <a:extLst>
+                <a:ext uri="{FF2B5EF4-FFF2-40B4-BE49-F238E27FC236}">
+                  <a16:creationId xmlns:a16="http://schemas.microsoft.com/office/drawing/2014/main" id="{E9182037-E3FA-489A-95D5-29E4248420D8}"/>
+                </a:ext>
+                <a:ext uri="{C183D7F6-B498-43B3-948B-1728B52AA6E4}">
+                  <adec:decorative xmlns:adec="http://schemas.microsoft.com/office/drawing/2017/decorative" val="1"/>
+                </a:ext>
+              </a:extLst>
+            </p:cNvPr>
+            <p:cNvSpPr>
+              <a:spLocks noEditPoints="1"/>
+            </p:cNvSpPr>
+            <p:nvPr>
+              <p:extLst>
+                <p:ext uri="{386F3935-93C4-4BCD-93E2-E3B085C9AB24}">
+                  <p16:designElem xmlns:p16="http://schemas.microsoft.com/office/powerpoint/2015/main" val="1"/>
+                </p:ext>
+              </p:extLst>
+            </p:nvPr>
+          </p:nvSpPr>
+          <p:spPr bwMode="auto">
+            <a:xfrm>
+              <a:off x="33337" y="2176463"/>
+              <a:ext cx="190500" cy="190500"/>
+            </a:xfrm>
+            <a:custGeom>
+              <a:avLst/>
+              <a:gdLst/>
+              <a:ahLst/>
+              <a:cxnLst/>
+              <a:rect l="0" t="0" r="r" b="b"/>
+              <a:pathLst>
+                <a:path w="40" h="40">
+                  <a:moveTo>
+                    <a:pt x="20" y="40"/>
+                  </a:moveTo>
+                  <a:cubicBezTo>
+                    <a:pt x="9" y="40"/>
+                    <a:pt x="0" y="31"/>
+                    <a:pt x="0" y="20"/>
+                  </a:cubicBezTo>
+                  <a:cubicBezTo>
+                    <a:pt x="0" y="9"/>
+                    <a:pt x="9" y="0"/>
+                    <a:pt x="20" y="0"/>
+                  </a:cubicBezTo>
+                  <a:cubicBezTo>
+                    <a:pt x="31" y="0"/>
+                    <a:pt x="40" y="9"/>
+                    <a:pt x="40" y="20"/>
+                  </a:cubicBezTo>
+                  <a:cubicBezTo>
+                    <a:pt x="40" y="31"/>
+                    <a:pt x="31" y="40"/>
+                    <a:pt x="20" y="40"/>
+                  </a:cubicBezTo>
+                  <a:close/>
+                  <a:moveTo>
+                    <a:pt x="20" y="4"/>
+                  </a:moveTo>
+                  <a:cubicBezTo>
+                    <a:pt x="11" y="4"/>
+                    <a:pt x="4" y="11"/>
+                    <a:pt x="4" y="20"/>
+                  </a:cubicBezTo>
+                  <a:cubicBezTo>
+                    <a:pt x="4" y="29"/>
+                    <a:pt x="11" y="36"/>
+                    <a:pt x="20" y="36"/>
+                  </a:cubicBezTo>
+                  <a:cubicBezTo>
+                    <a:pt x="28" y="36"/>
+                    <a:pt x="36" y="29"/>
+                    <a:pt x="36" y="20"/>
+                  </a:cubicBezTo>
+                  <a:cubicBezTo>
+                    <a:pt x="36" y="11"/>
+                    <a:pt x="28" y="4"/>
+                    <a:pt x="20" y="4"/>
+                  </a:cubicBezTo>
+                  <a:close/>
+                </a:path>
+              </a:pathLst>
+            </a:custGeom>
+            <a:grpFill/>
+            <a:ln>
+              <a:noFill/>
+            </a:ln>
+            <a:extLst>
+              <a:ext uri="{91240B29-F687-4f45-9708-019B960494DF}">
+                <a14:hiddenLine xmlns="" xmlns:a16="http://schemas.microsoft.com/office/drawing/2014/main" xmlns:p14="http://schemas.microsoft.com/office/powerpoint/2010/main" xmlns:a14="http://schemas.microsoft.com/office/drawing/2010/main" w="9525">
+                  <a:solidFill>
+                    <a:srgbClr val="000000"/>
+                  </a:solidFill>
+                  <a:round/>
+                  <a:headEnd/>
+                  <a:tailEnd/>
+                </a14:hiddenLine>
+              </a:ext>
+            </a:extLst>
+          </p:spPr>
+        </p:sp>
+        <p:sp>
+          <p:nvSpPr>
+            <p:cNvPr id="17" name="Freeform 7">
+              <a:extLst>
+                <a:ext uri="{FF2B5EF4-FFF2-40B4-BE49-F238E27FC236}">
+                  <a16:creationId xmlns:a16="http://schemas.microsoft.com/office/drawing/2014/main" id="{E8864E76-AD7F-4BEE-B3F6-A78FA42AEFAC}"/>
+                </a:ext>
+                <a:ext uri="{C183D7F6-B498-43B3-948B-1728B52AA6E4}">
+                  <adec:decorative xmlns:adec="http://schemas.microsoft.com/office/drawing/2017/decorative" val="1"/>
+                </a:ext>
+              </a:extLst>
+            </p:cNvPr>
+            <p:cNvSpPr>
+              <a:spLocks noEditPoints="1"/>
+            </p:cNvSpPr>
+            <p:nvPr>
+              <p:extLst>
+                <p:ext uri="{386F3935-93C4-4BCD-93E2-E3B085C9AB24}">
+                  <p16:designElem xmlns:p16="http://schemas.microsoft.com/office/powerpoint/2015/main" val="1"/>
+                </p:ext>
+              </p:extLst>
+            </p:nvPr>
+          </p:nvSpPr>
+          <p:spPr bwMode="auto">
+            <a:xfrm>
+              <a:off x="28575" y="4021138"/>
+              <a:ext cx="190500" cy="188913"/>
+            </a:xfrm>
+            <a:custGeom>
+              <a:avLst/>
+              <a:gdLst/>
+              <a:ahLst/>
+              <a:cxnLst/>
+              <a:rect l="0" t="0" r="r" b="b"/>
+              <a:pathLst>
+                <a:path w="40" h="40">
+                  <a:moveTo>
+                    <a:pt x="20" y="40"/>
+                  </a:moveTo>
+                  <a:cubicBezTo>
+                    <a:pt x="9" y="40"/>
+                    <a:pt x="0" y="31"/>
+                    <a:pt x="0" y="20"/>
+                  </a:cubicBezTo>
+                  <a:cubicBezTo>
+                    <a:pt x="0" y="9"/>
+                    <a:pt x="9" y="0"/>
+                    <a:pt x="20" y="0"/>
+                  </a:cubicBezTo>
+                  <a:cubicBezTo>
+                    <a:pt x="31" y="0"/>
+                    <a:pt x="40" y="9"/>
+                    <a:pt x="40" y="20"/>
+                  </a:cubicBezTo>
+                  <a:cubicBezTo>
+                    <a:pt x="40" y="31"/>
+                    <a:pt x="31" y="40"/>
+                    <a:pt x="20" y="40"/>
+                  </a:cubicBezTo>
+                  <a:close/>
+                  <a:moveTo>
+                    <a:pt x="20" y="4"/>
+                  </a:moveTo>
+                  <a:cubicBezTo>
+                    <a:pt x="12" y="4"/>
+                    <a:pt x="4" y="11"/>
+                    <a:pt x="4" y="20"/>
+                  </a:cubicBezTo>
+                  <a:cubicBezTo>
+                    <a:pt x="4" y="29"/>
+                    <a:pt x="12" y="36"/>
+                    <a:pt x="20" y="36"/>
+                  </a:cubicBezTo>
+                  <a:cubicBezTo>
+                    <a:pt x="29" y="36"/>
+                    <a:pt x="36" y="29"/>
+                    <a:pt x="36" y="20"/>
+                  </a:cubicBezTo>
+                  <a:cubicBezTo>
+                    <a:pt x="36" y="11"/>
+                    <a:pt x="29" y="4"/>
+                    <a:pt x="20" y="4"/>
+                  </a:cubicBezTo>
+                  <a:close/>
+                </a:path>
+              </a:pathLst>
+            </a:custGeom>
+            <a:grpFill/>
+            <a:ln>
+              <a:noFill/>
+            </a:ln>
+            <a:extLst>
+              <a:ext uri="{91240B29-F687-4f45-9708-019B960494DF}">
+                <a14:hiddenLine xmlns="" xmlns:a16="http://schemas.microsoft.com/office/drawing/2014/main" xmlns:p14="http://schemas.microsoft.com/office/powerpoint/2010/main" xmlns:a14="http://schemas.microsoft.com/office/drawing/2010/main" w="9525">
+                  <a:solidFill>
+                    <a:srgbClr val="000000"/>
+                  </a:solidFill>
+                  <a:round/>
+                  <a:headEnd/>
+                  <a:tailEnd/>
+                </a14:hiddenLine>
+              </a:ext>
+            </a:extLst>
+          </p:spPr>
+        </p:sp>
+        <p:sp>
+          <p:nvSpPr>
+            <p:cNvPr id="18" name="Freeform 8">
+              <a:extLst>
+                <a:ext uri="{FF2B5EF4-FFF2-40B4-BE49-F238E27FC236}">
+                  <a16:creationId xmlns:a16="http://schemas.microsoft.com/office/drawing/2014/main" id="{8AD071B3-046D-4479-91FE-01E9AD7C8AAB}"/>
+                </a:ext>
+                <a:ext uri="{C183D7F6-B498-43B3-948B-1728B52AA6E4}">
+                  <adec:decorative xmlns:adec="http://schemas.microsoft.com/office/drawing/2017/decorative" val="1"/>
+                </a:ext>
+              </a:extLst>
+            </p:cNvPr>
+            <p:cNvSpPr/>
+            <p:nvPr>
+              <p:extLst>
+                <p:ext uri="{386F3935-93C4-4BCD-93E2-E3B085C9AB24}">
+                  <p16:designElem xmlns:p16="http://schemas.microsoft.com/office/powerpoint/2015/main" val="1"/>
+                </p:ext>
+              </p:extLst>
+            </p:nvPr>
+          </p:nvSpPr>
+          <p:spPr bwMode="auto">
+            <a:xfrm>
+              <a:off x="200025" y="4763"/>
+              <a:ext cx="369888" cy="1811338"/>
+            </a:xfrm>
+            <a:custGeom>
+              <a:avLst/>
+              <a:gdLst/>
+              <a:ahLst/>
+              <a:cxnLst/>
+              <a:rect l="0" t="0" r="r" b="b"/>
+              <a:pathLst>
+                <a:path w="233" h="1141">
+                  <a:moveTo>
+                    <a:pt x="218" y="1141"/>
+                  </a:moveTo>
+                  <a:lnTo>
+                    <a:pt x="0" y="626"/>
+                  </a:lnTo>
+                  <a:lnTo>
+                    <a:pt x="0" y="0"/>
+                  </a:lnTo>
+                  <a:lnTo>
+                    <a:pt x="15" y="0"/>
+                  </a:lnTo>
+                  <a:lnTo>
+                    <a:pt x="15" y="623"/>
+                  </a:lnTo>
+                  <a:lnTo>
+                    <a:pt x="233" y="1135"/>
+                  </a:lnTo>
+                  <a:lnTo>
+                    <a:pt x="218" y="1141"/>
+                  </a:lnTo>
+                  <a:close/>
+                </a:path>
+              </a:pathLst>
+            </a:custGeom>
+            <a:grpFill/>
+            <a:ln>
+              <a:noFill/>
+            </a:ln>
+            <a:extLst>
+              <a:ext uri="{91240B29-F687-4f45-9708-019B960494DF}">
+                <a14:hiddenLine xmlns="" xmlns:a16="http://schemas.microsoft.com/office/drawing/2014/main" xmlns:p14="http://schemas.microsoft.com/office/powerpoint/2010/main" xmlns:a14="http://schemas.microsoft.com/office/drawing/2010/main" w="9525">
+                  <a:solidFill>
+                    <a:srgbClr val="000000"/>
+                  </a:solidFill>
+                  <a:round/>
+                  <a:headEnd/>
+                  <a:tailEnd/>
+                </a14:hiddenLine>
+              </a:ext>
+            </a:extLst>
+          </p:spPr>
+        </p:sp>
+        <p:sp>
+          <p:nvSpPr>
+            <p:cNvPr id="19" name="Freeform 9">
+              <a:extLst>
+                <a:ext uri="{FF2B5EF4-FFF2-40B4-BE49-F238E27FC236}">
+                  <a16:creationId xmlns:a16="http://schemas.microsoft.com/office/drawing/2014/main" id="{91D776F5-E902-4A4D-A75D-A46E063C9F38}"/>
+                </a:ext>
+                <a:ext uri="{C183D7F6-B498-43B3-948B-1728B52AA6E4}">
+                  <adec:decorative xmlns:adec="http://schemas.microsoft.com/office/drawing/2017/decorative" val="1"/>
+                </a:ext>
+              </a:extLst>
+            </p:cNvPr>
+            <p:cNvSpPr>
+              <a:spLocks noEditPoints="1"/>
+            </p:cNvSpPr>
+            <p:nvPr>
+              <p:extLst>
+                <p:ext uri="{386F3935-93C4-4BCD-93E2-E3B085C9AB24}">
+                  <p16:designElem xmlns:p16="http://schemas.microsoft.com/office/powerpoint/2015/main" val="1"/>
+                </p:ext>
+              </p:extLst>
+            </p:nvPr>
+          </p:nvSpPr>
+          <p:spPr bwMode="auto">
+            <a:xfrm>
+              <a:off x="503237" y="1801813"/>
+              <a:ext cx="190500" cy="188913"/>
+            </a:xfrm>
+            <a:custGeom>
+              <a:avLst/>
+              <a:gdLst/>
+              <a:ahLst/>
+              <a:cxnLst/>
+              <a:rect l="0" t="0" r="r" b="b"/>
+              <a:pathLst>
+                <a:path w="40" h="40">
+                  <a:moveTo>
+                    <a:pt x="20" y="40"/>
+                  </a:moveTo>
+                  <a:cubicBezTo>
+                    <a:pt x="9" y="40"/>
+                    <a:pt x="0" y="31"/>
+                    <a:pt x="0" y="20"/>
+                  </a:cubicBezTo>
+                  <a:cubicBezTo>
+                    <a:pt x="0" y="9"/>
+                    <a:pt x="9" y="0"/>
+                    <a:pt x="20" y="0"/>
+                  </a:cubicBezTo>
+                  <a:cubicBezTo>
+                    <a:pt x="33" y="0"/>
+                    <a:pt x="40" y="6"/>
+                    <a:pt x="40" y="20"/>
+                  </a:cubicBezTo>
+                  <a:cubicBezTo>
+                    <a:pt x="40" y="31"/>
+                    <a:pt x="31" y="40"/>
+                    <a:pt x="20" y="40"/>
+                  </a:cubicBezTo>
+                  <a:close/>
+                  <a:moveTo>
+                    <a:pt x="20" y="4"/>
+                  </a:moveTo>
+                  <a:cubicBezTo>
+                    <a:pt x="11" y="4"/>
+                    <a:pt x="4" y="11"/>
+                    <a:pt x="4" y="20"/>
+                  </a:cubicBezTo>
+                  <a:cubicBezTo>
+                    <a:pt x="4" y="29"/>
+                    <a:pt x="11" y="36"/>
+                    <a:pt x="20" y="36"/>
+                  </a:cubicBezTo>
+                  <a:cubicBezTo>
+                    <a:pt x="28" y="36"/>
+                    <a:pt x="36" y="29"/>
+                    <a:pt x="36" y="20"/>
+                  </a:cubicBezTo>
+                  <a:cubicBezTo>
+                    <a:pt x="36" y="9"/>
+                    <a:pt x="31" y="4"/>
+                    <a:pt x="20" y="4"/>
+                  </a:cubicBezTo>
+                  <a:close/>
+                </a:path>
+              </a:pathLst>
+            </a:custGeom>
+            <a:grpFill/>
+            <a:ln>
+              <a:noFill/>
+            </a:ln>
+            <a:extLst>
+              <a:ext uri="{91240B29-F687-4f45-9708-019B960494DF}">
+                <a14:hiddenLine xmlns="" xmlns:a16="http://schemas.microsoft.com/office/drawing/2014/main" xmlns:p14="http://schemas.microsoft.com/office/powerpoint/2010/main" xmlns:a14="http://schemas.microsoft.com/office/drawing/2010/main" w="9525">
+                  <a:solidFill>
+                    <a:srgbClr val="000000"/>
+                  </a:solidFill>
+                  <a:round/>
+                  <a:headEnd/>
+                  <a:tailEnd/>
+                </a14:hiddenLine>
+              </a:ext>
+            </a:extLst>
+          </p:spPr>
+        </p:sp>
+        <p:sp>
+          <p:nvSpPr>
+            <p:cNvPr id="20" name="Freeform 10">
+              <a:extLst>
+                <a:ext uri="{FF2B5EF4-FFF2-40B4-BE49-F238E27FC236}">
+                  <a16:creationId xmlns:a16="http://schemas.microsoft.com/office/drawing/2014/main" id="{EBED8F24-A998-4952-AB68-E2074F0746FE}"/>
+                </a:ext>
+                <a:ext uri="{C183D7F6-B498-43B3-948B-1728B52AA6E4}">
+                  <adec:decorative xmlns:adec="http://schemas.microsoft.com/office/drawing/2017/decorative" val="1"/>
+                </a:ext>
+              </a:extLst>
+            </p:cNvPr>
+            <p:cNvSpPr/>
+            <p:nvPr>
+              <p:extLst>
+                <p:ext uri="{386F3935-93C4-4BCD-93E2-E3B085C9AB24}">
+                  <p16:designElem xmlns:p16="http://schemas.microsoft.com/office/powerpoint/2015/main" val="1"/>
+                </p:ext>
+              </p:extLst>
+            </p:nvPr>
+          </p:nvSpPr>
+          <p:spPr bwMode="auto">
+            <a:xfrm>
+              <a:off x="285750" y="4763"/>
+              <a:ext cx="369888" cy="1430338"/>
+            </a:xfrm>
+            <a:custGeom>
+              <a:avLst/>
+              <a:gdLst/>
+              <a:ahLst/>
+              <a:cxnLst/>
+              <a:rect l="0" t="0" r="r" b="b"/>
+              <a:pathLst>
+                <a:path w="233" h="901">
+                  <a:moveTo>
+                    <a:pt x="221" y="901"/>
+                  </a:moveTo>
+                  <a:lnTo>
+                    <a:pt x="0" y="383"/>
+                  </a:lnTo>
+                  <a:lnTo>
+                    <a:pt x="0" y="0"/>
+                  </a:lnTo>
+                  <a:lnTo>
+                    <a:pt x="18" y="0"/>
+                  </a:lnTo>
+                  <a:lnTo>
+                    <a:pt x="18" y="380"/>
+                  </a:lnTo>
+                  <a:lnTo>
+                    <a:pt x="233" y="895"/>
+                  </a:lnTo>
+                  <a:lnTo>
+                    <a:pt x="221" y="901"/>
+                  </a:lnTo>
+                  <a:close/>
+                </a:path>
+              </a:pathLst>
+            </a:custGeom>
+            <a:grpFill/>
+            <a:ln>
+              <a:noFill/>
+            </a:ln>
+            <a:extLst>
+              <a:ext uri="{91240B29-F687-4f45-9708-019B960494DF}">
+                <a14:hiddenLine xmlns="" xmlns:a16="http://schemas.microsoft.com/office/drawing/2014/main" xmlns:p14="http://schemas.microsoft.com/office/powerpoint/2010/main" xmlns:a14="http://schemas.microsoft.com/office/drawing/2010/main" w="9525">
+                  <a:solidFill>
+                    <a:srgbClr val="000000"/>
+                  </a:solidFill>
+                  <a:round/>
+                  <a:headEnd/>
+                  <a:tailEnd/>
+                </a14:hiddenLine>
+              </a:ext>
+            </a:extLst>
+          </p:spPr>
+        </p:sp>
+        <p:sp>
+          <p:nvSpPr>
+            <p:cNvPr id="21" name="Freeform 11">
+              <a:extLst>
+                <a:ext uri="{FF2B5EF4-FFF2-40B4-BE49-F238E27FC236}">
+                  <a16:creationId xmlns:a16="http://schemas.microsoft.com/office/drawing/2014/main" id="{74D7A646-8CDC-49B3-9C44-3EF38DB4264C}"/>
+                </a:ext>
+                <a:ext uri="{C183D7F6-B498-43B3-948B-1728B52AA6E4}">
+                  <adec:decorative xmlns:adec="http://schemas.microsoft.com/office/drawing/2017/decorative" val="1"/>
+                </a:ext>
+              </a:extLst>
+            </p:cNvPr>
+            <p:cNvSpPr/>
+            <p:nvPr>
+              <p:extLst>
+                <p:ext uri="{386F3935-93C4-4BCD-93E2-E3B085C9AB24}">
+                  <p16:designElem xmlns:p16="http://schemas.microsoft.com/office/powerpoint/2015/main" val="1"/>
+                </p:ext>
+              </p:extLst>
+            </p:nvPr>
+          </p:nvSpPr>
+          <p:spPr bwMode="auto">
+            <a:xfrm>
+              <a:off x="546100" y="0"/>
+              <a:ext cx="152400" cy="912813"/>
+            </a:xfrm>
+            <a:custGeom>
+              <a:avLst/>
+              <a:gdLst/>
+              <a:ahLst/>
+              <a:cxnLst/>
+              <a:rect l="0" t="0" r="r" b="b"/>
+              <a:pathLst>
+                <a:path w="96" h="575">
+                  <a:moveTo>
+                    <a:pt x="96" y="575"/>
+                  </a:moveTo>
+                  <a:lnTo>
+                    <a:pt x="78" y="575"/>
+                  </a:lnTo>
+                  <a:lnTo>
+                    <a:pt x="78" y="192"/>
+                  </a:lnTo>
+                  <a:lnTo>
+                    <a:pt x="0" y="6"/>
+                  </a:lnTo>
+                  <a:lnTo>
+                    <a:pt x="15" y="0"/>
+                  </a:lnTo>
+                  <a:lnTo>
+                    <a:pt x="96" y="189"/>
+                  </a:lnTo>
+                  <a:lnTo>
+                    <a:pt x="96" y="575"/>
+                  </a:lnTo>
+                  <a:close/>
+                </a:path>
+              </a:pathLst>
+            </a:custGeom>
+            <a:grpFill/>
+            <a:ln>
+              <a:noFill/>
+            </a:ln>
+            <a:extLst>
+              <a:ext uri="{91240B29-F687-4f45-9708-019B960494DF}">
+                <a14:hiddenLine xmlns="" xmlns:a16="http://schemas.microsoft.com/office/drawing/2014/main" xmlns:p14="http://schemas.microsoft.com/office/powerpoint/2010/main" xmlns:a14="http://schemas.microsoft.com/office/drawing/2010/main" w="9525">
+                  <a:solidFill>
+                    <a:srgbClr val="000000"/>
+                  </a:solidFill>
+                  <a:round/>
+                  <a:headEnd/>
+                  <a:tailEnd/>
+                </a14:hiddenLine>
+              </a:ext>
+            </a:extLst>
+          </p:spPr>
+        </p:sp>
+        <p:sp>
+          <p:nvSpPr>
+            <p:cNvPr id="22" name="Freeform 12">
+              <a:extLst>
+                <a:ext uri="{FF2B5EF4-FFF2-40B4-BE49-F238E27FC236}">
+                  <a16:creationId xmlns:a16="http://schemas.microsoft.com/office/drawing/2014/main" id="{D4E99D14-E4F4-419B-9AAF-8D1CEAB28A2D}"/>
+                </a:ext>
+                <a:ext uri="{C183D7F6-B498-43B3-948B-1728B52AA6E4}">
+                  <adec:decorative xmlns:adec="http://schemas.microsoft.com/office/drawing/2017/decorative" val="1"/>
+                </a:ext>
+              </a:extLst>
+            </p:cNvPr>
+            <p:cNvSpPr>
+              <a:spLocks noEditPoints="1"/>
+            </p:cNvSpPr>
+            <p:nvPr>
+              <p:extLst>
+                <p:ext uri="{386F3935-93C4-4BCD-93E2-E3B085C9AB24}">
+                  <p16:designElem xmlns:p16="http://schemas.microsoft.com/office/powerpoint/2015/main" val="1"/>
+                </p:ext>
+              </p:extLst>
+            </p:nvPr>
+          </p:nvSpPr>
+          <p:spPr bwMode="auto">
+            <a:xfrm>
+              <a:off x="588962" y="1420813"/>
+              <a:ext cx="190500" cy="190500"/>
+            </a:xfrm>
+            <a:custGeom>
+              <a:avLst/>
+              <a:gdLst/>
+              <a:ahLst/>
+              <a:cxnLst/>
+              <a:rect l="0" t="0" r="r" b="b"/>
+              <a:pathLst>
+                <a:path w="40" h="40">
+                  <a:moveTo>
+                    <a:pt x="20" y="40"/>
+                  </a:moveTo>
+                  <a:cubicBezTo>
+                    <a:pt x="9" y="40"/>
+                    <a:pt x="0" y="31"/>
+                    <a:pt x="0" y="20"/>
+                  </a:cubicBezTo>
+                  <a:cubicBezTo>
+                    <a:pt x="0" y="9"/>
+                    <a:pt x="9" y="0"/>
+                    <a:pt x="20" y="0"/>
+                  </a:cubicBezTo>
+                  <a:cubicBezTo>
+                    <a:pt x="33" y="0"/>
+                    <a:pt x="40" y="7"/>
+                    <a:pt x="40" y="20"/>
+                  </a:cubicBezTo>
+                  <a:cubicBezTo>
+                    <a:pt x="40" y="31"/>
+                    <a:pt x="31" y="40"/>
+                    <a:pt x="20" y="40"/>
+                  </a:cubicBezTo>
+                  <a:close/>
+                  <a:moveTo>
+                    <a:pt x="20" y="4"/>
+                  </a:moveTo>
+                  <a:cubicBezTo>
+                    <a:pt x="11" y="4"/>
+                    <a:pt x="4" y="11"/>
+                    <a:pt x="4" y="20"/>
+                  </a:cubicBezTo>
+                  <a:cubicBezTo>
+                    <a:pt x="4" y="29"/>
+                    <a:pt x="11" y="36"/>
+                    <a:pt x="20" y="36"/>
+                  </a:cubicBezTo>
+                  <a:cubicBezTo>
+                    <a:pt x="29" y="36"/>
+                    <a:pt x="36" y="29"/>
+                    <a:pt x="36" y="20"/>
+                  </a:cubicBezTo>
+                  <a:cubicBezTo>
+                    <a:pt x="36" y="9"/>
+                    <a:pt x="31" y="4"/>
+                    <a:pt x="20" y="4"/>
+                  </a:cubicBezTo>
+                  <a:close/>
+                </a:path>
+              </a:pathLst>
+            </a:custGeom>
+            <a:grpFill/>
+            <a:ln>
+              <a:noFill/>
+            </a:ln>
+            <a:extLst>
+              <a:ext uri="{91240B29-F687-4f45-9708-019B960494DF}">
+                <a14:hiddenLine xmlns="" xmlns:a16="http://schemas.microsoft.com/office/drawing/2014/main" xmlns:p14="http://schemas.microsoft.com/office/powerpoint/2010/main" xmlns:a14="http://schemas.microsoft.com/office/drawing/2010/main" w="9525">
+                  <a:solidFill>
+                    <a:srgbClr val="000000"/>
+                  </a:solidFill>
+                  <a:round/>
+                  <a:headEnd/>
+                  <a:tailEnd/>
+                </a14:hiddenLine>
+              </a:ext>
+            </a:extLst>
+          </p:spPr>
+        </p:sp>
+        <p:sp>
+          <p:nvSpPr>
+            <p:cNvPr id="23" name="Freeform 13">
+              <a:extLst>
+                <a:ext uri="{FF2B5EF4-FFF2-40B4-BE49-F238E27FC236}">
+                  <a16:creationId xmlns:a16="http://schemas.microsoft.com/office/drawing/2014/main" id="{377E106C-5445-4A52-9F7E-DA1738744291}"/>
+                </a:ext>
+                <a:ext uri="{C183D7F6-B498-43B3-948B-1728B52AA6E4}">
+                  <adec:decorative xmlns:adec="http://schemas.microsoft.com/office/drawing/2017/decorative" val="1"/>
+                </a:ext>
+              </a:extLst>
+            </p:cNvPr>
+            <p:cNvSpPr>
+              <a:spLocks noEditPoints="1"/>
+            </p:cNvSpPr>
+            <p:nvPr>
+              <p:extLst>
+                <p:ext uri="{386F3935-93C4-4BCD-93E2-E3B085C9AB24}">
+                  <p16:designElem xmlns:p16="http://schemas.microsoft.com/office/powerpoint/2015/main" val="1"/>
+                </p:ext>
+              </p:extLst>
+            </p:nvPr>
+          </p:nvSpPr>
+          <p:spPr bwMode="auto">
+            <a:xfrm>
+              <a:off x="588962" y="903288"/>
+              <a:ext cx="190500" cy="190500"/>
+            </a:xfrm>
+            <a:custGeom>
+              <a:avLst/>
+              <a:gdLst/>
+              <a:ahLst/>
+              <a:cxnLst/>
+              <a:rect l="0" t="0" r="r" b="b"/>
+              <a:pathLst>
+                <a:path w="40" h="40">
+                  <a:moveTo>
+                    <a:pt x="20" y="40"/>
+                  </a:moveTo>
+                  <a:cubicBezTo>
+                    <a:pt x="9" y="40"/>
+                    <a:pt x="0" y="31"/>
+                    <a:pt x="0" y="20"/>
+                  </a:cubicBezTo>
+                  <a:cubicBezTo>
+                    <a:pt x="0" y="9"/>
+                    <a:pt x="9" y="0"/>
+                    <a:pt x="20" y="0"/>
+                  </a:cubicBezTo>
+                  <a:cubicBezTo>
+                    <a:pt x="31" y="0"/>
+                    <a:pt x="40" y="9"/>
+                    <a:pt x="40" y="20"/>
+                  </a:cubicBezTo>
+                  <a:cubicBezTo>
+                    <a:pt x="40" y="31"/>
+                    <a:pt x="31" y="40"/>
+                    <a:pt x="20" y="40"/>
+                  </a:cubicBezTo>
+                  <a:close/>
+                  <a:moveTo>
+                    <a:pt x="20" y="4"/>
+                  </a:moveTo>
+                  <a:cubicBezTo>
+                    <a:pt x="11" y="4"/>
+                    <a:pt x="4" y="11"/>
+                    <a:pt x="4" y="20"/>
+                  </a:cubicBezTo>
+                  <a:cubicBezTo>
+                    <a:pt x="4" y="29"/>
+                    <a:pt x="11" y="36"/>
+                    <a:pt x="20" y="36"/>
+                  </a:cubicBezTo>
+                  <a:cubicBezTo>
+                    <a:pt x="29" y="36"/>
+                    <a:pt x="36" y="29"/>
+                    <a:pt x="36" y="20"/>
+                  </a:cubicBezTo>
+                  <a:cubicBezTo>
+                    <a:pt x="36" y="11"/>
+                    <a:pt x="29" y="4"/>
+                    <a:pt x="20" y="4"/>
+                  </a:cubicBezTo>
+                  <a:close/>
+                </a:path>
+              </a:pathLst>
+            </a:custGeom>
+            <a:grpFill/>
+            <a:ln>
+              <a:noFill/>
+            </a:ln>
+            <a:extLst>
+              <a:ext uri="{91240B29-F687-4f45-9708-019B960494DF}">
+                <a14:hiddenLine xmlns="" xmlns:a16="http://schemas.microsoft.com/office/drawing/2014/main" xmlns:p14="http://schemas.microsoft.com/office/powerpoint/2010/main" xmlns:a14="http://schemas.microsoft.com/office/drawing/2010/main" w="9525">
+                  <a:solidFill>
+                    <a:srgbClr val="000000"/>
+                  </a:solidFill>
+                  <a:round/>
+                  <a:headEnd/>
+                  <a:tailEnd/>
+                </a14:hiddenLine>
+              </a:ext>
+            </a:extLst>
+          </p:spPr>
+        </p:sp>
+        <p:sp>
+          <p:nvSpPr>
+            <p:cNvPr id="24" name="Freeform 14">
+              <a:extLst>
+                <a:ext uri="{FF2B5EF4-FFF2-40B4-BE49-F238E27FC236}">
+                  <a16:creationId xmlns:a16="http://schemas.microsoft.com/office/drawing/2014/main" id="{752BFE96-D378-4BAE-A64B-F851A34C4770}"/>
+                </a:ext>
+                <a:ext uri="{C183D7F6-B498-43B3-948B-1728B52AA6E4}">
+                  <adec:decorative xmlns:adec="http://schemas.microsoft.com/office/drawing/2017/decorative" val="1"/>
+                </a:ext>
+              </a:extLst>
+            </p:cNvPr>
+            <p:cNvSpPr/>
+            <p:nvPr>
+              <p:extLst>
+                <p:ext uri="{386F3935-93C4-4BCD-93E2-E3B085C9AB24}">
+                  <p16:designElem xmlns:p16="http://schemas.microsoft.com/office/powerpoint/2015/main" val="1"/>
+                </p:ext>
+              </p:extLst>
+            </p:nvPr>
+          </p:nvSpPr>
+          <p:spPr bwMode="auto">
+            <a:xfrm>
+              <a:off x="641350" y="0"/>
+              <a:ext cx="422275" cy="527050"/>
+            </a:xfrm>
+            <a:custGeom>
+              <a:avLst/>
+              <a:gdLst/>
+              <a:ahLst/>
+              <a:cxnLst/>
+              <a:rect l="0" t="0" r="r" b="b"/>
+              <a:pathLst>
+                <a:path w="266" h="332">
+                  <a:moveTo>
+                    <a:pt x="257" y="332"/>
+                  </a:moveTo>
+                  <a:lnTo>
+                    <a:pt x="48" y="123"/>
+                  </a:lnTo>
+                  <a:lnTo>
+                    <a:pt x="0" y="6"/>
+                  </a:lnTo>
+                  <a:lnTo>
+                    <a:pt x="15" y="0"/>
+                  </a:lnTo>
+                  <a:lnTo>
+                    <a:pt x="63" y="114"/>
+                  </a:lnTo>
+                  <a:lnTo>
+                    <a:pt x="266" y="320"/>
+                  </a:lnTo>
+                  <a:lnTo>
+                    <a:pt x="257" y="332"/>
+                  </a:lnTo>
+                  <a:close/>
+                </a:path>
+              </a:pathLst>
+            </a:custGeom>
+            <a:grpFill/>
+            <a:ln>
+              <a:noFill/>
+            </a:ln>
+            <a:extLst>
+              <a:ext uri="{91240B29-F687-4f45-9708-019B960494DF}">
+                <a14:hiddenLine xmlns="" xmlns:a16="http://schemas.microsoft.com/office/drawing/2014/main" xmlns:p14="http://schemas.microsoft.com/office/powerpoint/2010/main" xmlns:a14="http://schemas.microsoft.com/office/drawing/2010/main" w="9525">
+                  <a:solidFill>
+                    <a:srgbClr val="000000"/>
+                  </a:solidFill>
+                  <a:round/>
+                  <a:headEnd/>
+                  <a:tailEnd/>
+                </a14:hiddenLine>
+              </a:ext>
+            </a:extLst>
+          </p:spPr>
+        </p:sp>
+        <p:sp>
+          <p:nvSpPr>
+            <p:cNvPr id="25" name="Freeform 15">
+              <a:extLst>
+                <a:ext uri="{FF2B5EF4-FFF2-40B4-BE49-F238E27FC236}">
+                  <a16:creationId xmlns:a16="http://schemas.microsoft.com/office/drawing/2014/main" id="{B88FFB19-5A5E-4078-B467-9D4ABD21BD9A}"/>
+                </a:ext>
+                <a:ext uri="{C183D7F6-B498-43B3-948B-1728B52AA6E4}">
+                  <adec:decorative xmlns:adec="http://schemas.microsoft.com/office/drawing/2017/decorative" val="1"/>
+                </a:ext>
+              </a:extLst>
+            </p:cNvPr>
+            <p:cNvSpPr>
+              <a:spLocks noEditPoints="1"/>
+            </p:cNvSpPr>
+            <p:nvPr>
+              <p:extLst>
+                <p:ext uri="{386F3935-93C4-4BCD-93E2-E3B085C9AB24}">
+                  <p16:designElem xmlns:p16="http://schemas.microsoft.com/office/powerpoint/2015/main" val="1"/>
+                </p:ext>
+              </p:extLst>
+            </p:nvPr>
+          </p:nvSpPr>
+          <p:spPr bwMode="auto">
+            <a:xfrm>
+              <a:off x="1020762" y="488950"/>
+              <a:ext cx="161925" cy="147638"/>
+            </a:xfrm>
+            <a:custGeom>
+              <a:avLst/>
+              <a:gdLst/>
+              <a:ahLst/>
+              <a:cxnLst/>
+              <a:rect l="0" t="0" r="r" b="b"/>
+              <a:pathLst>
+                <a:path w="34" h="31">
+                  <a:moveTo>
+                    <a:pt x="17" y="31"/>
+                  </a:moveTo>
+                  <a:cubicBezTo>
+                    <a:pt x="13" y="31"/>
+                    <a:pt x="9" y="30"/>
+                    <a:pt x="6" y="27"/>
+                  </a:cubicBezTo>
+                  <a:cubicBezTo>
+                    <a:pt x="0" y="20"/>
+                    <a:pt x="0" y="10"/>
+                    <a:pt x="6" y="4"/>
+                  </a:cubicBezTo>
+                  <a:cubicBezTo>
+                    <a:pt x="9" y="1"/>
+                    <a:pt x="13" y="0"/>
+                    <a:pt x="17" y="0"/>
+                  </a:cubicBezTo>
+                  <a:cubicBezTo>
+                    <a:pt x="21" y="0"/>
+                    <a:pt x="25" y="1"/>
+                    <a:pt x="28" y="4"/>
+                  </a:cubicBezTo>
+                  <a:cubicBezTo>
+                    <a:pt x="34" y="10"/>
+                    <a:pt x="34" y="20"/>
+                    <a:pt x="28" y="27"/>
+                  </a:cubicBezTo>
+                  <a:cubicBezTo>
+                    <a:pt x="25" y="30"/>
+                    <a:pt x="21" y="31"/>
+                    <a:pt x="17" y="31"/>
+                  </a:cubicBezTo>
+                  <a:close/>
+                  <a:moveTo>
+                    <a:pt x="17" y="4"/>
+                  </a:moveTo>
+                  <a:cubicBezTo>
+                    <a:pt x="14" y="4"/>
+                    <a:pt x="11" y="5"/>
+                    <a:pt x="9" y="7"/>
+                  </a:cubicBezTo>
+                  <a:cubicBezTo>
+                    <a:pt x="4" y="12"/>
+                    <a:pt x="4" y="19"/>
+                    <a:pt x="9" y="24"/>
+                  </a:cubicBezTo>
+                  <a:cubicBezTo>
+                    <a:pt x="11" y="26"/>
+                    <a:pt x="14" y="27"/>
+                    <a:pt x="17" y="27"/>
+                  </a:cubicBezTo>
+                  <a:cubicBezTo>
+                    <a:pt x="20" y="27"/>
+                    <a:pt x="23" y="26"/>
+                    <a:pt x="25" y="24"/>
+                  </a:cubicBezTo>
+                  <a:cubicBezTo>
+                    <a:pt x="30" y="19"/>
+                    <a:pt x="30" y="12"/>
+                    <a:pt x="25" y="7"/>
+                  </a:cubicBezTo>
+                  <a:cubicBezTo>
+                    <a:pt x="23" y="5"/>
+                    <a:pt x="20" y="4"/>
+                    <a:pt x="17" y="4"/>
+                  </a:cubicBezTo>
+                  <a:close/>
+                </a:path>
+              </a:pathLst>
+            </a:custGeom>
+            <a:grpFill/>
+            <a:ln>
+              <a:noFill/>
+            </a:ln>
+            <a:extLst>
+              <a:ext uri="{91240B29-F687-4f45-9708-019B960494DF}">
+                <a14:hiddenLine xmlns="" xmlns:a16="http://schemas.microsoft.com/office/drawing/2014/main" xmlns:p14="http://schemas.microsoft.com/office/powerpoint/2010/main" xmlns:a14="http://schemas.microsoft.com/office/drawing/2010/main" w="9525">
+                  <a:solidFill>
+                    <a:srgbClr val="000000"/>
+                  </a:solidFill>
+                  <a:round/>
+                  <a:headEnd/>
+                  <a:tailEnd/>
+                </a14:hiddenLine>
+              </a:ext>
+            </a:extLst>
+          </p:spPr>
+        </p:sp>
+        <p:sp>
+          <p:nvSpPr>
+            <p:cNvPr id="26" name="Line 16">
+              <a:extLst>
+                <a:ext uri="{FF2B5EF4-FFF2-40B4-BE49-F238E27FC236}">
+                  <a16:creationId xmlns:a16="http://schemas.microsoft.com/office/drawing/2014/main" id="{11042975-3D19-4728-BCDA-D3F5CD633EDB}"/>
+                </a:ext>
+                <a:ext uri="{C183D7F6-B498-43B3-948B-1728B52AA6E4}">
+                  <adec:decorative xmlns:adec="http://schemas.microsoft.com/office/drawing/2017/decorative" val="1"/>
+                </a:ext>
+              </a:extLst>
+            </p:cNvPr>
+            <p:cNvSpPr>
+              <a:spLocks noChangeShapeType="1"/>
+            </p:cNvSpPr>
+            <p:nvPr>
+              <p:extLst>
+                <p:ext uri="{386F3935-93C4-4BCD-93E2-E3B085C9AB24}">
+                  <p16:designElem xmlns:p16="http://schemas.microsoft.com/office/powerpoint/2015/main" val="1"/>
+                </p:ext>
+              </p:extLst>
+            </p:nvPr>
+          </p:nvSpPr>
+          <p:spPr bwMode="auto">
+            <a:xfrm>
+              <a:off x="-4763" y="9525"/>
+              <a:ext cx="0" cy="0"/>
+            </a:xfrm>
+            <a:prstGeom prst="line">
+              <a:avLst/>
+            </a:prstGeom>
+            <a:grpFill/>
+            <a:ln w="15" cap="flat">
+              <a:solidFill>
+                <a:srgbClr val="FFFFFF"/>
+              </a:solidFill>
+              <a:prstDash val="solid"/>
+              <a:miter lim="800000"/>
+              <a:headEnd/>
+              <a:tailEnd/>
+            </a:ln>
+          </p:spPr>
+        </p:sp>
+        <p:sp>
+          <p:nvSpPr>
+            <p:cNvPr id="27" name="Freeform 17">
+              <a:extLst>
+                <a:ext uri="{FF2B5EF4-FFF2-40B4-BE49-F238E27FC236}">
+                  <a16:creationId xmlns:a16="http://schemas.microsoft.com/office/drawing/2014/main" id="{A28972BD-D2E1-4DCA-A907-2E3B6F606649}"/>
+                </a:ext>
+                <a:ext uri="{C183D7F6-B498-43B3-948B-1728B52AA6E4}">
+                  <adec:decorative xmlns:adec="http://schemas.microsoft.com/office/drawing/2017/decorative" val="1"/>
+                </a:ext>
+              </a:extLst>
+            </p:cNvPr>
+            <p:cNvSpPr/>
+            <p:nvPr>
+              <p:extLst>
+                <p:ext uri="{386F3935-93C4-4BCD-93E2-E3B085C9AB24}">
+                  <p16:designElem xmlns:p16="http://schemas.microsoft.com/office/powerpoint/2015/main" val="1"/>
+                </p:ext>
+              </p:extLst>
+            </p:nvPr>
+          </p:nvSpPr>
+          <p:spPr bwMode="auto">
+            <a:xfrm>
+              <a:off x="9525" y="1801813"/>
+              <a:ext cx="123825" cy="127000"/>
+            </a:xfrm>
+            <a:custGeom>
+              <a:avLst/>
+              <a:gdLst/>
+              <a:ahLst/>
+              <a:cxnLst/>
+              <a:rect l="0" t="0" r="r" b="b"/>
+              <a:pathLst>
+                <a:path w="78" h="80">
+                  <a:moveTo>
+                    <a:pt x="6" y="80"/>
+                  </a:moveTo>
+                  <a:lnTo>
+                    <a:pt x="0" y="71"/>
+                  </a:lnTo>
+                  <a:lnTo>
+                    <a:pt x="69" y="0"/>
+                  </a:lnTo>
+                  <a:lnTo>
+                    <a:pt x="78" y="9"/>
+                  </a:lnTo>
+                  <a:lnTo>
+                    <a:pt x="6" y="80"/>
+                  </a:lnTo>
+                  <a:close/>
+                </a:path>
+              </a:pathLst>
+            </a:custGeom>
+            <a:grpFill/>
+            <a:ln>
+              <a:noFill/>
+            </a:ln>
+            <a:extLst>
+              <a:ext uri="{91240B29-F687-4f45-9708-019B960494DF}">
+                <a14:hiddenLine xmlns="" xmlns:a16="http://schemas.microsoft.com/office/drawing/2014/main" xmlns:p14="http://schemas.microsoft.com/office/powerpoint/2010/main" xmlns:a14="http://schemas.microsoft.com/office/drawing/2010/main" w="9525">
+                  <a:solidFill>
+                    <a:srgbClr val="000000"/>
+                  </a:solidFill>
+                  <a:round/>
+                  <a:headEnd/>
+                  <a:tailEnd/>
+                </a14:hiddenLine>
+              </a:ext>
+            </a:extLst>
+          </p:spPr>
+        </p:sp>
+        <p:sp>
+          <p:nvSpPr>
+            <p:cNvPr id="28" name="Freeform 18">
+              <a:extLst>
+                <a:ext uri="{FF2B5EF4-FFF2-40B4-BE49-F238E27FC236}">
+                  <a16:creationId xmlns:a16="http://schemas.microsoft.com/office/drawing/2014/main" id="{1C806824-5C2D-4747-B038-69EE4074B366}"/>
+                </a:ext>
+                <a:ext uri="{C183D7F6-B498-43B3-948B-1728B52AA6E4}">
+                  <adec:decorative xmlns:adec="http://schemas.microsoft.com/office/drawing/2017/decorative" val="1"/>
+                </a:ext>
+              </a:extLst>
+            </p:cNvPr>
+            <p:cNvSpPr/>
+            <p:nvPr>
+              <p:extLst>
+                <p:ext uri="{386F3935-93C4-4BCD-93E2-E3B085C9AB24}">
+                  <p16:designElem xmlns:p16="http://schemas.microsoft.com/office/powerpoint/2015/main" val="1"/>
+                </p:ext>
+              </p:extLst>
+            </p:nvPr>
+          </p:nvSpPr>
+          <p:spPr bwMode="auto">
+            <a:xfrm>
+              <a:off x="-9525" y="3549650"/>
+              <a:ext cx="147638" cy="481013"/>
+            </a:xfrm>
+            <a:custGeom>
+              <a:avLst/>
+              <a:gdLst/>
+              <a:ahLst/>
+              <a:cxnLst/>
+              <a:rect l="0" t="0" r="r" b="b"/>
+              <a:pathLst>
+                <a:path w="93" h="303">
+                  <a:moveTo>
+                    <a:pt x="93" y="303"/>
+                  </a:moveTo>
+                  <a:lnTo>
+                    <a:pt x="78" y="303"/>
+                  </a:lnTo>
+                  <a:lnTo>
+                    <a:pt x="78" y="78"/>
+                  </a:lnTo>
+                  <a:lnTo>
+                    <a:pt x="0" y="12"/>
+                  </a:lnTo>
+                  <a:lnTo>
+                    <a:pt x="12" y="0"/>
+                  </a:lnTo>
+                  <a:lnTo>
+                    <a:pt x="93" y="69"/>
+                  </a:lnTo>
+                  <a:lnTo>
+                    <a:pt x="93" y="303"/>
+                  </a:lnTo>
+                  <a:close/>
+                </a:path>
+              </a:pathLst>
+            </a:custGeom>
+            <a:grpFill/>
+            <a:ln>
+              <a:noFill/>
+            </a:ln>
+            <a:extLst>
+              <a:ext uri="{91240B29-F687-4f45-9708-019B960494DF}">
+                <a14:hiddenLine xmlns="" xmlns:a16="http://schemas.microsoft.com/office/drawing/2014/main" xmlns:p14="http://schemas.microsoft.com/office/powerpoint/2010/main" xmlns:a14="http://schemas.microsoft.com/office/drawing/2010/main" w="9525">
+                  <a:solidFill>
+                    <a:srgbClr val="000000"/>
+                  </a:solidFill>
+                  <a:round/>
+                  <a:headEnd/>
+                  <a:tailEnd/>
+                </a14:hiddenLine>
+              </a:ext>
+            </a:extLst>
+          </p:spPr>
+        </p:sp>
+        <p:sp>
+          <p:nvSpPr>
+            <p:cNvPr id="29" name="Freeform 19">
+              <a:extLst>
+                <a:ext uri="{FF2B5EF4-FFF2-40B4-BE49-F238E27FC236}">
+                  <a16:creationId xmlns:a16="http://schemas.microsoft.com/office/drawing/2014/main" id="{3B33F710-16D7-4F48-BFCA-66C9CA2352CB}"/>
+                </a:ext>
+                <a:ext uri="{C183D7F6-B498-43B3-948B-1728B52AA6E4}">
+                  <adec:decorative xmlns:adec="http://schemas.microsoft.com/office/drawing/2017/decorative" val="1"/>
+                </a:ext>
+              </a:extLst>
+            </p:cNvPr>
+            <p:cNvSpPr/>
+            <p:nvPr>
+              <p:extLst>
+                <p:ext uri="{386F3935-93C4-4BCD-93E2-E3B085C9AB24}">
+                  <p16:designElem xmlns:p16="http://schemas.microsoft.com/office/powerpoint/2015/main" val="1"/>
+                </p:ext>
+              </p:extLst>
+            </p:nvPr>
+          </p:nvSpPr>
+          <p:spPr bwMode="auto">
+            <a:xfrm>
+              <a:off x="128587" y="1382713"/>
+              <a:ext cx="142875" cy="476250"/>
+            </a:xfrm>
+            <a:custGeom>
+              <a:avLst/>
+              <a:gdLst/>
+              <a:ahLst/>
+              <a:cxnLst/>
+              <a:rect l="0" t="0" r="r" b="b"/>
+              <a:pathLst>
+                <a:path w="90" h="300">
+                  <a:moveTo>
+                    <a:pt x="90" y="300"/>
+                  </a:moveTo>
+                  <a:lnTo>
+                    <a:pt x="78" y="300"/>
+                  </a:lnTo>
+                  <a:lnTo>
+                    <a:pt x="78" y="84"/>
+                  </a:lnTo>
+                  <a:lnTo>
+                    <a:pt x="0" y="9"/>
+                  </a:lnTo>
+                  <a:lnTo>
+                    <a:pt x="9" y="0"/>
+                  </a:lnTo>
+                  <a:lnTo>
+                    <a:pt x="90" y="81"/>
+                  </a:lnTo>
+                  <a:lnTo>
+                    <a:pt x="90" y="300"/>
+                  </a:lnTo>
+                  <a:close/>
+                </a:path>
+              </a:pathLst>
+            </a:custGeom>
+            <a:grpFill/>
+            <a:ln>
+              <a:noFill/>
+            </a:ln>
+            <a:extLst>
+              <a:ext uri="{91240B29-F687-4f45-9708-019B960494DF}">
+                <a14:hiddenLine xmlns="" xmlns:a16="http://schemas.microsoft.com/office/drawing/2014/main" xmlns:p14="http://schemas.microsoft.com/office/powerpoint/2010/main" xmlns:a14="http://schemas.microsoft.com/office/drawing/2010/main" w="9525">
+                  <a:solidFill>
+                    <a:srgbClr val="000000"/>
+                  </a:solidFill>
+                  <a:round/>
+                  <a:headEnd/>
+                  <a:tailEnd/>
+                </a14:hiddenLine>
+              </a:ext>
+            </a:extLst>
+          </p:spPr>
+        </p:sp>
+        <p:sp>
+          <p:nvSpPr>
+            <p:cNvPr id="30" name="Freeform 20">
+              <a:extLst>
+                <a:ext uri="{FF2B5EF4-FFF2-40B4-BE49-F238E27FC236}">
+                  <a16:creationId xmlns:a16="http://schemas.microsoft.com/office/drawing/2014/main" id="{6C8C8ED4-90FA-4E97-AAF0-D5D51E6A935E}"/>
+                </a:ext>
+                <a:ext uri="{C183D7F6-B498-43B3-948B-1728B52AA6E4}">
+                  <adec:decorative xmlns:adec="http://schemas.microsoft.com/office/drawing/2017/decorative" val="1"/>
+                </a:ext>
+              </a:extLst>
+            </p:cNvPr>
+            <p:cNvSpPr>
+              <a:spLocks noEditPoints="1"/>
+            </p:cNvSpPr>
+            <p:nvPr>
+              <p:extLst>
+                <p:ext uri="{386F3935-93C4-4BCD-93E2-E3B085C9AB24}">
+                  <p16:designElem xmlns:p16="http://schemas.microsoft.com/office/powerpoint/2015/main" val="1"/>
+                </p:ext>
+              </p:extLst>
+            </p:nvPr>
+          </p:nvSpPr>
+          <p:spPr bwMode="auto">
+            <a:xfrm>
+              <a:off x="204787" y="1849438"/>
+              <a:ext cx="114300" cy="107950"/>
+            </a:xfrm>
+            <a:custGeom>
+              <a:avLst/>
+              <a:gdLst/>
+              <a:ahLst/>
+              <a:cxnLst/>
+              <a:rect l="0" t="0" r="r" b="b"/>
+              <a:pathLst>
+                <a:path w="24" h="23">
+                  <a:moveTo>
+                    <a:pt x="12" y="23"/>
+                  </a:moveTo>
+                  <a:cubicBezTo>
+                    <a:pt x="6" y="23"/>
+                    <a:pt x="0" y="18"/>
+                    <a:pt x="0" y="12"/>
+                  </a:cubicBezTo>
+                  <a:cubicBezTo>
+                    <a:pt x="0" y="5"/>
+                    <a:pt x="6" y="0"/>
+                    <a:pt x="12" y="0"/>
+                  </a:cubicBezTo>
+                  <a:cubicBezTo>
+                    <a:pt x="18" y="0"/>
+                    <a:pt x="24" y="5"/>
+                    <a:pt x="24" y="12"/>
+                  </a:cubicBezTo>
+                  <a:cubicBezTo>
+                    <a:pt x="24" y="18"/>
+                    <a:pt x="18" y="23"/>
+                    <a:pt x="12" y="23"/>
+                  </a:cubicBezTo>
+                  <a:close/>
+                  <a:moveTo>
+                    <a:pt x="12" y="4"/>
+                  </a:moveTo>
+                  <a:cubicBezTo>
+                    <a:pt x="8" y="4"/>
+                    <a:pt x="4" y="8"/>
+                    <a:pt x="4" y="12"/>
+                  </a:cubicBezTo>
+                  <a:cubicBezTo>
+                    <a:pt x="4" y="16"/>
+                    <a:pt x="8" y="19"/>
+                    <a:pt x="12" y="19"/>
+                  </a:cubicBezTo>
+                  <a:cubicBezTo>
+                    <a:pt x="16" y="19"/>
+                    <a:pt x="20" y="16"/>
+                    <a:pt x="20" y="12"/>
+                  </a:cubicBezTo>
+                  <a:cubicBezTo>
+                    <a:pt x="20" y="8"/>
+                    <a:pt x="16" y="4"/>
+                    <a:pt x="12" y="4"/>
+                  </a:cubicBezTo>
+                  <a:close/>
+                </a:path>
+              </a:pathLst>
+            </a:custGeom>
+            <a:grpFill/>
+            <a:ln>
+              <a:noFill/>
+            </a:ln>
+            <a:extLst>
+              <a:ext uri="{91240B29-F687-4f45-9708-019B960494DF}">
+                <a14:hiddenLine xmlns="" xmlns:a16="http://schemas.microsoft.com/office/drawing/2014/main" xmlns:p14="http://schemas.microsoft.com/office/powerpoint/2010/main" xmlns:a14="http://schemas.microsoft.com/office/drawing/2010/main" w="9525">
+                  <a:solidFill>
+                    <a:srgbClr val="000000"/>
+                  </a:solidFill>
+                  <a:round/>
+                  <a:headEnd/>
+                  <a:tailEnd/>
+                </a14:hiddenLine>
+              </a:ext>
+            </a:extLst>
+          </p:spPr>
+        </p:sp>
+        <p:sp>
+          <p:nvSpPr>
+            <p:cNvPr id="31" name="Rectangle 21">
+              <a:extLst>
+                <a:ext uri="{FF2B5EF4-FFF2-40B4-BE49-F238E27FC236}">
+                  <a16:creationId xmlns:a16="http://schemas.microsoft.com/office/drawing/2014/main" id="{6C5EB9C1-B25F-4172-8A96-5950ECC828FC}"/>
+                </a:ext>
+                <a:ext uri="{C183D7F6-B498-43B3-948B-1728B52AA6E4}">
+                  <adec:decorative xmlns:adec="http://schemas.microsoft.com/office/drawing/2017/decorative" val="1"/>
+                </a:ext>
+              </a:extLst>
+            </p:cNvPr>
+            <p:cNvSpPr>
+              <a:spLocks noChangeArrowheads="1"/>
+            </p:cNvSpPr>
+            <p:nvPr>
+              <p:extLst>
+                <p:ext uri="{386F3935-93C4-4BCD-93E2-E3B085C9AB24}">
+                  <p16:designElem xmlns:p16="http://schemas.microsoft.com/office/powerpoint/2015/main" val="1"/>
+                </p:ext>
+              </p:extLst>
+            </p:nvPr>
+          </p:nvSpPr>
+          <p:spPr bwMode="auto">
+            <a:xfrm>
+              <a:off x="133350" y="4662488"/>
+              <a:ext cx="23813" cy="2181225"/>
+            </a:xfrm>
+            <a:prstGeom prst="rect">
+              <a:avLst/>
+            </a:prstGeom>
+            <a:grpFill/>
+            <a:ln>
+              <a:noFill/>
+            </a:ln>
+            <a:extLst>
+              <a:ext uri="{91240B29-F687-4f45-9708-019B960494DF}">
+                <a14:hiddenLine xmlns="" xmlns:a16="http://schemas.microsoft.com/office/drawing/2014/main" xmlns:p14="http://schemas.microsoft.com/office/powerpoint/2010/main" xmlns:a14="http://schemas.microsoft.com/office/drawing/2010/main" w="9525">
+                  <a:solidFill>
+                    <a:srgbClr val="000000"/>
+                  </a:solidFill>
+                  <a:miter lim="800000"/>
+                  <a:headEnd/>
+                  <a:tailEnd/>
+                </a14:hiddenLine>
+              </a:ext>
+            </a:extLst>
+          </p:spPr>
+        </p:sp>
+        <p:sp>
+          <p:nvSpPr>
+            <p:cNvPr id="32" name="Freeform 22">
+              <a:extLst>
+                <a:ext uri="{FF2B5EF4-FFF2-40B4-BE49-F238E27FC236}">
+                  <a16:creationId xmlns:a16="http://schemas.microsoft.com/office/drawing/2014/main" id="{097E6E8A-9373-4655-882B-21715CCE97EE}"/>
+                </a:ext>
+                <a:ext uri="{C183D7F6-B498-43B3-948B-1728B52AA6E4}">
+                  <adec:decorative xmlns:adec="http://schemas.microsoft.com/office/drawing/2017/decorative" val="1"/>
+                </a:ext>
+              </a:extLst>
+            </p:cNvPr>
+            <p:cNvSpPr/>
+            <p:nvPr>
+              <p:extLst>
+                <p:ext uri="{386F3935-93C4-4BCD-93E2-E3B085C9AB24}">
+                  <p16:designElem xmlns:p16="http://schemas.microsoft.com/office/powerpoint/2015/main" val="1"/>
+                </p:ext>
+              </p:extLst>
+            </p:nvPr>
+          </p:nvSpPr>
+          <p:spPr bwMode="auto">
+            <a:xfrm>
+              <a:off x="223837" y="5041900"/>
+              <a:ext cx="369888" cy="1801813"/>
+            </a:xfrm>
+            <a:custGeom>
+              <a:avLst/>
+              <a:gdLst/>
+              <a:ahLst/>
+              <a:cxnLst/>
+              <a:rect l="0" t="0" r="r" b="b"/>
+              <a:pathLst>
+                <a:path w="233" h="1135">
+                  <a:moveTo>
+                    <a:pt x="15" y="1135"/>
+                  </a:moveTo>
+                  <a:lnTo>
+                    <a:pt x="0" y="1135"/>
+                  </a:lnTo>
+                  <a:lnTo>
+                    <a:pt x="0" y="515"/>
+                  </a:lnTo>
+                  <a:lnTo>
+                    <a:pt x="0" y="512"/>
+                  </a:lnTo>
+                  <a:lnTo>
+                    <a:pt x="218" y="0"/>
+                  </a:lnTo>
+                  <a:lnTo>
+                    <a:pt x="233" y="6"/>
+                  </a:lnTo>
+                  <a:lnTo>
+                    <a:pt x="15" y="518"/>
+                  </a:lnTo>
+                  <a:lnTo>
+                    <a:pt x="15" y="1135"/>
+                  </a:lnTo>
+                  <a:close/>
+                </a:path>
+              </a:pathLst>
+            </a:custGeom>
+            <a:grpFill/>
+            <a:ln>
+              <a:noFill/>
+            </a:ln>
+            <a:extLst>
+              <a:ext uri="{91240B29-F687-4f45-9708-019B960494DF}">
+                <a14:hiddenLine xmlns="" xmlns:a16="http://schemas.microsoft.com/office/drawing/2014/main" xmlns:p14="http://schemas.microsoft.com/office/powerpoint/2010/main" xmlns:a14="http://schemas.microsoft.com/office/drawing/2010/main" w="9525">
+                  <a:solidFill>
+                    <a:srgbClr val="000000"/>
+                  </a:solidFill>
+                  <a:round/>
+                  <a:headEnd/>
+                  <a:tailEnd/>
+                </a14:hiddenLine>
+              </a:ext>
+            </a:extLst>
+          </p:spPr>
+        </p:sp>
+        <p:sp>
+          <p:nvSpPr>
+            <p:cNvPr id="33" name="Freeform 23">
+              <a:extLst>
+                <a:ext uri="{FF2B5EF4-FFF2-40B4-BE49-F238E27FC236}">
+                  <a16:creationId xmlns:a16="http://schemas.microsoft.com/office/drawing/2014/main" id="{EB8CC766-1206-4372-ACAF-8230AF4D5421}"/>
+                </a:ext>
+                <a:ext uri="{C183D7F6-B498-43B3-948B-1728B52AA6E4}">
+                  <adec:decorative xmlns:adec="http://schemas.microsoft.com/office/drawing/2017/decorative" val="1"/>
+                </a:ext>
+              </a:extLst>
+            </p:cNvPr>
+            <p:cNvSpPr>
+              <a:spLocks noEditPoints="1"/>
+            </p:cNvSpPr>
+            <p:nvPr>
+              <p:extLst>
+                <p:ext uri="{386F3935-93C4-4BCD-93E2-E3B085C9AB24}">
+                  <p16:designElem xmlns:p16="http://schemas.microsoft.com/office/powerpoint/2015/main" val="1"/>
+                </p:ext>
+              </p:extLst>
+            </p:nvPr>
+          </p:nvSpPr>
+          <p:spPr bwMode="auto">
+            <a:xfrm>
+              <a:off x="52387" y="4481513"/>
+              <a:ext cx="190500" cy="190500"/>
+            </a:xfrm>
+            <a:custGeom>
+              <a:avLst/>
+              <a:gdLst/>
+              <a:ahLst/>
+              <a:cxnLst/>
+              <a:rect l="0" t="0" r="r" b="b"/>
+              <a:pathLst>
+                <a:path w="40" h="40">
+                  <a:moveTo>
+                    <a:pt x="20" y="40"/>
+                  </a:moveTo>
+                  <a:cubicBezTo>
+                    <a:pt x="9" y="40"/>
+                    <a:pt x="0" y="31"/>
+                    <a:pt x="0" y="20"/>
+                  </a:cubicBezTo>
+                  <a:cubicBezTo>
+                    <a:pt x="0" y="9"/>
+                    <a:pt x="9" y="0"/>
+                    <a:pt x="20" y="0"/>
+                  </a:cubicBezTo>
+                  <a:cubicBezTo>
+                    <a:pt x="31" y="0"/>
+                    <a:pt x="40" y="9"/>
+                    <a:pt x="40" y="20"/>
+                  </a:cubicBezTo>
+                  <a:cubicBezTo>
+                    <a:pt x="40" y="31"/>
+                    <a:pt x="31" y="40"/>
+                    <a:pt x="20" y="40"/>
+                  </a:cubicBezTo>
+                  <a:close/>
+                  <a:moveTo>
+                    <a:pt x="20" y="4"/>
+                  </a:moveTo>
+                  <a:cubicBezTo>
+                    <a:pt x="11" y="4"/>
+                    <a:pt x="4" y="11"/>
+                    <a:pt x="4" y="20"/>
+                  </a:cubicBezTo>
+                  <a:cubicBezTo>
+                    <a:pt x="4" y="29"/>
+                    <a:pt x="11" y="36"/>
+                    <a:pt x="20" y="36"/>
+                  </a:cubicBezTo>
+                  <a:cubicBezTo>
+                    <a:pt x="28" y="36"/>
+                    <a:pt x="36" y="29"/>
+                    <a:pt x="36" y="20"/>
+                  </a:cubicBezTo>
+                  <a:cubicBezTo>
+                    <a:pt x="36" y="11"/>
+                    <a:pt x="28" y="4"/>
+                    <a:pt x="20" y="4"/>
+                  </a:cubicBezTo>
+                  <a:close/>
+                </a:path>
+              </a:pathLst>
+            </a:custGeom>
+            <a:grpFill/>
+            <a:ln>
+              <a:noFill/>
+            </a:ln>
+            <a:extLst>
+              <a:ext uri="{91240B29-F687-4f45-9708-019B960494DF}">
+                <a14:hiddenLine xmlns="" xmlns:a16="http://schemas.microsoft.com/office/drawing/2014/main" xmlns:p14="http://schemas.microsoft.com/office/powerpoint/2010/main" xmlns:a14="http://schemas.microsoft.com/office/drawing/2010/main" w="9525">
+                  <a:solidFill>
+                    <a:srgbClr val="000000"/>
+                  </a:solidFill>
+                  <a:round/>
+                  <a:headEnd/>
+                  <a:tailEnd/>
+                </a14:hiddenLine>
+              </a:ext>
+            </a:extLst>
+          </p:spPr>
+        </p:sp>
+        <p:sp>
+          <p:nvSpPr>
+            <p:cNvPr id="34" name="Freeform 24">
+              <a:extLst>
+                <a:ext uri="{FF2B5EF4-FFF2-40B4-BE49-F238E27FC236}">
+                  <a16:creationId xmlns:a16="http://schemas.microsoft.com/office/drawing/2014/main" id="{1C8E2511-2489-47B2-9C19-C410910DD901}"/>
+                </a:ext>
+                <a:ext uri="{C183D7F6-B498-43B3-948B-1728B52AA6E4}">
+                  <adec:decorative xmlns:adec="http://schemas.microsoft.com/office/drawing/2017/decorative" val="1"/>
+                </a:ext>
+              </a:extLst>
+            </p:cNvPr>
+            <p:cNvSpPr/>
+            <p:nvPr>
+              <p:extLst>
+                <p:ext uri="{386F3935-93C4-4BCD-93E2-E3B085C9AB24}">
+                  <p16:designElem xmlns:p16="http://schemas.microsoft.com/office/powerpoint/2015/main" val="1"/>
+                </p:ext>
+              </p:extLst>
+            </p:nvPr>
+          </p:nvSpPr>
+          <p:spPr bwMode="auto">
+            <a:xfrm>
+              <a:off x="-14288" y="5627688"/>
+              <a:ext cx="85725" cy="1216025"/>
+            </a:xfrm>
+            <a:custGeom>
+              <a:avLst/>
+              <a:gdLst/>
+              <a:ahLst/>
+              <a:cxnLst/>
+              <a:rect l="0" t="0" r="r" b="b"/>
+              <a:pathLst>
+                <a:path w="54" h="766">
+                  <a:moveTo>
+                    <a:pt x="54" y="766"/>
+                  </a:moveTo>
+                  <a:lnTo>
+                    <a:pt x="36" y="766"/>
+                  </a:lnTo>
+                  <a:lnTo>
+                    <a:pt x="36" y="149"/>
+                  </a:lnTo>
+                  <a:lnTo>
+                    <a:pt x="0" y="3"/>
+                  </a:lnTo>
+                  <a:lnTo>
+                    <a:pt x="18" y="0"/>
+                  </a:lnTo>
+                  <a:lnTo>
+                    <a:pt x="54" y="146"/>
+                  </a:lnTo>
+                  <a:lnTo>
+                    <a:pt x="54" y="766"/>
+                  </a:lnTo>
+                  <a:close/>
+                </a:path>
+              </a:pathLst>
+            </a:custGeom>
+            <a:grpFill/>
+            <a:ln>
+              <a:noFill/>
+            </a:ln>
+            <a:extLst>
+              <a:ext uri="{91240B29-F687-4f45-9708-019B960494DF}">
+                <a14:hiddenLine xmlns="" xmlns:a16="http://schemas.microsoft.com/office/drawing/2014/main" xmlns:p14="http://schemas.microsoft.com/office/powerpoint/2010/main" xmlns:a14="http://schemas.microsoft.com/office/drawing/2010/main" w="9525">
+                  <a:solidFill>
+                    <a:srgbClr val="000000"/>
+                  </a:solidFill>
+                  <a:round/>
+                  <a:headEnd/>
+                  <a:tailEnd/>
+                </a14:hiddenLine>
+              </a:ext>
+            </a:extLst>
+          </p:spPr>
+        </p:sp>
+        <p:sp>
+          <p:nvSpPr>
+            <p:cNvPr id="35" name="Freeform 25">
+              <a:extLst>
+                <a:ext uri="{FF2B5EF4-FFF2-40B4-BE49-F238E27FC236}">
+                  <a16:creationId xmlns:a16="http://schemas.microsoft.com/office/drawing/2014/main" id="{D7820196-0A47-47EF-832C-A688E8977D60}"/>
+                </a:ext>
+                <a:ext uri="{C183D7F6-B498-43B3-948B-1728B52AA6E4}">
+                  <adec:decorative xmlns:adec="http://schemas.microsoft.com/office/drawing/2017/decorative" val="1"/>
+                </a:ext>
+              </a:extLst>
+            </p:cNvPr>
+            <p:cNvSpPr>
+              <a:spLocks noEditPoints="1"/>
+            </p:cNvSpPr>
+            <p:nvPr>
+              <p:extLst>
+                <p:ext uri="{386F3935-93C4-4BCD-93E2-E3B085C9AB24}">
+                  <p16:designElem xmlns:p16="http://schemas.microsoft.com/office/powerpoint/2015/main" val="1"/>
+                </p:ext>
+              </p:extLst>
+            </p:nvPr>
+          </p:nvSpPr>
+          <p:spPr bwMode="auto">
+            <a:xfrm>
+              <a:off x="527050" y="4867275"/>
+              <a:ext cx="190500" cy="188913"/>
+            </a:xfrm>
+            <a:custGeom>
+              <a:avLst/>
+              <a:gdLst/>
+              <a:ahLst/>
+              <a:cxnLst/>
+              <a:rect l="0" t="0" r="r" b="b"/>
+              <a:pathLst>
+                <a:path w="40" h="40">
+                  <a:moveTo>
+                    <a:pt x="20" y="40"/>
+                  </a:moveTo>
+                  <a:cubicBezTo>
+                    <a:pt x="9" y="40"/>
+                    <a:pt x="0" y="31"/>
+                    <a:pt x="0" y="20"/>
+                  </a:cubicBezTo>
+                  <a:cubicBezTo>
+                    <a:pt x="0" y="9"/>
+                    <a:pt x="9" y="0"/>
+                    <a:pt x="20" y="0"/>
+                  </a:cubicBezTo>
+                  <a:cubicBezTo>
+                    <a:pt x="31" y="0"/>
+                    <a:pt x="40" y="9"/>
+                    <a:pt x="40" y="20"/>
+                  </a:cubicBezTo>
+                  <a:cubicBezTo>
+                    <a:pt x="40" y="31"/>
+                    <a:pt x="31" y="40"/>
+                    <a:pt x="20" y="40"/>
+                  </a:cubicBezTo>
+                  <a:close/>
+                  <a:moveTo>
+                    <a:pt x="20" y="4"/>
+                  </a:moveTo>
+                  <a:cubicBezTo>
+                    <a:pt x="11" y="4"/>
+                    <a:pt x="4" y="11"/>
+                    <a:pt x="4" y="20"/>
+                  </a:cubicBezTo>
+                  <a:cubicBezTo>
+                    <a:pt x="4" y="29"/>
+                    <a:pt x="11" y="36"/>
+                    <a:pt x="20" y="36"/>
+                  </a:cubicBezTo>
+                  <a:cubicBezTo>
+                    <a:pt x="29" y="36"/>
+                    <a:pt x="36" y="29"/>
+                    <a:pt x="36" y="20"/>
+                  </a:cubicBezTo>
+                  <a:cubicBezTo>
+                    <a:pt x="36" y="11"/>
+                    <a:pt x="29" y="4"/>
+                    <a:pt x="20" y="4"/>
+                  </a:cubicBezTo>
+                  <a:close/>
+                </a:path>
+              </a:pathLst>
+            </a:custGeom>
+            <a:grpFill/>
+            <a:ln>
+              <a:noFill/>
+            </a:ln>
+            <a:extLst>
+              <a:ext uri="{91240B29-F687-4f45-9708-019B960494DF}">
+                <a14:hiddenLine xmlns="" xmlns:a16="http://schemas.microsoft.com/office/drawing/2014/main" xmlns:p14="http://schemas.microsoft.com/office/powerpoint/2010/main" xmlns:a14="http://schemas.microsoft.com/office/drawing/2010/main" w="9525">
+                  <a:solidFill>
+                    <a:srgbClr val="000000"/>
+                  </a:solidFill>
+                  <a:round/>
+                  <a:headEnd/>
+                  <a:tailEnd/>
+                </a14:hiddenLine>
+              </a:ext>
+            </a:extLst>
+          </p:spPr>
+        </p:sp>
+        <p:sp>
+          <p:nvSpPr>
+            <p:cNvPr id="36" name="Freeform 26">
+              <a:extLst>
+                <a:ext uri="{FF2B5EF4-FFF2-40B4-BE49-F238E27FC236}">
+                  <a16:creationId xmlns:a16="http://schemas.microsoft.com/office/drawing/2014/main" id="{4982E0BF-34AE-48A3-AD6B-E0F3CD05DB34}"/>
+                </a:ext>
+                <a:ext uri="{C183D7F6-B498-43B3-948B-1728B52AA6E4}">
+                  <adec:decorative xmlns:adec="http://schemas.microsoft.com/office/drawing/2017/decorative" val="1"/>
+                </a:ext>
+              </a:extLst>
+            </p:cNvPr>
+            <p:cNvSpPr/>
+            <p:nvPr>
+              <p:extLst>
+                <p:ext uri="{386F3935-93C4-4BCD-93E2-E3B085C9AB24}">
+                  <p16:designElem xmlns:p16="http://schemas.microsoft.com/office/powerpoint/2015/main" val="1"/>
+                </p:ext>
+              </p:extLst>
+            </p:nvPr>
+          </p:nvSpPr>
+          <p:spPr bwMode="auto">
+            <a:xfrm>
+              <a:off x="309562" y="5422900"/>
+              <a:ext cx="374650" cy="1425575"/>
+            </a:xfrm>
+            <a:custGeom>
+              <a:avLst/>
+              <a:gdLst/>
+              <a:ahLst/>
+              <a:cxnLst/>
+              <a:rect l="0" t="0" r="r" b="b"/>
+              <a:pathLst>
+                <a:path w="236" h="898">
+                  <a:moveTo>
+                    <a:pt x="18" y="898"/>
+                  </a:moveTo>
+                  <a:lnTo>
+                    <a:pt x="0" y="898"/>
+                  </a:lnTo>
+                  <a:lnTo>
+                    <a:pt x="0" y="515"/>
+                  </a:lnTo>
+                  <a:lnTo>
+                    <a:pt x="3" y="512"/>
+                  </a:lnTo>
+                  <a:lnTo>
+                    <a:pt x="221" y="0"/>
+                  </a:lnTo>
+                  <a:lnTo>
+                    <a:pt x="236" y="6"/>
+                  </a:lnTo>
+                  <a:lnTo>
+                    <a:pt x="18" y="518"/>
+                  </a:lnTo>
+                  <a:lnTo>
+                    <a:pt x="18" y="898"/>
+                  </a:lnTo>
+                  <a:close/>
+                </a:path>
+              </a:pathLst>
+            </a:custGeom>
+            <a:grpFill/>
+            <a:ln>
+              <a:noFill/>
+            </a:ln>
+            <a:extLst>
+              <a:ext uri="{91240B29-F687-4f45-9708-019B960494DF}">
+                <a14:hiddenLine xmlns="" xmlns:a16="http://schemas.microsoft.com/office/drawing/2014/main" xmlns:p14="http://schemas.microsoft.com/office/powerpoint/2010/main" xmlns:a14="http://schemas.microsoft.com/office/drawing/2010/main" w="9525">
+                  <a:solidFill>
+                    <a:srgbClr val="000000"/>
+                  </a:solidFill>
+                  <a:round/>
+                  <a:headEnd/>
+                  <a:tailEnd/>
+                </a14:hiddenLine>
+              </a:ext>
+            </a:extLst>
+          </p:spPr>
+        </p:sp>
+        <p:sp>
+          <p:nvSpPr>
+            <p:cNvPr id="37" name="Freeform 27">
+              <a:extLst>
+                <a:ext uri="{FF2B5EF4-FFF2-40B4-BE49-F238E27FC236}">
+                  <a16:creationId xmlns:a16="http://schemas.microsoft.com/office/drawing/2014/main" id="{CD34643B-9DF2-4310-8868-48252C3393F0}"/>
+                </a:ext>
+                <a:ext uri="{C183D7F6-B498-43B3-948B-1728B52AA6E4}">
+                  <adec:decorative xmlns:adec="http://schemas.microsoft.com/office/drawing/2017/decorative" val="1"/>
+                </a:ext>
+              </a:extLst>
+            </p:cNvPr>
+            <p:cNvSpPr/>
+            <p:nvPr>
+              <p:extLst>
+                <p:ext uri="{386F3935-93C4-4BCD-93E2-E3B085C9AB24}">
+                  <p16:designElem xmlns:p16="http://schemas.microsoft.com/office/powerpoint/2015/main" val="1"/>
+                </p:ext>
+              </p:extLst>
+            </p:nvPr>
+          </p:nvSpPr>
+          <p:spPr bwMode="auto">
+            <a:xfrm>
+              <a:off x="569912" y="5945188"/>
+              <a:ext cx="152400" cy="912813"/>
+            </a:xfrm>
+            <a:custGeom>
+              <a:avLst/>
+              <a:gdLst/>
+              <a:ahLst/>
+              <a:cxnLst/>
+              <a:rect l="0" t="0" r="r" b="b"/>
+              <a:pathLst>
+                <a:path w="96" h="575">
+                  <a:moveTo>
+                    <a:pt x="15" y="575"/>
+                  </a:moveTo>
+                  <a:lnTo>
+                    <a:pt x="0" y="569"/>
+                  </a:lnTo>
+                  <a:lnTo>
+                    <a:pt x="81" y="383"/>
+                  </a:lnTo>
+                  <a:lnTo>
+                    <a:pt x="81" y="0"/>
+                  </a:lnTo>
+                  <a:lnTo>
+                    <a:pt x="96" y="0"/>
+                  </a:lnTo>
+                  <a:lnTo>
+                    <a:pt x="96" y="386"/>
+                  </a:lnTo>
+                  <a:lnTo>
+                    <a:pt x="15" y="575"/>
+                  </a:lnTo>
+                  <a:close/>
+                </a:path>
+              </a:pathLst>
+            </a:custGeom>
+            <a:grpFill/>
+            <a:ln>
+              <a:noFill/>
+            </a:ln>
+            <a:extLst>
+              <a:ext uri="{91240B29-F687-4f45-9708-019B960494DF}">
+                <a14:hiddenLine xmlns="" xmlns:a16="http://schemas.microsoft.com/office/drawing/2014/main" xmlns:p14="http://schemas.microsoft.com/office/powerpoint/2010/main" xmlns:a14="http://schemas.microsoft.com/office/drawing/2010/main" w="9525">
+                  <a:solidFill>
+                    <a:srgbClr val="000000"/>
+                  </a:solidFill>
+                  <a:round/>
+                  <a:headEnd/>
+                  <a:tailEnd/>
+                </a14:hiddenLine>
+              </a:ext>
+            </a:extLst>
+          </p:spPr>
+        </p:sp>
+        <p:sp>
+          <p:nvSpPr>
+            <p:cNvPr id="38" name="Freeform 28">
+              <a:extLst>
+                <a:ext uri="{FF2B5EF4-FFF2-40B4-BE49-F238E27FC236}">
+                  <a16:creationId xmlns:a16="http://schemas.microsoft.com/office/drawing/2014/main" id="{4E020C4E-AF64-44A8-B830-779541D8D549}"/>
+                </a:ext>
+                <a:ext uri="{C183D7F6-B498-43B3-948B-1728B52AA6E4}">
+                  <adec:decorative xmlns:adec="http://schemas.microsoft.com/office/drawing/2017/decorative" val="1"/>
+                </a:ext>
+              </a:extLst>
+            </p:cNvPr>
+            <p:cNvSpPr>
+              <a:spLocks noEditPoints="1"/>
+            </p:cNvSpPr>
+            <p:nvPr>
+              <p:extLst>
+                <p:ext uri="{386F3935-93C4-4BCD-93E2-E3B085C9AB24}">
+                  <p16:designElem xmlns:p16="http://schemas.microsoft.com/office/powerpoint/2015/main" val="1"/>
+                </p:ext>
+              </p:extLst>
+            </p:nvPr>
+          </p:nvSpPr>
+          <p:spPr bwMode="auto">
+            <a:xfrm>
+              <a:off x="612775" y="5246688"/>
+              <a:ext cx="190500" cy="190500"/>
+            </a:xfrm>
+            <a:custGeom>
+              <a:avLst/>
+              <a:gdLst/>
+              <a:ahLst/>
+              <a:cxnLst/>
+              <a:rect l="0" t="0" r="r" b="b"/>
+              <a:pathLst>
+                <a:path w="40" h="40">
+                  <a:moveTo>
+                    <a:pt x="20" y="40"/>
+                  </a:moveTo>
+                  <a:cubicBezTo>
+                    <a:pt x="9" y="40"/>
+                    <a:pt x="0" y="31"/>
+                    <a:pt x="0" y="20"/>
+                  </a:cubicBezTo>
+                  <a:cubicBezTo>
+                    <a:pt x="0" y="9"/>
+                    <a:pt x="9" y="0"/>
+                    <a:pt x="20" y="0"/>
+                  </a:cubicBezTo>
+                  <a:cubicBezTo>
+                    <a:pt x="31" y="0"/>
+                    <a:pt x="40" y="9"/>
+                    <a:pt x="40" y="20"/>
+                  </a:cubicBezTo>
+                  <a:cubicBezTo>
+                    <a:pt x="40" y="31"/>
+                    <a:pt x="31" y="40"/>
+                    <a:pt x="20" y="40"/>
+                  </a:cubicBezTo>
+                  <a:close/>
+                  <a:moveTo>
+                    <a:pt x="20" y="4"/>
+                  </a:moveTo>
+                  <a:cubicBezTo>
+                    <a:pt x="12" y="4"/>
+                    <a:pt x="4" y="11"/>
+                    <a:pt x="4" y="20"/>
+                  </a:cubicBezTo>
+                  <a:cubicBezTo>
+                    <a:pt x="4" y="29"/>
+                    <a:pt x="12" y="36"/>
+                    <a:pt x="20" y="36"/>
+                  </a:cubicBezTo>
+                  <a:cubicBezTo>
+                    <a:pt x="29" y="36"/>
+                    <a:pt x="36" y="29"/>
+                    <a:pt x="36" y="20"/>
+                  </a:cubicBezTo>
+                  <a:cubicBezTo>
+                    <a:pt x="36" y="11"/>
+                    <a:pt x="29" y="4"/>
+                    <a:pt x="20" y="4"/>
+                  </a:cubicBezTo>
+                  <a:close/>
+                </a:path>
+              </a:pathLst>
+            </a:custGeom>
+            <a:grpFill/>
+            <a:ln>
+              <a:noFill/>
+            </a:ln>
+            <a:extLst>
+              <a:ext uri="{91240B29-F687-4f45-9708-019B960494DF}">
+                <a14:hiddenLine xmlns="" xmlns:a16="http://schemas.microsoft.com/office/drawing/2014/main" xmlns:p14="http://schemas.microsoft.com/office/powerpoint/2010/main" xmlns:a14="http://schemas.microsoft.com/office/drawing/2010/main" w="9525">
+                  <a:solidFill>
+                    <a:srgbClr val="000000"/>
+                  </a:solidFill>
+                  <a:round/>
+                  <a:headEnd/>
+                  <a:tailEnd/>
+                </a14:hiddenLine>
+              </a:ext>
+            </a:extLst>
+          </p:spPr>
+        </p:sp>
+        <p:sp>
+          <p:nvSpPr>
+            <p:cNvPr id="39" name="Freeform 29">
+              <a:extLst>
+                <a:ext uri="{FF2B5EF4-FFF2-40B4-BE49-F238E27FC236}">
+                  <a16:creationId xmlns:a16="http://schemas.microsoft.com/office/drawing/2014/main" id="{D97BC3D3-B1B3-4825-9169-BBEF1DBCF055}"/>
+                </a:ext>
+                <a:ext uri="{C183D7F6-B498-43B3-948B-1728B52AA6E4}">
+                  <adec:decorative xmlns:adec="http://schemas.microsoft.com/office/drawing/2017/decorative" val="1"/>
+                </a:ext>
+              </a:extLst>
+            </p:cNvPr>
+            <p:cNvSpPr>
+              <a:spLocks noEditPoints="1"/>
+            </p:cNvSpPr>
+            <p:nvPr>
+              <p:extLst>
+                <p:ext uri="{386F3935-93C4-4BCD-93E2-E3B085C9AB24}">
+                  <p16:designElem xmlns:p16="http://schemas.microsoft.com/office/powerpoint/2015/main" val="1"/>
+                </p:ext>
+              </p:extLst>
+            </p:nvPr>
+          </p:nvSpPr>
+          <p:spPr bwMode="auto">
+            <a:xfrm>
+              <a:off x="612775" y="5764213"/>
+              <a:ext cx="190500" cy="190500"/>
+            </a:xfrm>
+            <a:custGeom>
+              <a:avLst/>
+              <a:gdLst/>
+              <a:ahLst/>
+              <a:cxnLst/>
+              <a:rect l="0" t="0" r="r" b="b"/>
+              <a:pathLst>
+                <a:path w="40" h="40">
+                  <a:moveTo>
+                    <a:pt x="20" y="40"/>
+                  </a:moveTo>
+                  <a:cubicBezTo>
+                    <a:pt x="9" y="40"/>
+                    <a:pt x="0" y="31"/>
+                    <a:pt x="0" y="20"/>
+                  </a:cubicBezTo>
+                  <a:cubicBezTo>
+                    <a:pt x="0" y="9"/>
+                    <a:pt x="9" y="0"/>
+                    <a:pt x="20" y="0"/>
+                  </a:cubicBezTo>
+                  <a:cubicBezTo>
+                    <a:pt x="31" y="0"/>
+                    <a:pt x="40" y="9"/>
+                    <a:pt x="40" y="20"/>
+                  </a:cubicBezTo>
+                  <a:cubicBezTo>
+                    <a:pt x="40" y="31"/>
+                    <a:pt x="31" y="40"/>
+                    <a:pt x="20" y="40"/>
+                  </a:cubicBezTo>
+                  <a:close/>
+                  <a:moveTo>
+                    <a:pt x="20" y="4"/>
+                  </a:moveTo>
+                  <a:cubicBezTo>
+                    <a:pt x="12" y="4"/>
+                    <a:pt x="4" y="11"/>
+                    <a:pt x="4" y="20"/>
+                  </a:cubicBezTo>
+                  <a:cubicBezTo>
+                    <a:pt x="4" y="29"/>
+                    <a:pt x="12" y="36"/>
+                    <a:pt x="20" y="36"/>
+                  </a:cubicBezTo>
+                  <a:cubicBezTo>
+                    <a:pt x="29" y="36"/>
+                    <a:pt x="36" y="29"/>
+                    <a:pt x="36" y="20"/>
+                  </a:cubicBezTo>
+                  <a:cubicBezTo>
+                    <a:pt x="36" y="11"/>
+                    <a:pt x="29" y="4"/>
+                    <a:pt x="20" y="4"/>
+                  </a:cubicBezTo>
+                  <a:close/>
+                </a:path>
+              </a:pathLst>
+            </a:custGeom>
+            <a:grpFill/>
+            <a:ln>
+              <a:noFill/>
+            </a:ln>
+            <a:extLst>
+              <a:ext uri="{91240B29-F687-4f45-9708-019B960494DF}">
+                <a14:hiddenLine xmlns="" xmlns:a16="http://schemas.microsoft.com/office/drawing/2014/main" xmlns:p14="http://schemas.microsoft.com/office/powerpoint/2010/main" xmlns:a14="http://schemas.microsoft.com/office/drawing/2010/main" w="9525">
+                  <a:solidFill>
+                    <a:srgbClr val="000000"/>
+                  </a:solidFill>
+                  <a:round/>
+                  <a:headEnd/>
+                  <a:tailEnd/>
+                </a14:hiddenLine>
+              </a:ext>
+            </a:extLst>
+          </p:spPr>
+        </p:sp>
+        <p:sp>
+          <p:nvSpPr>
+            <p:cNvPr id="40" name="Freeform 30">
+              <a:extLst>
+                <a:ext uri="{FF2B5EF4-FFF2-40B4-BE49-F238E27FC236}">
+                  <a16:creationId xmlns:a16="http://schemas.microsoft.com/office/drawing/2014/main" id="{A750DC4F-1DAF-470E-98C6-6C68DEB93363}"/>
+                </a:ext>
+                <a:ext uri="{C183D7F6-B498-43B3-948B-1728B52AA6E4}">
+                  <adec:decorative xmlns:adec="http://schemas.microsoft.com/office/drawing/2017/decorative" val="1"/>
+                </a:ext>
+              </a:extLst>
+            </p:cNvPr>
+            <p:cNvSpPr/>
+            <p:nvPr>
+              <p:extLst>
+                <p:ext uri="{386F3935-93C4-4BCD-93E2-E3B085C9AB24}">
+                  <p16:designElem xmlns:p16="http://schemas.microsoft.com/office/powerpoint/2015/main" val="1"/>
+                </p:ext>
+              </p:extLst>
+            </p:nvPr>
+          </p:nvSpPr>
+          <p:spPr bwMode="auto">
+            <a:xfrm>
+              <a:off x="669925" y="6330950"/>
+              <a:ext cx="417513" cy="517525"/>
+            </a:xfrm>
+            <a:custGeom>
+              <a:avLst/>
+              <a:gdLst/>
+              <a:ahLst/>
+              <a:cxnLst/>
+              <a:rect l="0" t="0" r="r" b="b"/>
+              <a:pathLst>
+                <a:path w="263" h="326">
+                  <a:moveTo>
+                    <a:pt x="15" y="326"/>
+                  </a:moveTo>
+                  <a:lnTo>
+                    <a:pt x="0" y="320"/>
+                  </a:lnTo>
+                  <a:lnTo>
+                    <a:pt x="45" y="206"/>
+                  </a:lnTo>
+                  <a:lnTo>
+                    <a:pt x="48" y="206"/>
+                  </a:lnTo>
+                  <a:lnTo>
+                    <a:pt x="254" y="0"/>
+                  </a:lnTo>
+                  <a:lnTo>
+                    <a:pt x="263" y="12"/>
+                  </a:lnTo>
+                  <a:lnTo>
+                    <a:pt x="60" y="215"/>
+                  </a:lnTo>
+                  <a:lnTo>
+                    <a:pt x="15" y="326"/>
+                  </a:lnTo>
+                  <a:close/>
+                </a:path>
+              </a:pathLst>
+            </a:custGeom>
+            <a:grpFill/>
+            <a:ln>
+              <a:noFill/>
+            </a:ln>
+            <a:extLst>
+              <a:ext uri="{91240B29-F687-4f45-9708-019B960494DF}">
+                <a14:hiddenLine xmlns="" xmlns:a16="http://schemas.microsoft.com/office/drawing/2014/main" xmlns:p14="http://schemas.microsoft.com/office/powerpoint/2010/main" xmlns:a14="http://schemas.microsoft.com/office/drawing/2010/main" w="9525">
+                  <a:solidFill>
+                    <a:srgbClr val="000000"/>
+                  </a:solidFill>
+                  <a:round/>
+                  <a:headEnd/>
+                  <a:tailEnd/>
+                </a14:hiddenLine>
+              </a:ext>
+            </a:extLst>
+          </p:spPr>
+        </p:sp>
+        <p:sp>
+          <p:nvSpPr>
+            <p:cNvPr id="41" name="Freeform 31">
+              <a:extLst>
+                <a:ext uri="{FF2B5EF4-FFF2-40B4-BE49-F238E27FC236}">
+                  <a16:creationId xmlns:a16="http://schemas.microsoft.com/office/drawing/2014/main" id="{2F99594A-5BBD-4E10-A818-8BE52B7D952C}"/>
+                </a:ext>
+                <a:ext uri="{C183D7F6-B498-43B3-948B-1728B52AA6E4}">
+                  <adec:decorative xmlns:adec="http://schemas.microsoft.com/office/drawing/2017/decorative" val="1"/>
+                </a:ext>
+              </a:extLst>
+            </p:cNvPr>
+            <p:cNvSpPr>
+              <a:spLocks noEditPoints="1"/>
+            </p:cNvSpPr>
+            <p:nvPr>
+              <p:extLst>
+                <p:ext uri="{386F3935-93C4-4BCD-93E2-E3B085C9AB24}">
+                  <p16:designElem xmlns:p16="http://schemas.microsoft.com/office/powerpoint/2015/main" val="1"/>
+                </p:ext>
+              </p:extLst>
+            </p:nvPr>
+          </p:nvSpPr>
+          <p:spPr bwMode="auto">
+            <a:xfrm>
+              <a:off x="1049337" y="6221413"/>
+              <a:ext cx="157163" cy="147638"/>
+            </a:xfrm>
+            <a:custGeom>
+              <a:avLst/>
+              <a:gdLst/>
+              <a:ahLst/>
+              <a:cxnLst/>
+              <a:rect l="0" t="0" r="r" b="b"/>
+              <a:pathLst>
+                <a:path w="33" h="31">
+                  <a:moveTo>
+                    <a:pt x="16" y="31"/>
+                  </a:moveTo>
+                  <a:cubicBezTo>
+                    <a:pt x="12" y="31"/>
+                    <a:pt x="8" y="29"/>
+                    <a:pt x="5" y="26"/>
+                  </a:cubicBezTo>
+                  <a:cubicBezTo>
+                    <a:pt x="2" y="24"/>
+                    <a:pt x="0" y="20"/>
+                    <a:pt x="0" y="15"/>
+                  </a:cubicBezTo>
+                  <a:cubicBezTo>
+                    <a:pt x="0" y="11"/>
+                    <a:pt x="2" y="7"/>
+                    <a:pt x="5" y="4"/>
+                  </a:cubicBezTo>
+                  <a:cubicBezTo>
+                    <a:pt x="8" y="1"/>
+                    <a:pt x="12" y="0"/>
+                    <a:pt x="16" y="0"/>
+                  </a:cubicBezTo>
+                  <a:cubicBezTo>
+                    <a:pt x="20" y="0"/>
+                    <a:pt x="24" y="1"/>
+                    <a:pt x="27" y="4"/>
+                  </a:cubicBezTo>
+                  <a:cubicBezTo>
+                    <a:pt x="33" y="10"/>
+                    <a:pt x="33" y="20"/>
+                    <a:pt x="27" y="26"/>
+                  </a:cubicBezTo>
+                  <a:cubicBezTo>
+                    <a:pt x="24" y="29"/>
+                    <a:pt x="20" y="31"/>
+                    <a:pt x="16" y="31"/>
+                  </a:cubicBezTo>
+                  <a:close/>
+                  <a:moveTo>
+                    <a:pt x="16" y="4"/>
+                  </a:moveTo>
+                  <a:cubicBezTo>
+                    <a:pt x="13" y="4"/>
+                    <a:pt x="10" y="5"/>
+                    <a:pt x="8" y="7"/>
+                  </a:cubicBezTo>
+                  <a:cubicBezTo>
+                    <a:pt x="6" y="9"/>
+                    <a:pt x="4" y="12"/>
+                    <a:pt x="4" y="15"/>
+                  </a:cubicBezTo>
+                  <a:cubicBezTo>
+                    <a:pt x="4" y="19"/>
+                    <a:pt x="6" y="21"/>
+                    <a:pt x="8" y="24"/>
+                  </a:cubicBezTo>
+                  <a:cubicBezTo>
+                    <a:pt x="10" y="26"/>
+                    <a:pt x="13" y="27"/>
+                    <a:pt x="16" y="27"/>
+                  </a:cubicBezTo>
+                  <a:cubicBezTo>
+                    <a:pt x="19" y="27"/>
+                    <a:pt x="22" y="26"/>
+                    <a:pt x="24" y="24"/>
+                  </a:cubicBezTo>
+                  <a:cubicBezTo>
+                    <a:pt x="29" y="19"/>
+                    <a:pt x="29" y="12"/>
+                    <a:pt x="24" y="7"/>
+                  </a:cubicBezTo>
+                  <a:cubicBezTo>
+                    <a:pt x="22" y="5"/>
+                    <a:pt x="19" y="4"/>
+                    <a:pt x="16" y="4"/>
+                  </a:cubicBezTo>
+                  <a:close/>
+                </a:path>
+              </a:pathLst>
+            </a:custGeom>
+            <a:grpFill/>
+            <a:ln>
+              <a:noFill/>
+            </a:ln>
+            <a:extLst>
+              <a:ext uri="{91240B29-F687-4f45-9708-019B960494DF}">
+                <a14:hiddenLine xmlns="" xmlns:a16="http://schemas.microsoft.com/office/drawing/2014/main" xmlns:p14="http://schemas.microsoft.com/office/powerpoint/2010/main" xmlns:a14="http://schemas.microsoft.com/office/drawing/2010/main" w="9525">
+                  <a:solidFill>
+                    <a:srgbClr val="000000"/>
+                  </a:solidFill>
+                  <a:round/>
+                  <a:headEnd/>
+                  <a:tailEnd/>
+                </a14:hiddenLine>
+              </a:ext>
+            </a:extLst>
+          </p:spPr>
+        </p:sp>
+      </p:grpSp>
+    </p:spTree>
+    <p:extLst>
+      <p:ext uri="{BB962C8B-B14F-4D97-AF65-F5344CB8AC3E}">
+        <p14:creationId xmlns:p14="http://schemas.microsoft.com/office/powerpoint/2010/main" val="4289976262"/>
+      </p:ext>
+    </p:extLst>
+  </p:cSld>
+  <p:clrMapOvr>
+    <a:masterClrMapping/>
+  </p:clrMapOvr>
+</p:sld>
+</file>
+
+<file path=ppt/slides/slide12.xml><?xml version="1.0" encoding="utf-8"?>
+<p:sld xmlns:a="http://schemas.openxmlformats.org/drawingml/2006/main" xmlns:r="http://schemas.openxmlformats.org/officeDocument/2006/relationships" xmlns:p="http://schemas.openxmlformats.org/presentationml/2006/main">
+  <p:cSld>
+    <p:spTree>
+      <p:nvGrpSpPr>
+        <p:cNvPr id="1" name=""/>
+        <p:cNvGrpSpPr/>
+        <p:nvPr/>
+      </p:nvGrpSpPr>
+      <p:grpSpPr>
+        <a:xfrm>
+          <a:off x="0" y="0"/>
+          <a:ext cx="0" cy="0"/>
+          <a:chOff x="0" y="0"/>
+          <a:chExt cx="0" cy="0"/>
+        </a:xfrm>
+      </p:grpSpPr>
+      <p:pic>
+        <p:nvPicPr>
+          <p:cNvPr id="5" name="Marcador de contenido 4" descr="Gráfico, Gráfico de barras&#10;&#10;Descripción generada automáticamente">
+            <a:extLst>
+              <a:ext uri="{FF2B5EF4-FFF2-40B4-BE49-F238E27FC236}">
+                <a16:creationId xmlns:a16="http://schemas.microsoft.com/office/drawing/2014/main" id="{48043C88-F891-462A-8AA9-0C2B7FB7C40F}"/>
+              </a:ext>
+            </a:extLst>
+          </p:cNvPr>
+          <p:cNvPicPr>
+            <a:picLocks noGrp="1" noChangeAspect="1"/>
+          </p:cNvPicPr>
+          <p:nvPr>
+            <p:ph idx="1"/>
+          </p:nvPr>
+        </p:nvPicPr>
+        <p:blipFill>
+          <a:blip r:embed="rId2">
+            <a:extLst>
+              <a:ext uri="{28A0092B-C50C-407E-A947-70E740481C1C}">
+                <a14:useLocalDpi xmlns:a14="http://schemas.microsoft.com/office/drawing/2010/main" val="0"/>
+              </a:ext>
+            </a:extLst>
+          </a:blip>
+          <a:stretch>
+            <a:fillRect/>
+          </a:stretch>
+        </p:blipFill>
+        <p:spPr>
+          <a:xfrm>
+            <a:off x="285716" y="389341"/>
+            <a:ext cx="5626145" cy="5025132"/>
+          </a:xfrm>
+        </p:spPr>
+      </p:pic>
+      <p:pic>
+        <p:nvPicPr>
+          <p:cNvPr id="7" name="Imagen 6" descr="Gráfico, Gráfico de barras&#10;&#10;Descripción generada automáticamente">
+            <a:extLst>
+              <a:ext uri="{FF2B5EF4-FFF2-40B4-BE49-F238E27FC236}">
+                <a16:creationId xmlns:a16="http://schemas.microsoft.com/office/drawing/2014/main" id="{240A3AEC-5E83-4AFF-B651-7FBDB10C5B4E}"/>
+              </a:ext>
+            </a:extLst>
+          </p:cNvPr>
+          <p:cNvPicPr>
+            <a:picLocks noChangeAspect="1"/>
+          </p:cNvPicPr>
+          <p:nvPr/>
+        </p:nvPicPr>
+        <p:blipFill>
+          <a:blip r:embed="rId3">
+            <a:extLst>
+              <a:ext uri="{28A0092B-C50C-407E-A947-70E740481C1C}">
+                <a14:useLocalDpi xmlns:a14="http://schemas.microsoft.com/office/drawing/2010/main" val="0"/>
+              </a:ext>
+            </a:extLst>
+          </a:blip>
+          <a:stretch>
+            <a:fillRect/>
+          </a:stretch>
+        </p:blipFill>
+        <p:spPr>
+          <a:xfrm>
+            <a:off x="6068066" y="1621327"/>
+            <a:ext cx="5835042" cy="5025132"/>
+          </a:xfrm>
+          <a:prstGeom prst="rect">
+            <a:avLst/>
+          </a:prstGeom>
+        </p:spPr>
+      </p:pic>
+    </p:spTree>
+    <p:extLst>
+      <p:ext uri="{BB962C8B-B14F-4D97-AF65-F5344CB8AC3E}">
+        <p14:creationId xmlns:p14="http://schemas.microsoft.com/office/powerpoint/2010/main" val="1694829829"/>
+      </p:ext>
+    </p:extLst>
+  </p:cSld>
+  <p:clrMapOvr>
+    <a:masterClrMapping/>
+  </p:clrMapOvr>
+</p:sld>
+</file>
+
+<file path=ppt/slides/slide13.xml><?xml version="1.0" encoding="utf-8"?>
+<p:sld xmlns:a="http://schemas.openxmlformats.org/drawingml/2006/main" xmlns:r="http://schemas.openxmlformats.org/officeDocument/2006/relationships" xmlns:p="http://schemas.openxmlformats.org/presentationml/2006/main">
+  <p:cSld>
+    <p:spTree>
+      <p:nvGrpSpPr>
+        <p:cNvPr id="1" name=""/>
+        <p:cNvGrpSpPr/>
+        <p:nvPr/>
+      </p:nvGrpSpPr>
+      <p:grpSpPr>
+        <a:xfrm>
+          <a:off x="0" y="0"/>
+          <a:ext cx="0" cy="0"/>
+          <a:chOff x="0" y="0"/>
+          <a:chExt cx="0" cy="0"/>
+        </a:xfrm>
+      </p:grpSpPr>
+      <p:sp>
+        <p:nvSpPr>
+          <p:cNvPr id="3" name="Marcador de contenido 2">
+            <a:extLst>
+              <a:ext uri="{FF2B5EF4-FFF2-40B4-BE49-F238E27FC236}">
+                <a16:creationId xmlns:a16="http://schemas.microsoft.com/office/drawing/2014/main" id="{7EE19FAB-A7A6-4927-AC91-ADDA24B12480}"/>
+              </a:ext>
+            </a:extLst>
+          </p:cNvPr>
+          <p:cNvSpPr>
+            <a:spLocks noGrp="1"/>
+          </p:cNvSpPr>
+          <p:nvPr>
+            <p:ph idx="1"/>
+          </p:nvPr>
+        </p:nvSpPr>
+        <p:spPr>
+          <a:xfrm>
+            <a:off x="1141412" y="1760561"/>
+            <a:ext cx="9905999" cy="2251881"/>
+          </a:xfrm>
+        </p:spPr>
+        <p:txBody>
+          <a:bodyPr/>
+          <a:lstStyle/>
+          <a:p>
+            <a:r>
+              <a:rPr lang="en-US" dirty="0"/>
+              <a:t>Surprisingly when the speed is a factor in the accident the locations chance. It is than when the speed is higher there are certain places where is more probable to suffer a misfortune. It could be due to curves in the roadway</a:t>
+            </a:r>
+          </a:p>
+          <a:p>
+            <a:r>
+              <a:rPr lang="en-US" dirty="0"/>
+              <a:t>The list is the following</a:t>
+            </a:r>
+          </a:p>
+        </p:txBody>
+      </p:sp>
+      <p:sp>
+        <p:nvSpPr>
+          <p:cNvPr id="4" name="Título 1">
+            <a:extLst>
+              <a:ext uri="{FF2B5EF4-FFF2-40B4-BE49-F238E27FC236}">
+                <a16:creationId xmlns:a16="http://schemas.microsoft.com/office/drawing/2014/main" id="{093FD1F0-0789-4679-AFF4-19B03CF6BA9F}"/>
+              </a:ext>
+            </a:extLst>
+          </p:cNvPr>
+          <p:cNvSpPr>
+            <a:spLocks noGrp="1"/>
+          </p:cNvSpPr>
+          <p:nvPr>
+            <p:ph type="title"/>
+          </p:nvPr>
+        </p:nvSpPr>
+        <p:spPr>
+          <a:xfrm>
+            <a:off x="1141412" y="455352"/>
+            <a:ext cx="9906000" cy="1477963"/>
+          </a:xfrm>
+        </p:spPr>
+        <p:txBody>
+          <a:bodyPr>
+            <a:normAutofit fontScale="90000"/>
+          </a:bodyPr>
+          <a:lstStyle/>
+          <a:p>
+            <a:r>
+              <a:rPr lang="en-US" dirty="0"/>
+              <a:t>What about the location when the speed is a factor</a:t>
+            </a:r>
+            <a:br>
+              <a:rPr lang="es-MX" dirty="0"/>
+            </a:br>
+            <a:endParaRPr lang="es-MX" dirty="0"/>
+          </a:p>
+        </p:txBody>
+      </p:sp>
+      <p:pic>
+        <p:nvPicPr>
+          <p:cNvPr id="6" name="Imagen 5" descr="Texto, Carta&#10;&#10;Descripción generada automáticamente">
+            <a:extLst>
+              <a:ext uri="{FF2B5EF4-FFF2-40B4-BE49-F238E27FC236}">
+                <a16:creationId xmlns:a16="http://schemas.microsoft.com/office/drawing/2014/main" id="{DD7C5BC4-A120-4543-8AF3-C07AE878359A}"/>
+              </a:ext>
+            </a:extLst>
+          </p:cNvPr>
+          <p:cNvPicPr>
+            <a:picLocks noChangeAspect="1"/>
+          </p:cNvPicPr>
+          <p:nvPr/>
+        </p:nvPicPr>
+        <p:blipFill>
+          <a:blip r:embed="rId2">
+            <a:extLst>
+              <a:ext uri="{28A0092B-C50C-407E-A947-70E740481C1C}">
+                <a14:useLocalDpi xmlns:a14="http://schemas.microsoft.com/office/drawing/2010/main" val="0"/>
+              </a:ext>
+            </a:extLst>
+          </a:blip>
+          <a:stretch>
+            <a:fillRect/>
+          </a:stretch>
+        </p:blipFill>
+        <p:spPr>
+          <a:xfrm>
+            <a:off x="2567021" y="3867793"/>
+            <a:ext cx="7057958" cy="2737883"/>
+          </a:xfrm>
+          <a:prstGeom prst="rect">
+            <a:avLst/>
+          </a:prstGeom>
+        </p:spPr>
+      </p:pic>
+    </p:spTree>
+    <p:extLst>
+      <p:ext uri="{BB962C8B-B14F-4D97-AF65-F5344CB8AC3E}">
+        <p14:creationId xmlns:p14="http://schemas.microsoft.com/office/powerpoint/2010/main" val="1829269636"/>
+      </p:ext>
+    </p:extLst>
+  </p:cSld>
+  <p:clrMapOvr>
+    <a:masterClrMapping/>
+  </p:clrMapOvr>
+</p:sld>
+</file>
+
+<file path=ppt/slides/slide14.xml><?xml version="1.0" encoding="utf-8"?>
+<p:sld xmlns:a="http://schemas.openxmlformats.org/drawingml/2006/main" xmlns:r="http://schemas.openxmlformats.org/officeDocument/2006/relationships" xmlns:p="http://schemas.openxmlformats.org/presentationml/2006/main">
+  <p:cSld>
+    <p:spTree>
+      <p:nvGrpSpPr>
+        <p:cNvPr id="1" name=""/>
+        <p:cNvGrpSpPr/>
+        <p:nvPr/>
+      </p:nvGrpSpPr>
+      <p:grpSpPr>
+        <a:xfrm>
+          <a:off x="0" y="0"/>
+          <a:ext cx="0" cy="0"/>
+          <a:chOff x="0" y="0"/>
+          <a:chExt cx="0" cy="0"/>
+        </a:xfrm>
+      </p:grpSpPr>
+      <p:sp>
+        <p:nvSpPr>
+          <p:cNvPr id="2" name="Título 1">
+            <a:extLst>
+              <a:ext uri="{FF2B5EF4-FFF2-40B4-BE49-F238E27FC236}">
+                <a16:creationId xmlns:a16="http://schemas.microsoft.com/office/drawing/2014/main" id="{01C17F16-8DF1-4C6A-807A-FAD312EF5256}"/>
+              </a:ext>
+            </a:extLst>
+          </p:cNvPr>
+          <p:cNvSpPr>
+            <a:spLocks noGrp="1"/>
+          </p:cNvSpPr>
+          <p:nvPr>
+            <p:ph type="title"/>
+          </p:nvPr>
+        </p:nvSpPr>
+        <p:spPr>
+          <a:xfrm>
+            <a:off x="1141413" y="246009"/>
+            <a:ext cx="9905998" cy="1478570"/>
+          </a:xfrm>
+        </p:spPr>
+        <p:txBody>
+          <a:bodyPr>
+            <a:normAutofit fontScale="90000"/>
+          </a:bodyPr>
+          <a:lstStyle/>
+          <a:p>
+            <a:r>
+              <a:rPr lang="en-US" dirty="0"/>
+              <a:t>What about the location when the speed is a factor</a:t>
+            </a:r>
+            <a:br>
+              <a:rPr lang="es-MX" dirty="0"/>
+            </a:br>
+            <a:endParaRPr lang="es-MX" dirty="0"/>
+          </a:p>
+        </p:txBody>
+      </p:sp>
+      <p:pic>
+        <p:nvPicPr>
+          <p:cNvPr id="2054" name="Picture 6">
+            <a:extLst>
+              <a:ext uri="{FF2B5EF4-FFF2-40B4-BE49-F238E27FC236}">
+                <a16:creationId xmlns:a16="http://schemas.microsoft.com/office/drawing/2014/main" id="{85EB252F-C8E3-44B2-A933-F711E14578CC}"/>
+              </a:ext>
+            </a:extLst>
+          </p:cNvPr>
+          <p:cNvPicPr>
+            <a:picLocks noChangeAspect="1" noChangeArrowheads="1"/>
+          </p:cNvPicPr>
+          <p:nvPr/>
+        </p:nvPicPr>
+        <p:blipFill>
+          <a:blip r:embed="rId2">
+            <a:extLst>
+              <a:ext uri="{28A0092B-C50C-407E-A947-70E740481C1C}">
+                <a14:useLocalDpi xmlns:a14="http://schemas.microsoft.com/office/drawing/2010/main" val="0"/>
+              </a:ext>
+            </a:extLst>
+          </a:blip>
+          <a:srcRect/>
+          <a:stretch>
+            <a:fillRect/>
+          </a:stretch>
+        </p:blipFill>
+        <p:spPr bwMode="auto">
+          <a:xfrm rot="5400000">
+            <a:off x="3488273" y="-890750"/>
+            <a:ext cx="5212278" cy="9520950"/>
+          </a:xfrm>
+          <a:prstGeom prst="rect">
+            <a:avLst/>
+          </a:prstGeom>
+          <a:noFill/>
+          <a:extLst>
+            <a:ext uri="{909E8E84-426E-40DD-AFC4-6F175D3DCCD1}">
+              <a14:hiddenFill xmlns:a14="http://schemas.microsoft.com/office/drawing/2010/main">
+                <a:solidFill>
+                  <a:srgbClr val="FFFFFF"/>
+                </a:solidFill>
+              </a14:hiddenFill>
+            </a:ext>
+          </a:extLst>
+        </p:spPr>
+      </p:pic>
+    </p:spTree>
+    <p:extLst>
+      <p:ext uri="{BB962C8B-B14F-4D97-AF65-F5344CB8AC3E}">
+        <p14:creationId xmlns:p14="http://schemas.microsoft.com/office/powerpoint/2010/main" val="3490548144"/>
+      </p:ext>
+    </p:extLst>
+  </p:cSld>
+  <p:clrMapOvr>
+    <a:masterClrMapping/>
+  </p:clrMapOvr>
+</p:sld>
+</file>
+
+<file path=ppt/slides/slide15.xml><?xml version="1.0" encoding="utf-8"?>
+<p:sld xmlns:a="http://schemas.openxmlformats.org/drawingml/2006/main" xmlns:r="http://schemas.openxmlformats.org/officeDocument/2006/relationships" xmlns:p="http://schemas.openxmlformats.org/presentationml/2006/main">
+  <p:cSld>
+    <p:spTree>
+      <p:nvGrpSpPr>
+        <p:cNvPr id="1" name=""/>
+        <p:cNvGrpSpPr/>
+        <p:nvPr/>
+      </p:nvGrpSpPr>
+      <p:grpSpPr>
+        <a:xfrm>
+          <a:off x="0" y="0"/>
+          <a:ext cx="0" cy="0"/>
+          <a:chOff x="0" y="0"/>
+          <a:chExt cx="0" cy="0"/>
+        </a:xfrm>
+      </p:grpSpPr>
+      <p:sp>
+        <p:nvSpPr>
+          <p:cNvPr id="2" name="Título 1">
+            <a:extLst>
+              <a:ext uri="{FF2B5EF4-FFF2-40B4-BE49-F238E27FC236}">
+                <a16:creationId xmlns:a16="http://schemas.microsoft.com/office/drawing/2014/main" id="{05F0A0A1-AF60-458B-9C2F-ED908DEB7098}"/>
+              </a:ext>
+            </a:extLst>
+          </p:cNvPr>
+          <p:cNvSpPr>
+            <a:spLocks noGrp="1"/>
+          </p:cNvSpPr>
+          <p:nvPr>
+            <p:ph type="title"/>
+          </p:nvPr>
+        </p:nvSpPr>
+        <p:spPr>
+          <a:xfrm>
+            <a:off x="1141413" y="385931"/>
+            <a:ext cx="9905998" cy="769102"/>
+          </a:xfrm>
+        </p:spPr>
+        <p:txBody>
+          <a:bodyPr/>
+          <a:lstStyle/>
+          <a:p>
+            <a:r>
+              <a:rPr lang="en-US" dirty="0"/>
+              <a:t>Conclusion</a:t>
+            </a:r>
+          </a:p>
+        </p:txBody>
+      </p:sp>
+      <p:sp>
+        <p:nvSpPr>
+          <p:cNvPr id="3" name="Marcador de contenido 2">
+            <a:extLst>
+              <a:ext uri="{FF2B5EF4-FFF2-40B4-BE49-F238E27FC236}">
+                <a16:creationId xmlns:a16="http://schemas.microsoft.com/office/drawing/2014/main" id="{8DF9B589-1579-41A0-A689-CD72FAC22DF4}"/>
+              </a:ext>
+            </a:extLst>
+          </p:cNvPr>
+          <p:cNvSpPr>
+            <a:spLocks noGrp="1"/>
+          </p:cNvSpPr>
+          <p:nvPr>
+            <p:ph idx="1"/>
+          </p:nvPr>
+        </p:nvSpPr>
+        <p:spPr>
+          <a:xfrm>
+            <a:off x="1141412" y="1364776"/>
+            <a:ext cx="9905999" cy="4983015"/>
+          </a:xfrm>
+        </p:spPr>
+        <p:txBody>
+          <a:bodyPr>
+            <a:normAutofit lnSpcReduction="10000"/>
+          </a:bodyPr>
+          <a:lstStyle/>
+          <a:p>
+            <a:r>
+              <a:rPr lang="en-US" dirty="0"/>
+              <a:t>The objective of this case study was to analyze where accident are more likely to occur. </a:t>
+            </a:r>
+          </a:p>
+          <a:p>
+            <a:r>
+              <a:rPr lang="en-US" dirty="0"/>
+              <a:t>The results are the following, overall, people will have more chances to suffer a car accident if…</a:t>
+            </a:r>
+          </a:p>
+          <a:p>
+            <a:pPr lvl="1"/>
+            <a:r>
+              <a:rPr lang="en-US" dirty="0"/>
+              <a:t>They are driving trough the first 15 – 50 locations shown in the </a:t>
+            </a:r>
+            <a:r>
+              <a:rPr lang="en-US" dirty="0" err="1"/>
+              <a:t>Jupyter</a:t>
+            </a:r>
+            <a:r>
+              <a:rPr lang="en-US" dirty="0"/>
+              <a:t> Notebook (The first 15 are show in the slide 8)</a:t>
+            </a:r>
+          </a:p>
+          <a:p>
+            <a:pPr lvl="1"/>
+            <a:r>
+              <a:rPr lang="en-US" dirty="0"/>
+              <a:t>They are driving when t</a:t>
+            </a:r>
+            <a:r>
+              <a:rPr lang="en-US" sz="2000" dirty="0"/>
+              <a:t>he weather is clear, the </a:t>
+            </a:r>
+            <a:r>
+              <a:rPr lang="en-US" sz="2000" dirty="0" err="1"/>
+              <a:t>Junctiontype</a:t>
+            </a:r>
+            <a:r>
+              <a:rPr lang="en-US" sz="2000" dirty="0"/>
+              <a:t> is Mid-Block and ROADCOND is Dry</a:t>
+            </a:r>
+          </a:p>
+          <a:p>
+            <a:pPr lvl="1"/>
+            <a:r>
+              <a:rPr lang="en-US" dirty="0"/>
+              <a:t>The people involver is 2.5 per accident and 1.9 vehicles</a:t>
+            </a:r>
+          </a:p>
+          <a:p>
+            <a:pPr lvl="1"/>
+            <a:r>
+              <a:rPr lang="en-US" sz="2000" dirty="0"/>
+              <a:t>Finally ther</a:t>
+            </a:r>
+            <a:r>
+              <a:rPr lang="en-US" dirty="0"/>
+              <a:t>e is almost no difference in the weather conditions, </a:t>
+            </a:r>
+            <a:r>
+              <a:rPr lang="en-US" dirty="0" err="1"/>
+              <a:t>Junctiontypes</a:t>
+            </a:r>
+            <a:r>
+              <a:rPr lang="en-US" dirty="0"/>
+              <a:t>, </a:t>
+            </a:r>
+            <a:r>
+              <a:rPr lang="en-US" dirty="0" err="1"/>
+              <a:t>etc</a:t>
+            </a:r>
+            <a:r>
+              <a:rPr lang="en-US" dirty="0"/>
+              <a:t> when the speed is a factor. Only the locations, it could be due to the amount of curves in a roadway</a:t>
+            </a:r>
+            <a:endParaRPr lang="en-US" sz="2000" dirty="0"/>
+          </a:p>
+          <a:p>
+            <a:pPr lvl="1"/>
+            <a:endParaRPr lang="en-US" dirty="0"/>
+          </a:p>
+        </p:txBody>
+      </p:sp>
+      <p:sp>
+        <p:nvSpPr>
+          <p:cNvPr id="5" name="Flecha: a la derecha 4">
+            <a:extLst>
+              <a:ext uri="{FF2B5EF4-FFF2-40B4-BE49-F238E27FC236}">
+                <a16:creationId xmlns:a16="http://schemas.microsoft.com/office/drawing/2014/main" id="{23933BA5-02C5-4403-90AD-65D7EF29AFF0}"/>
+              </a:ext>
+            </a:extLst>
+          </p:cNvPr>
+          <p:cNvSpPr/>
+          <p:nvPr/>
+        </p:nvSpPr>
+        <p:spPr>
+          <a:xfrm>
+            <a:off x="1431237" y="6069496"/>
+            <a:ext cx="9496906" cy="488038"/>
+          </a:xfrm>
+          <a:prstGeom prst="rightArrow">
+            <a:avLst/>
+          </a:prstGeom>
+          <a:noFill/>
+          <a:ln w="19050">
+            <a:solidFill>
+              <a:schemeClr val="bg2">
+                <a:lumMod val="40000"/>
+                <a:lumOff val="60000"/>
+              </a:schemeClr>
+            </a:solidFill>
+          </a:ln>
+        </p:spPr>
+        <p:style>
+          <a:lnRef idx="2">
+            <a:schemeClr val="accent1">
+              <a:shade val="50000"/>
+            </a:schemeClr>
+          </a:lnRef>
+          <a:fillRef idx="1">
+            <a:schemeClr val="accent1"/>
+          </a:fillRef>
+          <a:effectRef idx="0">
+            <a:schemeClr val="accent1"/>
+          </a:effectRef>
+          <a:fontRef idx="minor">
+            <a:schemeClr val="lt1"/>
+          </a:fontRef>
+        </p:style>
+        <p:txBody>
+          <a:bodyPr rtlCol="0" anchor="ctr"/>
+          <a:lstStyle/>
+          <a:p>
+            <a:pPr algn="ctr"/>
+            <a:endParaRPr lang="es-MX"/>
+          </a:p>
+        </p:txBody>
+      </p:sp>
+    </p:spTree>
+    <p:extLst>
+      <p:ext uri="{BB962C8B-B14F-4D97-AF65-F5344CB8AC3E}">
+        <p14:creationId xmlns:p14="http://schemas.microsoft.com/office/powerpoint/2010/main" val="193001652"/>
       </p:ext>
     </p:extLst>
   </p:cSld>
@@ -13077,7 +16476,7 @@
           <a:noFill/>
           <a:extLst>
             <a:ext uri="{909E8E84-426E-40dd-AFC4-6F175D3DCCD1}">
-              <a14:hiddenFill xmlns="" xmlns:a16="http://schemas.microsoft.com/office/drawing/2014/main" xmlns:p14="http://schemas.microsoft.com/office/powerpoint/2010/main" xmlns:a14="http://schemas.microsoft.com/office/drawing/2010/main">
+              <a14:hiddenFill xmlns:a14="http://schemas.microsoft.com/office/drawing/2010/main" xmlns:p14="http://schemas.microsoft.com/office/powerpoint/2010/main" xmlns:a16="http://schemas.microsoft.com/office/drawing/2014/main" xmlns="">
                 <a:solidFill>
                   <a:srgbClr val="FFFFFF"/>
                 </a:solidFill>
@@ -13316,7 +16715,7 @@
             </a:ln>
             <a:extLst>
               <a:ext uri="{91240B29-F687-4f45-9708-019B960494DF}">
-                <a14:hiddenLine xmlns="" xmlns:a16="http://schemas.microsoft.com/office/drawing/2014/main" xmlns:p14="http://schemas.microsoft.com/office/powerpoint/2010/main" xmlns:a14="http://schemas.microsoft.com/office/drawing/2010/main" w="9525">
+                <a14:hiddenLine xmlns:a14="http://schemas.microsoft.com/office/drawing/2010/main" xmlns:p14="http://schemas.microsoft.com/office/powerpoint/2010/main" xmlns:a16="http://schemas.microsoft.com/office/drawing/2014/main" xmlns="" w="9525">
                   <a:solidFill>
                     <a:srgbClr val="000000"/>
                   </a:solidFill>
@@ -13421,7 +16820,7 @@
             </a:ln>
             <a:extLst>
               <a:ext uri="{91240B29-F687-4f45-9708-019B960494DF}">
-                <a14:hiddenLine xmlns="" xmlns:a16="http://schemas.microsoft.com/office/drawing/2014/main" xmlns:p14="http://schemas.microsoft.com/office/powerpoint/2010/main" xmlns:a14="http://schemas.microsoft.com/office/drawing/2010/main" w="9525">
+                <a14:hiddenLine xmlns:a14="http://schemas.microsoft.com/office/drawing/2010/main" xmlns:p14="http://schemas.microsoft.com/office/powerpoint/2010/main" xmlns:a16="http://schemas.microsoft.com/office/drawing/2014/main" xmlns="" w="9525">
                   <a:solidFill>
                     <a:srgbClr val="000000"/>
                   </a:solidFill>
@@ -13526,7 +16925,7 @@
             </a:ln>
             <a:extLst>
               <a:ext uri="{91240B29-F687-4f45-9708-019B960494DF}">
-                <a14:hiddenLine xmlns="" xmlns:a16="http://schemas.microsoft.com/office/drawing/2014/main" xmlns:p14="http://schemas.microsoft.com/office/powerpoint/2010/main" xmlns:a14="http://schemas.microsoft.com/office/drawing/2010/main" w="9525">
+                <a14:hiddenLine xmlns:a14="http://schemas.microsoft.com/office/drawing/2010/main" xmlns:p14="http://schemas.microsoft.com/office/powerpoint/2010/main" xmlns:a16="http://schemas.microsoft.com/office/drawing/2014/main" xmlns="" w="9525">
                   <a:solidFill>
                     <a:srgbClr val="000000"/>
                   </a:solidFill>
@@ -13603,7 +17002,7 @@
             </a:ln>
             <a:extLst>
               <a:ext uri="{91240B29-F687-4f45-9708-019B960494DF}">
-                <a14:hiddenLine xmlns="" xmlns:a16="http://schemas.microsoft.com/office/drawing/2014/main" xmlns:p14="http://schemas.microsoft.com/office/powerpoint/2010/main" xmlns:a14="http://schemas.microsoft.com/office/drawing/2010/main" w="9525">
+                <a14:hiddenLine xmlns:a14="http://schemas.microsoft.com/office/drawing/2010/main" xmlns:p14="http://schemas.microsoft.com/office/powerpoint/2010/main" xmlns:a16="http://schemas.microsoft.com/office/drawing/2014/main" xmlns="" w="9525">
                   <a:solidFill>
                     <a:srgbClr val="000000"/>
                   </a:solidFill>
@@ -13708,7 +17107,7 @@
             </a:ln>
             <a:extLst>
               <a:ext uri="{91240B29-F687-4f45-9708-019B960494DF}">
-                <a14:hiddenLine xmlns="" xmlns:a16="http://schemas.microsoft.com/office/drawing/2014/main" xmlns:p14="http://schemas.microsoft.com/office/powerpoint/2010/main" xmlns:a14="http://schemas.microsoft.com/office/drawing/2010/main" w="9525">
+                <a14:hiddenLine xmlns:a14="http://schemas.microsoft.com/office/drawing/2010/main" xmlns:p14="http://schemas.microsoft.com/office/powerpoint/2010/main" xmlns:a16="http://schemas.microsoft.com/office/drawing/2014/main" xmlns="" w="9525">
                   <a:solidFill>
                     <a:srgbClr val="000000"/>
                   </a:solidFill>
@@ -13785,7 +17184,7 @@
             </a:ln>
             <a:extLst>
               <a:ext uri="{91240B29-F687-4f45-9708-019B960494DF}">
-                <a14:hiddenLine xmlns="" xmlns:a16="http://schemas.microsoft.com/office/drawing/2014/main" xmlns:p14="http://schemas.microsoft.com/office/powerpoint/2010/main" xmlns:a14="http://schemas.microsoft.com/office/drawing/2010/main" w="9525">
+                <a14:hiddenLine xmlns:a14="http://schemas.microsoft.com/office/drawing/2010/main" xmlns:p14="http://schemas.microsoft.com/office/powerpoint/2010/main" xmlns:a16="http://schemas.microsoft.com/office/drawing/2014/main" xmlns="" w="9525">
                   <a:solidFill>
                     <a:srgbClr val="000000"/>
                   </a:solidFill>
@@ -13862,7 +17261,7 @@
             </a:ln>
             <a:extLst>
               <a:ext uri="{91240B29-F687-4f45-9708-019B960494DF}">
-                <a14:hiddenLine xmlns="" xmlns:a16="http://schemas.microsoft.com/office/drawing/2014/main" xmlns:p14="http://schemas.microsoft.com/office/powerpoint/2010/main" xmlns:a14="http://schemas.microsoft.com/office/drawing/2010/main" w="9525">
+                <a14:hiddenLine xmlns:a14="http://schemas.microsoft.com/office/drawing/2010/main" xmlns:p14="http://schemas.microsoft.com/office/powerpoint/2010/main" xmlns:a16="http://schemas.microsoft.com/office/drawing/2014/main" xmlns="" w="9525">
                   <a:solidFill>
                     <a:srgbClr val="000000"/>
                   </a:solidFill>
@@ -13967,7 +17366,7 @@
             </a:ln>
             <a:extLst>
               <a:ext uri="{91240B29-F687-4f45-9708-019B960494DF}">
-                <a14:hiddenLine xmlns="" xmlns:a16="http://schemas.microsoft.com/office/drawing/2014/main" xmlns:p14="http://schemas.microsoft.com/office/powerpoint/2010/main" xmlns:a14="http://schemas.microsoft.com/office/drawing/2010/main" w="9525">
+                <a14:hiddenLine xmlns:a14="http://schemas.microsoft.com/office/drawing/2010/main" xmlns:p14="http://schemas.microsoft.com/office/powerpoint/2010/main" xmlns:a16="http://schemas.microsoft.com/office/drawing/2014/main" xmlns="" w="9525">
                   <a:solidFill>
                     <a:srgbClr val="000000"/>
                   </a:solidFill>
@@ -14072,7 +17471,7 @@
             </a:ln>
             <a:extLst>
               <a:ext uri="{91240B29-F687-4f45-9708-019B960494DF}">
-                <a14:hiddenLine xmlns="" xmlns:a16="http://schemas.microsoft.com/office/drawing/2014/main" xmlns:p14="http://schemas.microsoft.com/office/powerpoint/2010/main" xmlns:a14="http://schemas.microsoft.com/office/drawing/2010/main" w="9525">
+                <a14:hiddenLine xmlns:a14="http://schemas.microsoft.com/office/drawing/2010/main" xmlns:p14="http://schemas.microsoft.com/office/powerpoint/2010/main" xmlns:a16="http://schemas.microsoft.com/office/drawing/2014/main" xmlns="" w="9525">
                   <a:solidFill>
                     <a:srgbClr val="000000"/>
                   </a:solidFill>
@@ -14149,7 +17548,7 @@
             </a:ln>
             <a:extLst>
               <a:ext uri="{91240B29-F687-4f45-9708-019B960494DF}">
-                <a14:hiddenLine xmlns="" xmlns:a16="http://schemas.microsoft.com/office/drawing/2014/main" xmlns:p14="http://schemas.microsoft.com/office/powerpoint/2010/main" xmlns:a14="http://schemas.microsoft.com/office/drawing/2010/main" w="9525">
+                <a14:hiddenLine xmlns:a14="http://schemas.microsoft.com/office/drawing/2010/main" xmlns:p14="http://schemas.microsoft.com/office/powerpoint/2010/main" xmlns:a16="http://schemas.microsoft.com/office/drawing/2014/main" xmlns="" w="9525">
                   <a:solidFill>
                     <a:srgbClr val="000000"/>
                   </a:solidFill>
@@ -14274,7 +17673,7 @@
             </a:ln>
             <a:extLst>
               <a:ext uri="{91240B29-F687-4f45-9708-019B960494DF}">
-                <a14:hiddenLine xmlns="" xmlns:a16="http://schemas.microsoft.com/office/drawing/2014/main" xmlns:p14="http://schemas.microsoft.com/office/powerpoint/2010/main" xmlns:a14="http://schemas.microsoft.com/office/drawing/2010/main" w="9525">
+                <a14:hiddenLine xmlns:a14="http://schemas.microsoft.com/office/drawing/2010/main" xmlns:p14="http://schemas.microsoft.com/office/powerpoint/2010/main" xmlns:a16="http://schemas.microsoft.com/office/drawing/2014/main" xmlns="" w="9525">
                   <a:solidFill>
                     <a:srgbClr val="000000"/>
                   </a:solidFill>
@@ -14388,7 +17787,7 @@
             </a:ln>
             <a:extLst>
               <a:ext uri="{91240B29-F687-4f45-9708-019B960494DF}">
-                <a14:hiddenLine xmlns="" xmlns:a16="http://schemas.microsoft.com/office/drawing/2014/main" xmlns:p14="http://schemas.microsoft.com/office/powerpoint/2010/main" xmlns:a14="http://schemas.microsoft.com/office/drawing/2010/main" w="9525">
+                <a14:hiddenLine xmlns:a14="http://schemas.microsoft.com/office/drawing/2010/main" xmlns:p14="http://schemas.microsoft.com/office/powerpoint/2010/main" xmlns:a16="http://schemas.microsoft.com/office/drawing/2014/main" xmlns="" w="9525">
                   <a:solidFill>
                     <a:srgbClr val="000000"/>
                   </a:solidFill>
@@ -14465,7 +17864,7 @@
             </a:ln>
             <a:extLst>
               <a:ext uri="{91240B29-F687-4f45-9708-019B960494DF}">
-                <a14:hiddenLine xmlns="" xmlns:a16="http://schemas.microsoft.com/office/drawing/2014/main" xmlns:p14="http://schemas.microsoft.com/office/powerpoint/2010/main" xmlns:a14="http://schemas.microsoft.com/office/drawing/2010/main" w="9525">
+                <a14:hiddenLine xmlns:a14="http://schemas.microsoft.com/office/drawing/2010/main" xmlns:p14="http://schemas.microsoft.com/office/powerpoint/2010/main" xmlns:a16="http://schemas.microsoft.com/office/drawing/2014/main" xmlns="" w="9525">
                   <a:solidFill>
                     <a:srgbClr val="000000"/>
                   </a:solidFill>
@@ -14542,7 +17941,7 @@
             </a:ln>
             <a:extLst>
               <a:ext uri="{91240B29-F687-4f45-9708-019B960494DF}">
-                <a14:hiddenLine xmlns="" xmlns:a16="http://schemas.microsoft.com/office/drawing/2014/main" xmlns:p14="http://schemas.microsoft.com/office/powerpoint/2010/main" xmlns:a14="http://schemas.microsoft.com/office/drawing/2010/main" w="9525">
+                <a14:hiddenLine xmlns:a14="http://schemas.microsoft.com/office/drawing/2010/main" xmlns:p14="http://schemas.microsoft.com/office/powerpoint/2010/main" xmlns:a16="http://schemas.microsoft.com/office/drawing/2014/main" xmlns="" w="9525">
                   <a:solidFill>
                     <a:srgbClr val="000000"/>
                   </a:solidFill>
@@ -14647,7 +18046,7 @@
             </a:ln>
             <a:extLst>
               <a:ext uri="{91240B29-F687-4f45-9708-019B960494DF}">
-                <a14:hiddenLine xmlns="" xmlns:a16="http://schemas.microsoft.com/office/drawing/2014/main" xmlns:p14="http://schemas.microsoft.com/office/powerpoint/2010/main" xmlns:a14="http://schemas.microsoft.com/office/drawing/2010/main" w="9525">
+                <a14:hiddenLine xmlns:a14="http://schemas.microsoft.com/office/drawing/2010/main" xmlns:p14="http://schemas.microsoft.com/office/powerpoint/2010/main" xmlns:a16="http://schemas.microsoft.com/office/drawing/2014/main" xmlns="" w="9525">
                   <a:solidFill>
                     <a:srgbClr val="000000"/>
                   </a:solidFill>
@@ -14696,7 +18095,7 @@
             </a:ln>
             <a:extLst>
               <a:ext uri="{91240B29-F687-4f45-9708-019B960494DF}">
-                <a14:hiddenLine xmlns="" xmlns:a16="http://schemas.microsoft.com/office/drawing/2014/main" xmlns:p14="http://schemas.microsoft.com/office/powerpoint/2010/main" xmlns:a14="http://schemas.microsoft.com/office/drawing/2010/main" w="9525">
+                <a14:hiddenLine xmlns:a14="http://schemas.microsoft.com/office/drawing/2010/main" xmlns:p14="http://schemas.microsoft.com/office/powerpoint/2010/main" xmlns:a16="http://schemas.microsoft.com/office/drawing/2014/main" xmlns="" w="9525">
                   <a:solidFill>
                     <a:srgbClr val="000000"/>
                   </a:solidFill>
@@ -14776,7 +18175,7 @@
             </a:ln>
             <a:extLst>
               <a:ext uri="{91240B29-F687-4f45-9708-019B960494DF}">
-                <a14:hiddenLine xmlns="" xmlns:a16="http://schemas.microsoft.com/office/drawing/2014/main" xmlns:p14="http://schemas.microsoft.com/office/powerpoint/2010/main" xmlns:a14="http://schemas.microsoft.com/office/drawing/2010/main" w="9525">
+                <a14:hiddenLine xmlns:a14="http://schemas.microsoft.com/office/drawing/2010/main" xmlns:p14="http://schemas.microsoft.com/office/powerpoint/2010/main" xmlns:a16="http://schemas.microsoft.com/office/drawing/2014/main" xmlns="" w="9525">
                   <a:solidFill>
                     <a:srgbClr val="000000"/>
                   </a:solidFill>
@@ -14881,7 +18280,7 @@
             </a:ln>
             <a:extLst>
               <a:ext uri="{91240B29-F687-4f45-9708-019B960494DF}">
-                <a14:hiddenLine xmlns="" xmlns:a16="http://schemas.microsoft.com/office/drawing/2014/main" xmlns:p14="http://schemas.microsoft.com/office/powerpoint/2010/main" xmlns:a14="http://schemas.microsoft.com/office/drawing/2010/main" w="9525">
+                <a14:hiddenLine xmlns:a14="http://schemas.microsoft.com/office/drawing/2010/main" xmlns:p14="http://schemas.microsoft.com/office/powerpoint/2010/main" xmlns:a16="http://schemas.microsoft.com/office/drawing/2014/main" xmlns="" w="9525">
                   <a:solidFill>
                     <a:srgbClr val="000000"/>
                   </a:solidFill>
@@ -14958,7 +18357,7 @@
             </a:ln>
             <a:extLst>
               <a:ext uri="{91240B29-F687-4f45-9708-019B960494DF}">
-                <a14:hiddenLine xmlns="" xmlns:a16="http://schemas.microsoft.com/office/drawing/2014/main" xmlns:p14="http://schemas.microsoft.com/office/powerpoint/2010/main" xmlns:a14="http://schemas.microsoft.com/office/drawing/2010/main" w="9525">
+                <a14:hiddenLine xmlns:a14="http://schemas.microsoft.com/office/drawing/2010/main" xmlns:p14="http://schemas.microsoft.com/office/powerpoint/2010/main" xmlns:a16="http://schemas.microsoft.com/office/drawing/2014/main" xmlns="" w="9525">
                   <a:solidFill>
                     <a:srgbClr val="000000"/>
                   </a:solidFill>
@@ -15063,7 +18462,7 @@
             </a:ln>
             <a:extLst>
               <a:ext uri="{91240B29-F687-4f45-9708-019B960494DF}">
-                <a14:hiddenLine xmlns="" xmlns:a16="http://schemas.microsoft.com/office/drawing/2014/main" xmlns:p14="http://schemas.microsoft.com/office/powerpoint/2010/main" xmlns:a14="http://schemas.microsoft.com/office/drawing/2010/main" w="9525">
+                <a14:hiddenLine xmlns:a14="http://schemas.microsoft.com/office/drawing/2010/main" xmlns:p14="http://schemas.microsoft.com/office/powerpoint/2010/main" xmlns:a16="http://schemas.microsoft.com/office/drawing/2014/main" xmlns="" w="9525">
                   <a:solidFill>
                     <a:srgbClr val="000000"/>
                   </a:solidFill>
@@ -15143,7 +18542,7 @@
             </a:ln>
             <a:extLst>
               <a:ext uri="{91240B29-F687-4f45-9708-019B960494DF}">
-                <a14:hiddenLine xmlns="" xmlns:a16="http://schemas.microsoft.com/office/drawing/2014/main" xmlns:p14="http://schemas.microsoft.com/office/powerpoint/2010/main" xmlns:a14="http://schemas.microsoft.com/office/drawing/2010/main" w="9525">
+                <a14:hiddenLine xmlns:a14="http://schemas.microsoft.com/office/drawing/2010/main" xmlns:p14="http://schemas.microsoft.com/office/powerpoint/2010/main" xmlns:a16="http://schemas.microsoft.com/office/drawing/2014/main" xmlns="" w="9525">
                   <a:solidFill>
                     <a:srgbClr val="000000"/>
                   </a:solidFill>
@@ -15220,7 +18619,7 @@
             </a:ln>
             <a:extLst>
               <a:ext uri="{91240B29-F687-4f45-9708-019B960494DF}">
-                <a14:hiddenLine xmlns="" xmlns:a16="http://schemas.microsoft.com/office/drawing/2014/main" xmlns:p14="http://schemas.microsoft.com/office/powerpoint/2010/main" xmlns:a14="http://schemas.microsoft.com/office/drawing/2010/main" w="9525">
+                <a14:hiddenLine xmlns:a14="http://schemas.microsoft.com/office/drawing/2010/main" xmlns:p14="http://schemas.microsoft.com/office/powerpoint/2010/main" xmlns:a16="http://schemas.microsoft.com/office/drawing/2014/main" xmlns="" w="9525">
                   <a:solidFill>
                     <a:srgbClr val="000000"/>
                   </a:solidFill>
@@ -15325,7 +18724,7 @@
             </a:ln>
             <a:extLst>
               <a:ext uri="{91240B29-F687-4f45-9708-019B960494DF}">
-                <a14:hiddenLine xmlns="" xmlns:a16="http://schemas.microsoft.com/office/drawing/2014/main" xmlns:p14="http://schemas.microsoft.com/office/powerpoint/2010/main" xmlns:a14="http://schemas.microsoft.com/office/drawing/2010/main" w="9525">
+                <a14:hiddenLine xmlns:a14="http://schemas.microsoft.com/office/drawing/2010/main" xmlns:p14="http://schemas.microsoft.com/office/powerpoint/2010/main" xmlns:a16="http://schemas.microsoft.com/office/drawing/2014/main" xmlns="" w="9525">
                   <a:solidFill>
                     <a:srgbClr val="000000"/>
                   </a:solidFill>
@@ -15430,7 +18829,7 @@
             </a:ln>
             <a:extLst>
               <a:ext uri="{91240B29-F687-4f45-9708-019B960494DF}">
-                <a14:hiddenLine xmlns="" xmlns:a16="http://schemas.microsoft.com/office/drawing/2014/main" xmlns:p14="http://schemas.microsoft.com/office/powerpoint/2010/main" xmlns:a14="http://schemas.microsoft.com/office/drawing/2010/main" w="9525">
+                <a14:hiddenLine xmlns:a14="http://schemas.microsoft.com/office/drawing/2010/main" xmlns:p14="http://schemas.microsoft.com/office/powerpoint/2010/main" xmlns:a16="http://schemas.microsoft.com/office/drawing/2014/main" xmlns="" w="9525">
                   <a:solidFill>
                     <a:srgbClr val="000000"/>
                   </a:solidFill>
@@ -15510,7 +18909,7 @@
             </a:ln>
             <a:extLst>
               <a:ext uri="{91240B29-F687-4f45-9708-019B960494DF}">
-                <a14:hiddenLine xmlns="" xmlns:a16="http://schemas.microsoft.com/office/drawing/2014/main" xmlns:p14="http://schemas.microsoft.com/office/powerpoint/2010/main" xmlns:a14="http://schemas.microsoft.com/office/drawing/2010/main" w="9525">
+                <a14:hiddenLine xmlns:a14="http://schemas.microsoft.com/office/drawing/2010/main" xmlns:p14="http://schemas.microsoft.com/office/powerpoint/2010/main" xmlns:a16="http://schemas.microsoft.com/office/drawing/2014/main" xmlns="" w="9525">
                   <a:solidFill>
                     <a:srgbClr val="000000"/>
                   </a:solidFill>
@@ -15645,7 +19044,7 @@
             </a:ln>
             <a:extLst>
               <a:ext uri="{91240B29-F687-4f45-9708-019B960494DF}">
-                <a14:hiddenLine xmlns="" xmlns:a16="http://schemas.microsoft.com/office/drawing/2014/main" xmlns:p14="http://schemas.microsoft.com/office/powerpoint/2010/main" xmlns:a14="http://schemas.microsoft.com/office/drawing/2010/main" w="9525">
+                <a14:hiddenLine xmlns:a14="http://schemas.microsoft.com/office/drawing/2010/main" xmlns:p14="http://schemas.microsoft.com/office/powerpoint/2010/main" xmlns:a16="http://schemas.microsoft.com/office/drawing/2014/main" xmlns="" w="9525">
                   <a:solidFill>
                     <a:srgbClr val="000000"/>
                   </a:solidFill>
@@ -15760,7 +19159,7 @@
           <a:noFill/>
           <a:extLst>
             <a:ext uri="{909E8E84-426E-40dd-AFC4-6F175D3DCCD1}">
-              <a14:hiddenFill xmlns="" xmlns:a16="http://schemas.microsoft.com/office/drawing/2014/main" xmlns:p14="http://schemas.microsoft.com/office/powerpoint/2010/main" xmlns:a14="http://schemas.microsoft.com/office/drawing/2010/main">
+              <a14:hiddenFill xmlns:a14="http://schemas.microsoft.com/office/drawing/2010/main" xmlns:p14="http://schemas.microsoft.com/office/powerpoint/2010/main" xmlns:a16="http://schemas.microsoft.com/office/drawing/2014/main" xmlns="">
                 <a:solidFill>
                   <a:srgbClr val="FFFFFF"/>
                 </a:solidFill>
@@ -15852,7 +19251,7 @@
             </a:ln>
             <a:extLst>
               <a:ext uri="{91240B29-F687-4f45-9708-019B960494DF}">
-                <a14:hiddenLine xmlns="" xmlns:a16="http://schemas.microsoft.com/office/drawing/2014/main" xmlns:p14="http://schemas.microsoft.com/office/powerpoint/2010/main" xmlns:a14="http://schemas.microsoft.com/office/drawing/2010/main" w="9525">
+                <a14:hiddenLine xmlns:a14="http://schemas.microsoft.com/office/drawing/2010/main" xmlns:p14="http://schemas.microsoft.com/office/powerpoint/2010/main" xmlns:a16="http://schemas.microsoft.com/office/drawing/2014/main" xmlns="" w="9525">
                   <a:solidFill>
                     <a:srgbClr val="000000"/>
                   </a:solidFill>
@@ -15957,7 +19356,7 @@
             </a:ln>
             <a:extLst>
               <a:ext uri="{91240B29-F687-4f45-9708-019B960494DF}">
-                <a14:hiddenLine xmlns="" xmlns:a16="http://schemas.microsoft.com/office/drawing/2014/main" xmlns:p14="http://schemas.microsoft.com/office/powerpoint/2010/main" xmlns:a14="http://schemas.microsoft.com/office/drawing/2010/main" w="9525">
+                <a14:hiddenLine xmlns:a14="http://schemas.microsoft.com/office/drawing/2010/main" xmlns:p14="http://schemas.microsoft.com/office/powerpoint/2010/main" xmlns:a16="http://schemas.microsoft.com/office/drawing/2014/main" xmlns="" w="9525">
                   <a:solidFill>
                     <a:srgbClr val="000000"/>
                   </a:solidFill>
@@ -16062,7 +19461,7 @@
             </a:ln>
             <a:extLst>
               <a:ext uri="{91240B29-F687-4f45-9708-019B960494DF}">
-                <a14:hiddenLine xmlns="" xmlns:a16="http://schemas.microsoft.com/office/drawing/2014/main" xmlns:p14="http://schemas.microsoft.com/office/powerpoint/2010/main" xmlns:a14="http://schemas.microsoft.com/office/drawing/2010/main" w="9525">
+                <a14:hiddenLine xmlns:a14="http://schemas.microsoft.com/office/drawing/2010/main" xmlns:p14="http://schemas.microsoft.com/office/powerpoint/2010/main" xmlns:a16="http://schemas.microsoft.com/office/drawing/2014/main" xmlns="" w="9525">
                   <a:solidFill>
                     <a:srgbClr val="000000"/>
                   </a:solidFill>
@@ -16111,7 +19510,7 @@
             </a:ln>
             <a:extLst>
               <a:ext uri="{91240B29-F687-4f45-9708-019B960494DF}">
-                <a14:hiddenLine xmlns="" xmlns:a16="http://schemas.microsoft.com/office/drawing/2014/main" xmlns:p14="http://schemas.microsoft.com/office/powerpoint/2010/main" xmlns:a14="http://schemas.microsoft.com/office/drawing/2010/main" w="9525">
+                <a14:hiddenLine xmlns:a14="http://schemas.microsoft.com/office/drawing/2010/main" xmlns:p14="http://schemas.microsoft.com/office/powerpoint/2010/main" xmlns:a16="http://schemas.microsoft.com/office/drawing/2014/main" xmlns="" w="9525">
                   <a:solidFill>
                     <a:srgbClr val="000000"/>
                   </a:solidFill>
@@ -16216,7 +19615,7 @@
             </a:ln>
             <a:extLst>
               <a:ext uri="{91240B29-F687-4f45-9708-019B960494DF}">
-                <a14:hiddenLine xmlns="" xmlns:a16="http://schemas.microsoft.com/office/drawing/2014/main" xmlns:p14="http://schemas.microsoft.com/office/powerpoint/2010/main" xmlns:a14="http://schemas.microsoft.com/office/drawing/2010/main" w="9525">
+                <a14:hiddenLine xmlns:a14="http://schemas.microsoft.com/office/drawing/2010/main" xmlns:p14="http://schemas.microsoft.com/office/powerpoint/2010/main" xmlns:a16="http://schemas.microsoft.com/office/drawing/2014/main" xmlns="" w="9525">
                   <a:solidFill>
                     <a:srgbClr val="000000"/>
                   </a:solidFill>
@@ -16293,7 +19692,7 @@
             </a:ln>
             <a:extLst>
               <a:ext uri="{91240B29-F687-4f45-9708-019B960494DF}">
-                <a14:hiddenLine xmlns="" xmlns:a16="http://schemas.microsoft.com/office/drawing/2014/main" xmlns:p14="http://schemas.microsoft.com/office/powerpoint/2010/main" xmlns:a14="http://schemas.microsoft.com/office/drawing/2010/main" w="9525">
+                <a14:hiddenLine xmlns:a14="http://schemas.microsoft.com/office/drawing/2010/main" xmlns:p14="http://schemas.microsoft.com/office/powerpoint/2010/main" xmlns:a16="http://schemas.microsoft.com/office/drawing/2014/main" xmlns="" w="9525">
                   <a:solidFill>
                     <a:srgbClr val="000000"/>
                   </a:solidFill>
@@ -16370,7 +19769,7 @@
             </a:ln>
             <a:extLst>
               <a:ext uri="{91240B29-F687-4f45-9708-019B960494DF}">
-                <a14:hiddenLine xmlns="" xmlns:a16="http://schemas.microsoft.com/office/drawing/2014/main" xmlns:p14="http://schemas.microsoft.com/office/powerpoint/2010/main" xmlns:a14="http://schemas.microsoft.com/office/drawing/2010/main" w="9525">
+                <a14:hiddenLine xmlns:a14="http://schemas.microsoft.com/office/drawing/2010/main" xmlns:p14="http://schemas.microsoft.com/office/powerpoint/2010/main" xmlns:a16="http://schemas.microsoft.com/office/drawing/2014/main" xmlns="" w="9525">
                   <a:solidFill>
                     <a:srgbClr val="000000"/>
                   </a:solidFill>
@@ -16475,7 +19874,7 @@
             </a:ln>
             <a:extLst>
               <a:ext uri="{91240B29-F687-4f45-9708-019B960494DF}">
-                <a14:hiddenLine xmlns="" xmlns:a16="http://schemas.microsoft.com/office/drawing/2014/main" xmlns:p14="http://schemas.microsoft.com/office/powerpoint/2010/main" xmlns:a14="http://schemas.microsoft.com/office/drawing/2010/main" w="9525">
+                <a14:hiddenLine xmlns:a14="http://schemas.microsoft.com/office/drawing/2010/main" xmlns:p14="http://schemas.microsoft.com/office/powerpoint/2010/main" xmlns:a16="http://schemas.microsoft.com/office/drawing/2014/main" xmlns="" w="9525">
                   <a:solidFill>
                     <a:srgbClr val="000000"/>
                   </a:solidFill>
@@ -16552,7 +19951,7 @@
             </a:ln>
             <a:extLst>
               <a:ext uri="{91240B29-F687-4f45-9708-019B960494DF}">
-                <a14:hiddenLine xmlns="" xmlns:a16="http://schemas.microsoft.com/office/drawing/2014/main" xmlns:p14="http://schemas.microsoft.com/office/powerpoint/2010/main" xmlns:a14="http://schemas.microsoft.com/office/drawing/2010/main" w="9525">
+                <a14:hiddenLine xmlns:a14="http://schemas.microsoft.com/office/drawing/2010/main" xmlns:p14="http://schemas.microsoft.com/office/powerpoint/2010/main" xmlns:a16="http://schemas.microsoft.com/office/drawing/2014/main" xmlns="" w="9525">
                   <a:solidFill>
                     <a:srgbClr val="000000"/>
                   </a:solidFill>
@@ -16629,7 +20028,7 @@
             </a:ln>
             <a:extLst>
               <a:ext uri="{91240B29-F687-4f45-9708-019B960494DF}">
-                <a14:hiddenLine xmlns="" xmlns:a16="http://schemas.microsoft.com/office/drawing/2014/main" xmlns:p14="http://schemas.microsoft.com/office/powerpoint/2010/main" xmlns:a14="http://schemas.microsoft.com/office/drawing/2010/main" w="9525">
+                <a14:hiddenLine xmlns:a14="http://schemas.microsoft.com/office/drawing/2010/main" xmlns:p14="http://schemas.microsoft.com/office/powerpoint/2010/main" xmlns:a16="http://schemas.microsoft.com/office/drawing/2014/main" xmlns="" w="9525">
                   <a:solidFill>
                     <a:srgbClr val="000000"/>
                   </a:solidFill>
@@ -16734,7 +20133,7 @@
             </a:ln>
             <a:extLst>
               <a:ext uri="{91240B29-F687-4f45-9708-019B960494DF}">
-                <a14:hiddenLine xmlns="" xmlns:a16="http://schemas.microsoft.com/office/drawing/2014/main" xmlns:p14="http://schemas.microsoft.com/office/powerpoint/2010/main" xmlns:a14="http://schemas.microsoft.com/office/drawing/2010/main" w="9525">
+                <a14:hiddenLine xmlns:a14="http://schemas.microsoft.com/office/drawing/2010/main" xmlns:p14="http://schemas.microsoft.com/office/powerpoint/2010/main" xmlns:a16="http://schemas.microsoft.com/office/drawing/2014/main" xmlns="" w="9525">
                   <a:solidFill>
                     <a:srgbClr val="000000"/>
                   </a:solidFill>
@@ -16839,7 +20238,7 @@
             </a:ln>
             <a:extLst>
               <a:ext uri="{91240B29-F687-4f45-9708-019B960494DF}">
-                <a14:hiddenLine xmlns="" xmlns:a16="http://schemas.microsoft.com/office/drawing/2014/main" xmlns:p14="http://schemas.microsoft.com/office/powerpoint/2010/main" xmlns:a14="http://schemas.microsoft.com/office/drawing/2010/main" w="9525">
+                <a14:hiddenLine xmlns:a14="http://schemas.microsoft.com/office/drawing/2010/main" xmlns:p14="http://schemas.microsoft.com/office/powerpoint/2010/main" xmlns:a16="http://schemas.microsoft.com/office/drawing/2014/main" xmlns="" w="9525">
                   <a:solidFill>
                     <a:srgbClr val="000000"/>
                   </a:solidFill>
@@ -16916,7 +20315,7 @@
             </a:ln>
             <a:extLst>
               <a:ext uri="{91240B29-F687-4f45-9708-019B960494DF}">
-                <a14:hiddenLine xmlns="" xmlns:a16="http://schemas.microsoft.com/office/drawing/2014/main" xmlns:p14="http://schemas.microsoft.com/office/powerpoint/2010/main" xmlns:a14="http://schemas.microsoft.com/office/drawing/2010/main" w="9525">
+                <a14:hiddenLine xmlns:a14="http://schemas.microsoft.com/office/drawing/2010/main" xmlns:p14="http://schemas.microsoft.com/office/powerpoint/2010/main" xmlns:a16="http://schemas.microsoft.com/office/drawing/2014/main" xmlns="" w="9525">
                   <a:solidFill>
                     <a:srgbClr val="000000"/>
                   </a:solidFill>
@@ -17041,7 +20440,7 @@
             </a:ln>
             <a:extLst>
               <a:ext uri="{91240B29-F687-4f45-9708-019B960494DF}">
-                <a14:hiddenLine xmlns="" xmlns:a16="http://schemas.microsoft.com/office/drawing/2014/main" xmlns:p14="http://schemas.microsoft.com/office/powerpoint/2010/main" xmlns:a14="http://schemas.microsoft.com/office/drawing/2010/main" w="9525">
+                <a14:hiddenLine xmlns:a14="http://schemas.microsoft.com/office/drawing/2010/main" xmlns:p14="http://schemas.microsoft.com/office/powerpoint/2010/main" xmlns:a16="http://schemas.microsoft.com/office/drawing/2014/main" xmlns="" w="9525">
                   <a:solidFill>
                     <a:srgbClr val="000000"/>
                   </a:solidFill>
@@ -17118,7 +20517,7 @@
             </a:ln>
             <a:extLst>
               <a:ext uri="{91240B29-F687-4f45-9708-019B960494DF}">
-                <a14:hiddenLine xmlns="" xmlns:a16="http://schemas.microsoft.com/office/drawing/2014/main" xmlns:p14="http://schemas.microsoft.com/office/powerpoint/2010/main" xmlns:a14="http://schemas.microsoft.com/office/drawing/2010/main" w="9525">
+                <a14:hiddenLine xmlns:a14="http://schemas.microsoft.com/office/drawing/2010/main" xmlns:p14="http://schemas.microsoft.com/office/powerpoint/2010/main" xmlns:a16="http://schemas.microsoft.com/office/drawing/2014/main" xmlns="" w="9525">
                   <a:solidFill>
                     <a:srgbClr val="000000"/>
                   </a:solidFill>
@@ -17223,7 +20622,7 @@
             </a:ln>
             <a:extLst>
               <a:ext uri="{91240B29-F687-4f45-9708-019B960494DF}">
-                <a14:hiddenLine xmlns="" xmlns:a16="http://schemas.microsoft.com/office/drawing/2014/main" xmlns:p14="http://schemas.microsoft.com/office/powerpoint/2010/main" xmlns:a14="http://schemas.microsoft.com/office/drawing/2010/main" w="9525">
+                <a14:hiddenLine xmlns:a14="http://schemas.microsoft.com/office/drawing/2010/main" xmlns:p14="http://schemas.microsoft.com/office/powerpoint/2010/main" xmlns:a16="http://schemas.microsoft.com/office/drawing/2014/main" xmlns="" w="9525">
                   <a:solidFill>
                     <a:srgbClr val="000000"/>
                   </a:solidFill>
@@ -17328,7 +20727,7 @@
             </a:ln>
             <a:extLst>
               <a:ext uri="{91240B29-F687-4f45-9708-019B960494DF}">
-                <a14:hiddenLine xmlns="" xmlns:a16="http://schemas.microsoft.com/office/drawing/2014/main" xmlns:p14="http://schemas.microsoft.com/office/powerpoint/2010/main" xmlns:a14="http://schemas.microsoft.com/office/drawing/2010/main" w="9525">
+                <a14:hiddenLine xmlns:a14="http://schemas.microsoft.com/office/drawing/2010/main" xmlns:p14="http://schemas.microsoft.com/office/powerpoint/2010/main" xmlns:a16="http://schemas.microsoft.com/office/drawing/2014/main" xmlns="" w="9525">
                   <a:solidFill>
                     <a:srgbClr val="000000"/>
                   </a:solidFill>
@@ -17405,7 +20804,7 @@
             </a:ln>
             <a:extLst>
               <a:ext uri="{91240B29-F687-4f45-9708-019B960494DF}">
-                <a14:hiddenLine xmlns="" xmlns:a16="http://schemas.microsoft.com/office/drawing/2014/main" xmlns:p14="http://schemas.microsoft.com/office/powerpoint/2010/main" xmlns:a14="http://schemas.microsoft.com/office/drawing/2010/main" w="9525">
+                <a14:hiddenLine xmlns:a14="http://schemas.microsoft.com/office/drawing/2010/main" xmlns:p14="http://schemas.microsoft.com/office/powerpoint/2010/main" xmlns:a16="http://schemas.microsoft.com/office/drawing/2014/main" xmlns="" w="9525">
                   <a:solidFill>
                     <a:srgbClr val="000000"/>
                   </a:solidFill>
@@ -17510,7 +20909,7 @@
             </a:ln>
             <a:extLst>
               <a:ext uri="{91240B29-F687-4f45-9708-019B960494DF}">
-                <a14:hiddenLine xmlns="" xmlns:a16="http://schemas.microsoft.com/office/drawing/2014/main" xmlns:p14="http://schemas.microsoft.com/office/powerpoint/2010/main" xmlns:a14="http://schemas.microsoft.com/office/drawing/2010/main" w="9525">
+                <a14:hiddenLine xmlns:a14="http://schemas.microsoft.com/office/drawing/2010/main" xmlns:p14="http://schemas.microsoft.com/office/powerpoint/2010/main" xmlns:a16="http://schemas.microsoft.com/office/drawing/2014/main" xmlns="" w="9525">
                   <a:solidFill>
                     <a:srgbClr val="000000"/>
                   </a:solidFill>
@@ -17615,7 +21014,7 @@
             </a:ln>
             <a:extLst>
               <a:ext uri="{91240B29-F687-4f45-9708-019B960494DF}">
-                <a14:hiddenLine xmlns="" xmlns:a16="http://schemas.microsoft.com/office/drawing/2014/main" xmlns:p14="http://schemas.microsoft.com/office/powerpoint/2010/main" xmlns:a14="http://schemas.microsoft.com/office/drawing/2010/main" w="9525">
+                <a14:hiddenLine xmlns:a14="http://schemas.microsoft.com/office/drawing/2010/main" xmlns:p14="http://schemas.microsoft.com/office/powerpoint/2010/main" xmlns:a16="http://schemas.microsoft.com/office/drawing/2014/main" xmlns="" w="9525">
                   <a:solidFill>
                     <a:srgbClr val="000000"/>
                   </a:solidFill>
@@ -17686,7 +21085,7 @@
             </a:ln>
             <a:extLst>
               <a:ext uri="{91240B29-F687-4f45-9708-019B960494DF}">
-                <a14:hiddenLine xmlns="" xmlns:a16="http://schemas.microsoft.com/office/drawing/2014/main" xmlns:p14="http://schemas.microsoft.com/office/powerpoint/2010/main" xmlns:a14="http://schemas.microsoft.com/office/drawing/2010/main" w="9525">
+                <a14:hiddenLine xmlns:a14="http://schemas.microsoft.com/office/drawing/2010/main" xmlns:p14="http://schemas.microsoft.com/office/powerpoint/2010/main" xmlns:a16="http://schemas.microsoft.com/office/drawing/2014/main" xmlns="" w="9525">
                   <a:solidFill>
                     <a:srgbClr val="000000"/>
                   </a:solidFill>
@@ -17791,7 +21190,7 @@
             </a:ln>
             <a:extLst>
               <a:ext uri="{91240B29-F687-4f45-9708-019B960494DF}">
-                <a14:hiddenLine xmlns="" xmlns:a16="http://schemas.microsoft.com/office/drawing/2014/main" xmlns:p14="http://schemas.microsoft.com/office/powerpoint/2010/main" xmlns:a14="http://schemas.microsoft.com/office/drawing/2010/main" w="9525">
+                <a14:hiddenLine xmlns:a14="http://schemas.microsoft.com/office/drawing/2010/main" xmlns:p14="http://schemas.microsoft.com/office/powerpoint/2010/main" xmlns:a16="http://schemas.microsoft.com/office/drawing/2014/main" xmlns="" w="9525">
                   <a:solidFill>
                     <a:srgbClr val="000000"/>
                   </a:solidFill>
@@ -17862,7 +21261,7 @@
             </a:ln>
             <a:extLst>
               <a:ext uri="{91240B29-F687-4f45-9708-019B960494DF}">
-                <a14:hiddenLine xmlns="" xmlns:a16="http://schemas.microsoft.com/office/drawing/2014/main" xmlns:p14="http://schemas.microsoft.com/office/powerpoint/2010/main" xmlns:a14="http://schemas.microsoft.com/office/drawing/2010/main" w="9525">
+                <a14:hiddenLine xmlns:a14="http://schemas.microsoft.com/office/drawing/2010/main" xmlns:p14="http://schemas.microsoft.com/office/powerpoint/2010/main" xmlns:a16="http://schemas.microsoft.com/office/drawing/2014/main" xmlns="" w="9525">
                   <a:solidFill>
                     <a:srgbClr val="000000"/>
                   </a:solidFill>
@@ -17967,7 +21366,7 @@
             </a:ln>
             <a:extLst>
               <a:ext uri="{91240B29-F687-4f45-9708-019B960494DF}">
-                <a14:hiddenLine xmlns="" xmlns:a16="http://schemas.microsoft.com/office/drawing/2014/main" xmlns:p14="http://schemas.microsoft.com/office/powerpoint/2010/main" xmlns:a14="http://schemas.microsoft.com/office/drawing/2010/main" w="9525">
+                <a14:hiddenLine xmlns:a14="http://schemas.microsoft.com/office/drawing/2010/main" xmlns:p14="http://schemas.microsoft.com/office/powerpoint/2010/main" xmlns:a16="http://schemas.microsoft.com/office/drawing/2014/main" xmlns="" w="9525">
                   <a:solidFill>
                     <a:srgbClr val="000000"/>
                   </a:solidFill>
@@ -18050,7 +21449,7 @@
             </a:ln>
             <a:extLst>
               <a:ext uri="{91240B29-F687-4f45-9708-019B960494DF}">
-                <a14:hiddenLine xmlns="" xmlns:a16="http://schemas.microsoft.com/office/drawing/2014/main" xmlns:p14="http://schemas.microsoft.com/office/powerpoint/2010/main" xmlns:a14="http://schemas.microsoft.com/office/drawing/2010/main" w="9525">
+                <a14:hiddenLine xmlns:a14="http://schemas.microsoft.com/office/drawing/2010/main" xmlns:p14="http://schemas.microsoft.com/office/powerpoint/2010/main" xmlns:a16="http://schemas.microsoft.com/office/drawing/2014/main" xmlns="" w="9525">
                   <a:solidFill>
                     <a:srgbClr val="000000"/>
                   </a:solidFill>
@@ -18155,7 +21554,7 @@
             </a:ln>
             <a:extLst>
               <a:ext uri="{91240B29-F687-4f45-9708-019B960494DF}">
-                <a14:hiddenLine xmlns="" xmlns:a16="http://schemas.microsoft.com/office/drawing/2014/main" xmlns:p14="http://schemas.microsoft.com/office/powerpoint/2010/main" xmlns:a14="http://schemas.microsoft.com/office/drawing/2010/main" w="9525">
+                <a14:hiddenLine xmlns:a14="http://schemas.microsoft.com/office/drawing/2010/main" xmlns:p14="http://schemas.microsoft.com/office/powerpoint/2010/main" xmlns:a16="http://schemas.microsoft.com/office/drawing/2014/main" xmlns="" w="9525">
                   <a:solidFill>
                     <a:srgbClr val="000000"/>
                   </a:solidFill>
@@ -18238,7 +21637,7 @@
             </a:ln>
             <a:extLst>
               <a:ext uri="{91240B29-F687-4f45-9708-019B960494DF}">
-                <a14:hiddenLine xmlns="" xmlns:a16="http://schemas.microsoft.com/office/drawing/2014/main" xmlns:p14="http://schemas.microsoft.com/office/powerpoint/2010/main" xmlns:a14="http://schemas.microsoft.com/office/drawing/2010/main" w="9525">
+                <a14:hiddenLine xmlns:a14="http://schemas.microsoft.com/office/drawing/2010/main" xmlns:p14="http://schemas.microsoft.com/office/powerpoint/2010/main" xmlns:a16="http://schemas.microsoft.com/office/drawing/2014/main" xmlns="" w="9525">
                   <a:solidFill>
                     <a:srgbClr val="000000"/>
                   </a:solidFill>
@@ -18343,7 +21742,7 @@
             </a:ln>
             <a:extLst>
               <a:ext uri="{91240B29-F687-4f45-9708-019B960494DF}">
-                <a14:hiddenLine xmlns="" xmlns:a16="http://schemas.microsoft.com/office/drawing/2014/main" xmlns:p14="http://schemas.microsoft.com/office/powerpoint/2010/main" xmlns:a14="http://schemas.microsoft.com/office/drawing/2010/main" w="9525">
+                <a14:hiddenLine xmlns:a14="http://schemas.microsoft.com/office/drawing/2010/main" xmlns:p14="http://schemas.microsoft.com/office/powerpoint/2010/main" xmlns:a16="http://schemas.microsoft.com/office/drawing/2014/main" xmlns="" w="9525">
                   <a:solidFill>
                     <a:srgbClr val="000000"/>
                   </a:solidFill>
@@ -18392,7 +21791,7 @@
             </a:ln>
             <a:extLst>
               <a:ext uri="{91240B29-F687-4f45-9708-019B960494DF}">
-                <a14:hiddenLine xmlns="" xmlns:a16="http://schemas.microsoft.com/office/drawing/2014/main" xmlns:p14="http://schemas.microsoft.com/office/powerpoint/2010/main" xmlns:a14="http://schemas.microsoft.com/office/drawing/2010/main" w="9525">
+                <a14:hiddenLine xmlns:a14="http://schemas.microsoft.com/office/drawing/2010/main" xmlns:p14="http://schemas.microsoft.com/office/powerpoint/2010/main" xmlns:a16="http://schemas.microsoft.com/office/drawing/2014/main" xmlns="" w="9525">
                   <a:solidFill>
                     <a:srgbClr val="000000"/>
                   </a:solidFill>
@@ -18497,7 +21896,7 @@
             </a:ln>
             <a:extLst>
               <a:ext uri="{91240B29-F687-4f45-9708-019B960494DF}">
-                <a14:hiddenLine xmlns="" xmlns:a16="http://schemas.microsoft.com/office/drawing/2014/main" xmlns:p14="http://schemas.microsoft.com/office/powerpoint/2010/main" xmlns:a14="http://schemas.microsoft.com/office/drawing/2010/main" w="9525">
+                <a14:hiddenLine xmlns:a14="http://schemas.microsoft.com/office/drawing/2010/main" xmlns:p14="http://schemas.microsoft.com/office/powerpoint/2010/main" xmlns:a16="http://schemas.microsoft.com/office/drawing/2014/main" xmlns="" w="9525">
                   <a:solidFill>
                     <a:srgbClr val="000000"/>
                   </a:solidFill>
@@ -18574,7 +21973,7 @@
             </a:ln>
             <a:extLst>
               <a:ext uri="{91240B29-F687-4f45-9708-019B960494DF}">
-                <a14:hiddenLine xmlns="" xmlns:a16="http://schemas.microsoft.com/office/drawing/2014/main" xmlns:p14="http://schemas.microsoft.com/office/powerpoint/2010/main" xmlns:a14="http://schemas.microsoft.com/office/drawing/2010/main" w="9525">
+                <a14:hiddenLine xmlns:a14="http://schemas.microsoft.com/office/drawing/2010/main" xmlns:p14="http://schemas.microsoft.com/office/powerpoint/2010/main" xmlns:a16="http://schemas.microsoft.com/office/drawing/2014/main" xmlns="" w="9525">
                   <a:solidFill>
                     <a:srgbClr val="000000"/>
                   </a:solidFill>
@@ -18651,7 +22050,7 @@
             </a:ln>
             <a:extLst>
               <a:ext uri="{91240B29-F687-4f45-9708-019B960494DF}">
-                <a14:hiddenLine xmlns="" xmlns:a16="http://schemas.microsoft.com/office/drawing/2014/main" xmlns:p14="http://schemas.microsoft.com/office/powerpoint/2010/main" xmlns:a14="http://schemas.microsoft.com/office/drawing/2010/main" w="9525">
+                <a14:hiddenLine xmlns:a14="http://schemas.microsoft.com/office/drawing/2010/main" xmlns:p14="http://schemas.microsoft.com/office/powerpoint/2010/main" xmlns:a16="http://schemas.microsoft.com/office/drawing/2014/main" xmlns="" w="9525">
                   <a:solidFill>
                     <a:srgbClr val="000000"/>
                   </a:solidFill>
@@ -18756,7 +22155,7 @@
             </a:ln>
             <a:extLst>
               <a:ext uri="{91240B29-F687-4f45-9708-019B960494DF}">
-                <a14:hiddenLine xmlns="" xmlns:a16="http://schemas.microsoft.com/office/drawing/2014/main" xmlns:p14="http://schemas.microsoft.com/office/powerpoint/2010/main" xmlns:a14="http://schemas.microsoft.com/office/drawing/2010/main" w="9525">
+                <a14:hiddenLine xmlns:a14="http://schemas.microsoft.com/office/drawing/2010/main" xmlns:p14="http://schemas.microsoft.com/office/powerpoint/2010/main" xmlns:a16="http://schemas.microsoft.com/office/drawing/2014/main" xmlns="" w="9525">
                   <a:solidFill>
                     <a:srgbClr val="000000"/>
                   </a:solidFill>
@@ -18839,7 +22238,7 @@
             </a:ln>
             <a:extLst>
               <a:ext uri="{91240B29-F687-4f45-9708-019B960494DF}">
-                <a14:hiddenLine xmlns="" xmlns:a16="http://schemas.microsoft.com/office/drawing/2014/main" xmlns:p14="http://schemas.microsoft.com/office/powerpoint/2010/main" xmlns:a14="http://schemas.microsoft.com/office/drawing/2010/main" w="9525">
+                <a14:hiddenLine xmlns:a14="http://schemas.microsoft.com/office/drawing/2010/main" xmlns:p14="http://schemas.microsoft.com/office/powerpoint/2010/main" xmlns:a16="http://schemas.microsoft.com/office/drawing/2014/main" xmlns="" w="9525">
                   <a:solidFill>
                     <a:srgbClr val="000000"/>
                   </a:solidFill>
@@ -18916,7 +22315,7 @@
             </a:ln>
             <a:extLst>
               <a:ext uri="{91240B29-F687-4f45-9708-019B960494DF}">
-                <a14:hiddenLine xmlns="" xmlns:a16="http://schemas.microsoft.com/office/drawing/2014/main" xmlns:p14="http://schemas.microsoft.com/office/powerpoint/2010/main" xmlns:a14="http://schemas.microsoft.com/office/drawing/2010/main" w="9525">
+                <a14:hiddenLine xmlns:a14="http://schemas.microsoft.com/office/drawing/2010/main" xmlns:p14="http://schemas.microsoft.com/office/powerpoint/2010/main" xmlns:a16="http://schemas.microsoft.com/office/drawing/2014/main" xmlns="" w="9525">
                   <a:solidFill>
                     <a:srgbClr val="000000"/>
                   </a:solidFill>
@@ -19021,7 +22420,7 @@
             </a:ln>
             <a:extLst>
               <a:ext uri="{91240B29-F687-4f45-9708-019B960494DF}">
-                <a14:hiddenLine xmlns="" xmlns:a16="http://schemas.microsoft.com/office/drawing/2014/main" xmlns:p14="http://schemas.microsoft.com/office/powerpoint/2010/main" xmlns:a14="http://schemas.microsoft.com/office/drawing/2010/main" w="9525">
+                <a14:hiddenLine xmlns:a14="http://schemas.microsoft.com/office/drawing/2010/main" xmlns:p14="http://schemas.microsoft.com/office/powerpoint/2010/main" xmlns:a16="http://schemas.microsoft.com/office/drawing/2014/main" xmlns="" w="9525">
                   <a:solidFill>
                     <a:srgbClr val="000000"/>
                   </a:solidFill>
@@ -19098,7 +22497,7 @@
             </a:ln>
             <a:extLst>
               <a:ext uri="{91240B29-F687-4f45-9708-019B960494DF}">
-                <a14:hiddenLine xmlns="" xmlns:a16="http://schemas.microsoft.com/office/drawing/2014/main" xmlns:p14="http://schemas.microsoft.com/office/powerpoint/2010/main" xmlns:a14="http://schemas.microsoft.com/office/drawing/2010/main" w="9525">
+                <a14:hiddenLine xmlns:a14="http://schemas.microsoft.com/office/drawing/2010/main" xmlns:p14="http://schemas.microsoft.com/office/powerpoint/2010/main" xmlns:a16="http://schemas.microsoft.com/office/drawing/2014/main" xmlns="" w="9525">
                   <a:solidFill>
                     <a:srgbClr val="000000"/>
                   </a:solidFill>
@@ -19203,7 +22602,7 @@
             </a:ln>
             <a:extLst>
               <a:ext uri="{91240B29-F687-4f45-9708-019B960494DF}">
-                <a14:hiddenLine xmlns="" xmlns:a16="http://schemas.microsoft.com/office/drawing/2014/main" xmlns:p14="http://schemas.microsoft.com/office/powerpoint/2010/main" xmlns:a14="http://schemas.microsoft.com/office/drawing/2010/main" w="9525">
+                <a14:hiddenLine xmlns:a14="http://schemas.microsoft.com/office/drawing/2010/main" xmlns:p14="http://schemas.microsoft.com/office/powerpoint/2010/main" xmlns:a16="http://schemas.microsoft.com/office/drawing/2014/main" xmlns="" w="9525">
                   <a:solidFill>
                     <a:srgbClr val="000000"/>
                   </a:solidFill>
@@ -19280,7 +22679,7 @@
             </a:ln>
             <a:extLst>
               <a:ext uri="{91240B29-F687-4f45-9708-019B960494DF}">
-                <a14:hiddenLine xmlns="" xmlns:a16="http://schemas.microsoft.com/office/drawing/2014/main" xmlns:p14="http://schemas.microsoft.com/office/powerpoint/2010/main" xmlns:a14="http://schemas.microsoft.com/office/drawing/2010/main" w="9525">
+                <a14:hiddenLine xmlns:a14="http://schemas.microsoft.com/office/drawing/2010/main" xmlns:p14="http://schemas.microsoft.com/office/powerpoint/2010/main" xmlns:a16="http://schemas.microsoft.com/office/drawing/2014/main" xmlns="" w="9525">
                   <a:solidFill>
                     <a:srgbClr val="000000"/>
                   </a:solidFill>
@@ -19385,7 +22784,7 @@
             </a:ln>
             <a:extLst>
               <a:ext uri="{91240B29-F687-4f45-9708-019B960494DF}">
-                <a14:hiddenLine xmlns="" xmlns:a16="http://schemas.microsoft.com/office/drawing/2014/main" xmlns:p14="http://schemas.microsoft.com/office/powerpoint/2010/main" xmlns:a14="http://schemas.microsoft.com/office/drawing/2010/main" w="9525">
+                <a14:hiddenLine xmlns:a14="http://schemas.microsoft.com/office/drawing/2010/main" xmlns:p14="http://schemas.microsoft.com/office/powerpoint/2010/main" xmlns:a16="http://schemas.microsoft.com/office/drawing/2014/main" xmlns="" w="9525">
                   <a:solidFill>
                     <a:srgbClr val="000000"/>
                   </a:solidFill>
@@ -19434,7 +22833,7 @@
             </a:ln>
             <a:extLst>
               <a:ext uri="{91240B29-F687-4f45-9708-019B960494DF}">
-                <a14:hiddenLine xmlns="" xmlns:a16="http://schemas.microsoft.com/office/drawing/2014/main" xmlns:p14="http://schemas.microsoft.com/office/powerpoint/2010/main" xmlns:a14="http://schemas.microsoft.com/office/drawing/2010/main" w="9525">
+                <a14:hiddenLine xmlns:a14="http://schemas.microsoft.com/office/drawing/2010/main" xmlns:p14="http://schemas.microsoft.com/office/powerpoint/2010/main" xmlns:a16="http://schemas.microsoft.com/office/drawing/2014/main" xmlns="" w="9525">
                   <a:solidFill>
                     <a:srgbClr val="000000"/>
                   </a:solidFill>
@@ -19514,7 +22913,7 @@
             </a:ln>
             <a:extLst>
               <a:ext uri="{91240B29-F687-4f45-9708-019B960494DF}">
-                <a14:hiddenLine xmlns="" xmlns:a16="http://schemas.microsoft.com/office/drawing/2014/main" xmlns:p14="http://schemas.microsoft.com/office/powerpoint/2010/main" xmlns:a14="http://schemas.microsoft.com/office/drawing/2010/main" w="9525">
+                <a14:hiddenLine xmlns:a14="http://schemas.microsoft.com/office/drawing/2010/main" xmlns:p14="http://schemas.microsoft.com/office/powerpoint/2010/main" xmlns:a16="http://schemas.microsoft.com/office/drawing/2014/main" xmlns="" w="9525">
                   <a:solidFill>
                     <a:srgbClr val="000000"/>
                   </a:solidFill>
@@ -19619,7 +23018,7 @@
             </a:ln>
             <a:extLst>
               <a:ext uri="{91240B29-F687-4f45-9708-019B960494DF}">
-                <a14:hiddenLine xmlns="" xmlns:a16="http://schemas.microsoft.com/office/drawing/2014/main" xmlns:p14="http://schemas.microsoft.com/office/powerpoint/2010/main" xmlns:a14="http://schemas.microsoft.com/office/drawing/2010/main" w="9525">
+                <a14:hiddenLine xmlns:a14="http://schemas.microsoft.com/office/drawing/2010/main" xmlns:p14="http://schemas.microsoft.com/office/powerpoint/2010/main" xmlns:a16="http://schemas.microsoft.com/office/drawing/2014/main" xmlns="" w="9525">
                   <a:solidFill>
                     <a:srgbClr val="000000"/>
                   </a:solidFill>
@@ -19696,7 +23095,7 @@
             </a:ln>
             <a:extLst>
               <a:ext uri="{91240B29-F687-4f45-9708-019B960494DF}">
-                <a14:hiddenLine xmlns="" xmlns:a16="http://schemas.microsoft.com/office/drawing/2014/main" xmlns:p14="http://schemas.microsoft.com/office/powerpoint/2010/main" xmlns:a14="http://schemas.microsoft.com/office/drawing/2010/main" w="9525">
+                <a14:hiddenLine xmlns:a14="http://schemas.microsoft.com/office/drawing/2010/main" xmlns:p14="http://schemas.microsoft.com/office/powerpoint/2010/main" xmlns:a16="http://schemas.microsoft.com/office/drawing/2014/main" xmlns="" w="9525">
                   <a:solidFill>
                     <a:srgbClr val="000000"/>
                   </a:solidFill>
@@ -19801,7 +23200,7 @@
             </a:ln>
             <a:extLst>
               <a:ext uri="{91240B29-F687-4f45-9708-019B960494DF}">
-                <a14:hiddenLine xmlns="" xmlns:a16="http://schemas.microsoft.com/office/drawing/2014/main" xmlns:p14="http://schemas.microsoft.com/office/powerpoint/2010/main" xmlns:a14="http://schemas.microsoft.com/office/drawing/2010/main" w="9525">
+                <a14:hiddenLine xmlns:a14="http://schemas.microsoft.com/office/drawing/2010/main" xmlns:p14="http://schemas.microsoft.com/office/powerpoint/2010/main" xmlns:a16="http://schemas.microsoft.com/office/drawing/2014/main" xmlns="" w="9525">
                   <a:solidFill>
                     <a:srgbClr val="000000"/>
                   </a:solidFill>
@@ -19906,7 +23305,7 @@
             </a:ln>
             <a:extLst>
               <a:ext uri="{91240B29-F687-4f45-9708-019B960494DF}">
-                <a14:hiddenLine xmlns="" xmlns:a16="http://schemas.microsoft.com/office/drawing/2014/main" xmlns:p14="http://schemas.microsoft.com/office/powerpoint/2010/main" xmlns:a14="http://schemas.microsoft.com/office/drawing/2010/main" w="9525">
+                <a14:hiddenLine xmlns:a14="http://schemas.microsoft.com/office/drawing/2010/main" xmlns:p14="http://schemas.microsoft.com/office/powerpoint/2010/main" xmlns:a16="http://schemas.microsoft.com/office/drawing/2014/main" xmlns="" w="9525">
                   <a:solidFill>
                     <a:srgbClr val="000000"/>
                   </a:solidFill>
@@ -19986,7 +23385,7 @@
             </a:ln>
             <a:extLst>
               <a:ext uri="{91240B29-F687-4f45-9708-019B960494DF}">
-                <a14:hiddenLine xmlns="" xmlns:a16="http://schemas.microsoft.com/office/drawing/2014/main" xmlns:p14="http://schemas.microsoft.com/office/powerpoint/2010/main" xmlns:a14="http://schemas.microsoft.com/office/drawing/2010/main" w="9525">
+                <a14:hiddenLine xmlns:a14="http://schemas.microsoft.com/office/drawing/2010/main" xmlns:p14="http://schemas.microsoft.com/office/powerpoint/2010/main" xmlns:a16="http://schemas.microsoft.com/office/drawing/2014/main" xmlns="" w="9525">
                   <a:solidFill>
                     <a:srgbClr val="000000"/>
                   </a:solidFill>
@@ -20063,7 +23462,7 @@
             </a:ln>
             <a:extLst>
               <a:ext uri="{91240B29-F687-4f45-9708-019B960494DF}">
-                <a14:hiddenLine xmlns="" xmlns:a16="http://schemas.microsoft.com/office/drawing/2014/main" xmlns:p14="http://schemas.microsoft.com/office/powerpoint/2010/main" xmlns:a14="http://schemas.microsoft.com/office/drawing/2010/main" w="9525">
+                <a14:hiddenLine xmlns:a14="http://schemas.microsoft.com/office/drawing/2010/main" xmlns:p14="http://schemas.microsoft.com/office/powerpoint/2010/main" xmlns:a16="http://schemas.microsoft.com/office/drawing/2014/main" xmlns="" w="9525">
                   <a:solidFill>
                     <a:srgbClr val="000000"/>
                   </a:solidFill>
@@ -20168,7 +23567,7 @@
             </a:ln>
             <a:extLst>
               <a:ext uri="{91240B29-F687-4f45-9708-019B960494DF}">
-                <a14:hiddenLine xmlns="" xmlns:a16="http://schemas.microsoft.com/office/drawing/2014/main" xmlns:p14="http://schemas.microsoft.com/office/powerpoint/2010/main" xmlns:a14="http://schemas.microsoft.com/office/drawing/2010/main" w="9525">
+                <a14:hiddenLine xmlns:a14="http://schemas.microsoft.com/office/drawing/2010/main" xmlns:p14="http://schemas.microsoft.com/office/powerpoint/2010/main" xmlns:a16="http://schemas.microsoft.com/office/drawing/2014/main" xmlns="" w="9525">
                   <a:solidFill>
                     <a:srgbClr val="000000"/>
                   </a:solidFill>
@@ -20273,7 +23672,7 @@
             </a:ln>
             <a:extLst>
               <a:ext uri="{91240B29-F687-4f45-9708-019B960494DF}">
-                <a14:hiddenLine xmlns="" xmlns:a16="http://schemas.microsoft.com/office/drawing/2014/main" xmlns:p14="http://schemas.microsoft.com/office/powerpoint/2010/main" xmlns:a14="http://schemas.microsoft.com/office/drawing/2010/main" w="9525">
+                <a14:hiddenLine xmlns:a14="http://schemas.microsoft.com/office/drawing/2010/main" xmlns:p14="http://schemas.microsoft.com/office/powerpoint/2010/main" xmlns:a16="http://schemas.microsoft.com/office/drawing/2014/main" xmlns="" w="9525">
                   <a:solidFill>
                     <a:srgbClr val="000000"/>
                   </a:solidFill>
@@ -20350,7 +23749,7 @@
             </a:ln>
             <a:extLst>
               <a:ext uri="{91240B29-F687-4f45-9708-019B960494DF}">
-                <a14:hiddenLine xmlns="" xmlns:a16="http://schemas.microsoft.com/office/drawing/2014/main" xmlns:p14="http://schemas.microsoft.com/office/powerpoint/2010/main" xmlns:a14="http://schemas.microsoft.com/office/drawing/2010/main" w="9525">
+                <a14:hiddenLine xmlns:a14="http://schemas.microsoft.com/office/drawing/2010/main" xmlns:p14="http://schemas.microsoft.com/office/powerpoint/2010/main" xmlns:a16="http://schemas.microsoft.com/office/drawing/2014/main" xmlns="" w="9525">
                   <a:solidFill>
                     <a:srgbClr val="000000"/>
                   </a:solidFill>
@@ -20485,7 +23884,7 @@
             </a:ln>
             <a:extLst>
               <a:ext uri="{91240B29-F687-4f45-9708-019B960494DF}">
-                <a14:hiddenLine xmlns="" xmlns:a16="http://schemas.microsoft.com/office/drawing/2014/main" xmlns:p14="http://schemas.microsoft.com/office/powerpoint/2010/main" xmlns:a14="http://schemas.microsoft.com/office/drawing/2010/main" w="9525">
+                <a14:hiddenLine xmlns:a14="http://schemas.microsoft.com/office/drawing/2010/main" xmlns:p14="http://schemas.microsoft.com/office/powerpoint/2010/main" xmlns:a16="http://schemas.microsoft.com/office/drawing/2014/main" xmlns="" w="9525">
                   <a:solidFill>
                     <a:srgbClr val="000000"/>
                   </a:solidFill>
@@ -20568,7 +23967,7 @@
             </a:ln>
             <a:extLst>
               <a:ext uri="{91240B29-F687-4f45-9708-019B960494DF}">
-                <a14:hiddenLine xmlns="" xmlns:a16="http://schemas.microsoft.com/office/drawing/2014/main" xmlns:p14="http://schemas.microsoft.com/office/powerpoint/2010/main" xmlns:a14="http://schemas.microsoft.com/office/drawing/2010/main" w="9525">
+                <a14:hiddenLine xmlns:a14="http://schemas.microsoft.com/office/drawing/2010/main" xmlns:p14="http://schemas.microsoft.com/office/powerpoint/2010/main" xmlns:a16="http://schemas.microsoft.com/office/drawing/2014/main" xmlns="" w="9525">
                   <a:solidFill>
                     <a:srgbClr val="000000"/>
                   </a:solidFill>
@@ -20673,7 +24072,7 @@
             </a:ln>
             <a:extLst>
               <a:ext uri="{91240B29-F687-4f45-9708-019B960494DF}">
-                <a14:hiddenLine xmlns="" xmlns:a16="http://schemas.microsoft.com/office/drawing/2014/main" xmlns:p14="http://schemas.microsoft.com/office/powerpoint/2010/main" xmlns:a14="http://schemas.microsoft.com/office/drawing/2010/main" w="9525">
+                <a14:hiddenLine xmlns:a14="http://schemas.microsoft.com/office/drawing/2010/main" xmlns:p14="http://schemas.microsoft.com/office/powerpoint/2010/main" xmlns:a16="http://schemas.microsoft.com/office/drawing/2014/main" xmlns="" w="9525">
                   <a:solidFill>
                     <a:srgbClr val="000000"/>
                   </a:solidFill>
@@ -21175,7 +24574,7 @@
               </a:ln>
               <a:extLst>
                 <a:ext uri="{91240B29-F687-4f45-9708-019B960494DF}">
-                  <a14:hiddenLine xmlns="" xmlns:a16="http://schemas.microsoft.com/office/drawing/2014/main" xmlns:p14="http://schemas.microsoft.com/office/powerpoint/2010/main" xmlns:a14="http://schemas.microsoft.com/office/drawing/2010/main" w="9525">
+                  <a14:hiddenLine xmlns:a14="http://schemas.microsoft.com/office/drawing/2010/main" xmlns:p14="http://schemas.microsoft.com/office/powerpoint/2010/main" xmlns:a16="http://schemas.microsoft.com/office/drawing/2014/main" xmlns="" w="9525">
                     <a:solidFill>
                       <a:srgbClr val="000000"/>
                     </a:solidFill>
@@ -21280,7 +24679,7 @@
               </a:ln>
               <a:extLst>
                 <a:ext uri="{91240B29-F687-4f45-9708-019B960494DF}">
-                  <a14:hiddenLine xmlns="" xmlns:a16="http://schemas.microsoft.com/office/drawing/2014/main" xmlns:p14="http://schemas.microsoft.com/office/powerpoint/2010/main" xmlns:a14="http://schemas.microsoft.com/office/drawing/2010/main" w="9525">
+                  <a14:hiddenLine xmlns:a14="http://schemas.microsoft.com/office/drawing/2010/main" xmlns:p14="http://schemas.microsoft.com/office/powerpoint/2010/main" xmlns:a16="http://schemas.microsoft.com/office/drawing/2014/main" xmlns="" w="9525">
                     <a:solidFill>
                       <a:srgbClr val="000000"/>
                     </a:solidFill>
@@ -21385,7 +24784,7 @@
               </a:ln>
               <a:extLst>
                 <a:ext uri="{91240B29-F687-4f45-9708-019B960494DF}">
-                  <a14:hiddenLine xmlns="" xmlns:a16="http://schemas.microsoft.com/office/drawing/2014/main" xmlns:p14="http://schemas.microsoft.com/office/powerpoint/2010/main" xmlns:a14="http://schemas.microsoft.com/office/drawing/2010/main" w="9525">
+                  <a14:hiddenLine xmlns:a14="http://schemas.microsoft.com/office/drawing/2010/main" xmlns:p14="http://schemas.microsoft.com/office/powerpoint/2010/main" xmlns:a16="http://schemas.microsoft.com/office/drawing/2014/main" xmlns="" w="9525">
                     <a:solidFill>
                       <a:srgbClr val="000000"/>
                     </a:solidFill>
@@ -21462,7 +24861,7 @@
               </a:ln>
               <a:extLst>
                 <a:ext uri="{91240B29-F687-4f45-9708-019B960494DF}">
-                  <a14:hiddenLine xmlns="" xmlns:a16="http://schemas.microsoft.com/office/drawing/2014/main" xmlns:p14="http://schemas.microsoft.com/office/powerpoint/2010/main" xmlns:a14="http://schemas.microsoft.com/office/drawing/2010/main" w="9525">
+                  <a14:hiddenLine xmlns:a14="http://schemas.microsoft.com/office/drawing/2010/main" xmlns:p14="http://schemas.microsoft.com/office/powerpoint/2010/main" xmlns:a16="http://schemas.microsoft.com/office/drawing/2014/main" xmlns="" w="9525">
                     <a:solidFill>
                       <a:srgbClr val="000000"/>
                     </a:solidFill>
@@ -21567,7 +24966,7 @@
               </a:ln>
               <a:extLst>
                 <a:ext uri="{91240B29-F687-4f45-9708-019B960494DF}">
-                  <a14:hiddenLine xmlns="" xmlns:a16="http://schemas.microsoft.com/office/drawing/2014/main" xmlns:p14="http://schemas.microsoft.com/office/powerpoint/2010/main" xmlns:a14="http://schemas.microsoft.com/office/drawing/2010/main" w="9525">
+                  <a14:hiddenLine xmlns:a14="http://schemas.microsoft.com/office/drawing/2010/main" xmlns:p14="http://schemas.microsoft.com/office/powerpoint/2010/main" xmlns:a16="http://schemas.microsoft.com/office/drawing/2014/main" xmlns="" w="9525">
                     <a:solidFill>
                       <a:srgbClr val="000000"/>
                     </a:solidFill>
@@ -21644,7 +25043,7 @@
               </a:ln>
               <a:extLst>
                 <a:ext uri="{91240B29-F687-4f45-9708-019B960494DF}">
-                  <a14:hiddenLine xmlns="" xmlns:a16="http://schemas.microsoft.com/office/drawing/2014/main" xmlns:p14="http://schemas.microsoft.com/office/powerpoint/2010/main" xmlns:a14="http://schemas.microsoft.com/office/drawing/2010/main" w="9525">
+                  <a14:hiddenLine xmlns:a14="http://schemas.microsoft.com/office/drawing/2010/main" xmlns:p14="http://schemas.microsoft.com/office/powerpoint/2010/main" xmlns:a16="http://schemas.microsoft.com/office/drawing/2014/main" xmlns="" w="9525">
                     <a:solidFill>
                       <a:srgbClr val="000000"/>
                     </a:solidFill>
@@ -21721,7 +25120,7 @@
               </a:ln>
               <a:extLst>
                 <a:ext uri="{91240B29-F687-4f45-9708-019B960494DF}">
-                  <a14:hiddenLine xmlns="" xmlns:a16="http://schemas.microsoft.com/office/drawing/2014/main" xmlns:p14="http://schemas.microsoft.com/office/powerpoint/2010/main" xmlns:a14="http://schemas.microsoft.com/office/drawing/2010/main" w="9525">
+                  <a14:hiddenLine xmlns:a14="http://schemas.microsoft.com/office/drawing/2010/main" xmlns:p14="http://schemas.microsoft.com/office/powerpoint/2010/main" xmlns:a16="http://schemas.microsoft.com/office/drawing/2014/main" xmlns="" w="9525">
                     <a:solidFill>
                       <a:srgbClr val="000000"/>
                     </a:solidFill>
@@ -21826,7 +25225,7 @@
               </a:ln>
               <a:extLst>
                 <a:ext uri="{91240B29-F687-4f45-9708-019B960494DF}">
-                  <a14:hiddenLine xmlns="" xmlns:a16="http://schemas.microsoft.com/office/drawing/2014/main" xmlns:p14="http://schemas.microsoft.com/office/powerpoint/2010/main" xmlns:a14="http://schemas.microsoft.com/office/drawing/2010/main" w="9525">
+                  <a14:hiddenLine xmlns:a14="http://schemas.microsoft.com/office/drawing/2010/main" xmlns:p14="http://schemas.microsoft.com/office/powerpoint/2010/main" xmlns:a16="http://schemas.microsoft.com/office/drawing/2014/main" xmlns="" w="9525">
                     <a:solidFill>
                       <a:srgbClr val="000000"/>
                     </a:solidFill>
@@ -21931,7 +25330,7 @@
               </a:ln>
               <a:extLst>
                 <a:ext uri="{91240B29-F687-4f45-9708-019B960494DF}">
-                  <a14:hiddenLine xmlns="" xmlns:a16="http://schemas.microsoft.com/office/drawing/2014/main" xmlns:p14="http://schemas.microsoft.com/office/powerpoint/2010/main" xmlns:a14="http://schemas.microsoft.com/office/drawing/2010/main" w="9525">
+                  <a14:hiddenLine xmlns:a14="http://schemas.microsoft.com/office/drawing/2010/main" xmlns:p14="http://schemas.microsoft.com/office/powerpoint/2010/main" xmlns:a16="http://schemas.microsoft.com/office/drawing/2014/main" xmlns="" w="9525">
                     <a:solidFill>
                       <a:srgbClr val="000000"/>
                     </a:solidFill>
@@ -22008,7 +25407,7 @@
               </a:ln>
               <a:extLst>
                 <a:ext uri="{91240B29-F687-4f45-9708-019B960494DF}">
-                  <a14:hiddenLine xmlns="" xmlns:a16="http://schemas.microsoft.com/office/drawing/2014/main" xmlns:p14="http://schemas.microsoft.com/office/powerpoint/2010/main" xmlns:a14="http://schemas.microsoft.com/office/drawing/2010/main" w="9525">
+                  <a14:hiddenLine xmlns:a14="http://schemas.microsoft.com/office/drawing/2010/main" xmlns:p14="http://schemas.microsoft.com/office/powerpoint/2010/main" xmlns:a16="http://schemas.microsoft.com/office/drawing/2014/main" xmlns="" w="9525">
                     <a:solidFill>
                       <a:srgbClr val="000000"/>
                     </a:solidFill>
@@ -22133,7 +25532,7 @@
               </a:ln>
               <a:extLst>
                 <a:ext uri="{91240B29-F687-4f45-9708-019B960494DF}">
-                  <a14:hiddenLine xmlns="" xmlns:a16="http://schemas.microsoft.com/office/drawing/2014/main" xmlns:p14="http://schemas.microsoft.com/office/powerpoint/2010/main" xmlns:a14="http://schemas.microsoft.com/office/drawing/2010/main" w="9525">
+                  <a14:hiddenLine xmlns:a14="http://schemas.microsoft.com/office/drawing/2010/main" xmlns:p14="http://schemas.microsoft.com/office/powerpoint/2010/main" xmlns:a16="http://schemas.microsoft.com/office/drawing/2014/main" xmlns="" w="9525">
                     <a:solidFill>
                       <a:srgbClr val="000000"/>
                     </a:solidFill>
@@ -22247,7 +25646,7 @@
               </a:ln>
               <a:extLst>
                 <a:ext uri="{91240B29-F687-4f45-9708-019B960494DF}">
-                  <a14:hiddenLine xmlns="" xmlns:a16="http://schemas.microsoft.com/office/drawing/2014/main" xmlns:p14="http://schemas.microsoft.com/office/powerpoint/2010/main" xmlns:a14="http://schemas.microsoft.com/office/drawing/2010/main" w="9525">
+                  <a14:hiddenLine xmlns:a14="http://schemas.microsoft.com/office/drawing/2010/main" xmlns:p14="http://schemas.microsoft.com/office/powerpoint/2010/main" xmlns:a16="http://schemas.microsoft.com/office/drawing/2014/main" xmlns="" w="9525">
                     <a:solidFill>
                       <a:srgbClr val="000000"/>
                     </a:solidFill>
@@ -22324,7 +25723,7 @@
               </a:ln>
               <a:extLst>
                 <a:ext uri="{91240B29-F687-4f45-9708-019B960494DF}">
-                  <a14:hiddenLine xmlns="" xmlns:a16="http://schemas.microsoft.com/office/drawing/2014/main" xmlns:p14="http://schemas.microsoft.com/office/powerpoint/2010/main" xmlns:a14="http://schemas.microsoft.com/office/drawing/2010/main" w="9525">
+                  <a14:hiddenLine xmlns:a14="http://schemas.microsoft.com/office/drawing/2010/main" xmlns:p14="http://schemas.microsoft.com/office/powerpoint/2010/main" xmlns:a16="http://schemas.microsoft.com/office/drawing/2014/main" xmlns="" w="9525">
                     <a:solidFill>
                       <a:srgbClr val="000000"/>
                     </a:solidFill>
@@ -22401,7 +25800,7 @@
               </a:ln>
               <a:extLst>
                 <a:ext uri="{91240B29-F687-4f45-9708-019B960494DF}">
-                  <a14:hiddenLine xmlns="" xmlns:a16="http://schemas.microsoft.com/office/drawing/2014/main" xmlns:p14="http://schemas.microsoft.com/office/powerpoint/2010/main" xmlns:a14="http://schemas.microsoft.com/office/drawing/2010/main" w="9525">
+                  <a14:hiddenLine xmlns:a14="http://schemas.microsoft.com/office/drawing/2010/main" xmlns:p14="http://schemas.microsoft.com/office/powerpoint/2010/main" xmlns:a16="http://schemas.microsoft.com/office/drawing/2014/main" xmlns="" w="9525">
                     <a:solidFill>
                       <a:srgbClr val="000000"/>
                     </a:solidFill>
@@ -22506,7 +25905,7 @@
               </a:ln>
               <a:extLst>
                 <a:ext uri="{91240B29-F687-4f45-9708-019B960494DF}">
-                  <a14:hiddenLine xmlns="" xmlns:a16="http://schemas.microsoft.com/office/drawing/2014/main" xmlns:p14="http://schemas.microsoft.com/office/powerpoint/2010/main" xmlns:a14="http://schemas.microsoft.com/office/drawing/2010/main" w="9525">
+                  <a14:hiddenLine xmlns:a14="http://schemas.microsoft.com/office/drawing/2010/main" xmlns:p14="http://schemas.microsoft.com/office/powerpoint/2010/main" xmlns:a16="http://schemas.microsoft.com/office/drawing/2014/main" xmlns="" w="9525">
                     <a:solidFill>
                       <a:srgbClr val="000000"/>
                     </a:solidFill>
@@ -22555,7 +25954,7 @@
               </a:ln>
               <a:extLst>
                 <a:ext uri="{91240B29-F687-4f45-9708-019B960494DF}">
-                  <a14:hiddenLine xmlns="" xmlns:a16="http://schemas.microsoft.com/office/drawing/2014/main" xmlns:p14="http://schemas.microsoft.com/office/powerpoint/2010/main" xmlns:a14="http://schemas.microsoft.com/office/drawing/2010/main" w="9525">
+                  <a14:hiddenLine xmlns:a14="http://schemas.microsoft.com/office/drawing/2010/main" xmlns:p14="http://schemas.microsoft.com/office/powerpoint/2010/main" xmlns:a16="http://schemas.microsoft.com/office/drawing/2014/main" xmlns="" w="9525">
                     <a:solidFill>
                       <a:srgbClr val="000000"/>
                     </a:solidFill>
@@ -22635,7 +26034,7 @@
               </a:ln>
               <a:extLst>
                 <a:ext uri="{91240B29-F687-4f45-9708-019B960494DF}">
-                  <a14:hiddenLine xmlns="" xmlns:a16="http://schemas.microsoft.com/office/drawing/2014/main" xmlns:p14="http://schemas.microsoft.com/office/powerpoint/2010/main" xmlns:a14="http://schemas.microsoft.com/office/drawing/2010/main" w="9525">
+                  <a14:hiddenLine xmlns:a14="http://schemas.microsoft.com/office/drawing/2010/main" xmlns:p14="http://schemas.microsoft.com/office/powerpoint/2010/main" xmlns:a16="http://schemas.microsoft.com/office/drawing/2014/main" xmlns="" w="9525">
                     <a:solidFill>
                       <a:srgbClr val="000000"/>
                     </a:solidFill>
@@ -22740,7 +26139,7 @@
               </a:ln>
               <a:extLst>
                 <a:ext uri="{91240B29-F687-4f45-9708-019B960494DF}">
-                  <a14:hiddenLine xmlns="" xmlns:a16="http://schemas.microsoft.com/office/drawing/2014/main" xmlns:p14="http://schemas.microsoft.com/office/powerpoint/2010/main" xmlns:a14="http://schemas.microsoft.com/office/drawing/2010/main" w="9525">
+                  <a14:hiddenLine xmlns:a14="http://schemas.microsoft.com/office/drawing/2010/main" xmlns:p14="http://schemas.microsoft.com/office/powerpoint/2010/main" xmlns:a16="http://schemas.microsoft.com/office/drawing/2014/main" xmlns="" w="9525">
                     <a:solidFill>
                       <a:srgbClr val="000000"/>
                     </a:solidFill>
@@ -22817,7 +26216,7 @@
               </a:ln>
               <a:extLst>
                 <a:ext uri="{91240B29-F687-4f45-9708-019B960494DF}">
-                  <a14:hiddenLine xmlns="" xmlns:a16="http://schemas.microsoft.com/office/drawing/2014/main" xmlns:p14="http://schemas.microsoft.com/office/powerpoint/2010/main" xmlns:a14="http://schemas.microsoft.com/office/drawing/2010/main" w="9525">
+                  <a14:hiddenLine xmlns:a14="http://schemas.microsoft.com/office/drawing/2010/main" xmlns:p14="http://schemas.microsoft.com/office/powerpoint/2010/main" xmlns:a16="http://schemas.microsoft.com/office/drawing/2014/main" xmlns="" w="9525">
                     <a:solidFill>
                       <a:srgbClr val="000000"/>
                     </a:solidFill>
@@ -22922,7 +26321,7 @@
               </a:ln>
               <a:extLst>
                 <a:ext uri="{91240B29-F687-4f45-9708-019B960494DF}">
-                  <a14:hiddenLine xmlns="" xmlns:a16="http://schemas.microsoft.com/office/drawing/2014/main" xmlns:p14="http://schemas.microsoft.com/office/powerpoint/2010/main" xmlns:a14="http://schemas.microsoft.com/office/drawing/2010/main" w="9525">
+                  <a14:hiddenLine xmlns:a14="http://schemas.microsoft.com/office/drawing/2010/main" xmlns:p14="http://schemas.microsoft.com/office/powerpoint/2010/main" xmlns:a16="http://schemas.microsoft.com/office/drawing/2014/main" xmlns="" w="9525">
                     <a:solidFill>
                       <a:srgbClr val="000000"/>
                     </a:solidFill>
@@ -23002,7 +26401,7 @@
               </a:ln>
               <a:extLst>
                 <a:ext uri="{91240B29-F687-4f45-9708-019B960494DF}">
-                  <a14:hiddenLine xmlns="" xmlns:a16="http://schemas.microsoft.com/office/drawing/2014/main" xmlns:p14="http://schemas.microsoft.com/office/powerpoint/2010/main" xmlns:a14="http://schemas.microsoft.com/office/drawing/2010/main" w="9525">
+                  <a14:hiddenLine xmlns:a14="http://schemas.microsoft.com/office/drawing/2010/main" xmlns:p14="http://schemas.microsoft.com/office/powerpoint/2010/main" xmlns:a16="http://schemas.microsoft.com/office/drawing/2014/main" xmlns="" w="9525">
                     <a:solidFill>
                       <a:srgbClr val="000000"/>
                     </a:solidFill>
@@ -23079,7 +26478,7 @@
               </a:ln>
               <a:extLst>
                 <a:ext uri="{91240B29-F687-4f45-9708-019B960494DF}">
-                  <a14:hiddenLine xmlns="" xmlns:a16="http://schemas.microsoft.com/office/drawing/2014/main" xmlns:p14="http://schemas.microsoft.com/office/powerpoint/2010/main" xmlns:a14="http://schemas.microsoft.com/office/drawing/2010/main" w="9525">
+                  <a14:hiddenLine xmlns:a14="http://schemas.microsoft.com/office/drawing/2010/main" xmlns:p14="http://schemas.microsoft.com/office/powerpoint/2010/main" xmlns:a16="http://schemas.microsoft.com/office/drawing/2014/main" xmlns="" w="9525">
                     <a:solidFill>
                       <a:srgbClr val="000000"/>
                     </a:solidFill>
@@ -23184,7 +26583,7 @@
               </a:ln>
               <a:extLst>
                 <a:ext uri="{91240B29-F687-4f45-9708-019B960494DF}">
-                  <a14:hiddenLine xmlns="" xmlns:a16="http://schemas.microsoft.com/office/drawing/2014/main" xmlns:p14="http://schemas.microsoft.com/office/powerpoint/2010/main" xmlns:a14="http://schemas.microsoft.com/office/drawing/2010/main" w="9525">
+                  <a14:hiddenLine xmlns:a14="http://schemas.microsoft.com/office/drawing/2010/main" xmlns:p14="http://schemas.microsoft.com/office/powerpoint/2010/main" xmlns:a16="http://schemas.microsoft.com/office/drawing/2014/main" xmlns="" w="9525">
                     <a:solidFill>
                       <a:srgbClr val="000000"/>
                     </a:solidFill>
@@ -23289,7 +26688,7 @@
               </a:ln>
               <a:extLst>
                 <a:ext uri="{91240B29-F687-4f45-9708-019B960494DF}">
-                  <a14:hiddenLine xmlns="" xmlns:a16="http://schemas.microsoft.com/office/drawing/2014/main" xmlns:p14="http://schemas.microsoft.com/office/powerpoint/2010/main" xmlns:a14="http://schemas.microsoft.com/office/drawing/2010/main" w="9525">
+                  <a14:hiddenLine xmlns:a14="http://schemas.microsoft.com/office/drawing/2010/main" xmlns:p14="http://schemas.microsoft.com/office/powerpoint/2010/main" xmlns:a16="http://schemas.microsoft.com/office/drawing/2014/main" xmlns="" w="9525">
                     <a:solidFill>
                       <a:srgbClr val="000000"/>
                     </a:solidFill>
@@ -23369,7 +26768,7 @@
               </a:ln>
               <a:extLst>
                 <a:ext uri="{91240B29-F687-4f45-9708-019B960494DF}">
-                  <a14:hiddenLine xmlns="" xmlns:a16="http://schemas.microsoft.com/office/drawing/2014/main" xmlns:p14="http://schemas.microsoft.com/office/powerpoint/2010/main" xmlns:a14="http://schemas.microsoft.com/office/drawing/2010/main" w="9525">
+                  <a14:hiddenLine xmlns:a14="http://schemas.microsoft.com/office/drawing/2010/main" xmlns:p14="http://schemas.microsoft.com/office/powerpoint/2010/main" xmlns:a16="http://schemas.microsoft.com/office/drawing/2014/main" xmlns="" w="9525">
                     <a:solidFill>
                       <a:srgbClr val="000000"/>
                     </a:solidFill>
@@ -23504,7 +26903,7 @@
               </a:ln>
               <a:extLst>
                 <a:ext uri="{91240B29-F687-4f45-9708-019B960494DF}">
-                  <a14:hiddenLine xmlns="" xmlns:a16="http://schemas.microsoft.com/office/drawing/2014/main" xmlns:p14="http://schemas.microsoft.com/office/powerpoint/2010/main" xmlns:a14="http://schemas.microsoft.com/office/drawing/2010/main" w="9525">
+                  <a14:hiddenLine xmlns:a14="http://schemas.microsoft.com/office/drawing/2010/main" xmlns:p14="http://schemas.microsoft.com/office/powerpoint/2010/main" xmlns:a16="http://schemas.microsoft.com/office/drawing/2014/main" xmlns="" w="9525">
                     <a:solidFill>
                       <a:srgbClr val="000000"/>
                     </a:solidFill>
@@ -23629,7 +27028,7 @@
               </a:ln>
               <a:extLst>
                 <a:ext uri="{91240B29-F687-4f45-9708-019B960494DF}">
-                  <a14:hiddenLine xmlns="" xmlns:a16="http://schemas.microsoft.com/office/drawing/2014/main" xmlns:p14="http://schemas.microsoft.com/office/powerpoint/2010/main" xmlns:a14="http://schemas.microsoft.com/office/drawing/2010/main" w="9525">
+                  <a14:hiddenLine xmlns:a14="http://schemas.microsoft.com/office/drawing/2010/main" xmlns:p14="http://schemas.microsoft.com/office/powerpoint/2010/main" xmlns:a16="http://schemas.microsoft.com/office/drawing/2014/main" xmlns="" w="9525">
                     <a:solidFill>
                       <a:srgbClr val="000000"/>
                     </a:solidFill>
@@ -23759,7 +27158,7 @@
               </a:ln>
               <a:extLst>
                 <a:ext uri="{91240B29-F687-4f45-9708-019B960494DF}">
-                  <a14:hiddenLine xmlns="" xmlns:a16="http://schemas.microsoft.com/office/drawing/2014/main" xmlns:p14="http://schemas.microsoft.com/office/powerpoint/2010/main" xmlns:a14="http://schemas.microsoft.com/office/drawing/2010/main" w="9525">
+                  <a14:hiddenLine xmlns:a14="http://schemas.microsoft.com/office/drawing/2010/main" xmlns:p14="http://schemas.microsoft.com/office/powerpoint/2010/main" xmlns:a16="http://schemas.microsoft.com/office/drawing/2014/main" xmlns="" w="9525">
                     <a:solidFill>
                       <a:srgbClr val="000000"/>
                     </a:solidFill>
@@ -23864,7 +27263,7 @@
               </a:ln>
               <a:extLst>
                 <a:ext uri="{91240B29-F687-4f45-9708-019B960494DF}">
-                  <a14:hiddenLine xmlns="" xmlns:a16="http://schemas.microsoft.com/office/drawing/2014/main" xmlns:p14="http://schemas.microsoft.com/office/powerpoint/2010/main" xmlns:a14="http://schemas.microsoft.com/office/drawing/2010/main" w="9525">
+                  <a14:hiddenLine xmlns:a14="http://schemas.microsoft.com/office/drawing/2010/main" xmlns:p14="http://schemas.microsoft.com/office/powerpoint/2010/main" xmlns:a16="http://schemas.microsoft.com/office/drawing/2014/main" xmlns="" w="9525">
                     <a:solidFill>
                       <a:srgbClr val="000000"/>
                     </a:solidFill>
@@ -23944,7 +27343,7 @@
               </a:ln>
               <a:extLst>
                 <a:ext uri="{91240B29-F687-4f45-9708-019B960494DF}">
-                  <a14:hiddenLine xmlns="" xmlns:a16="http://schemas.microsoft.com/office/drawing/2014/main" xmlns:p14="http://schemas.microsoft.com/office/powerpoint/2010/main" xmlns:a14="http://schemas.microsoft.com/office/drawing/2010/main" w="9525">
+                  <a14:hiddenLine xmlns:a14="http://schemas.microsoft.com/office/drawing/2010/main" xmlns:p14="http://schemas.microsoft.com/office/powerpoint/2010/main" xmlns:a16="http://schemas.microsoft.com/office/drawing/2014/main" xmlns="" w="9525">
                     <a:solidFill>
                       <a:srgbClr val="000000"/>
                     </a:solidFill>
@@ -24049,7 +27448,7 @@
               </a:ln>
               <a:extLst>
                 <a:ext uri="{91240B29-F687-4f45-9708-019B960494DF}">
-                  <a14:hiddenLine xmlns="" xmlns:a16="http://schemas.microsoft.com/office/drawing/2014/main" xmlns:p14="http://schemas.microsoft.com/office/powerpoint/2010/main" xmlns:a14="http://schemas.microsoft.com/office/drawing/2010/main" w="9525">
+                  <a14:hiddenLine xmlns:a14="http://schemas.microsoft.com/office/drawing/2010/main" xmlns:p14="http://schemas.microsoft.com/office/powerpoint/2010/main" xmlns:a16="http://schemas.microsoft.com/office/drawing/2014/main" xmlns="" w="9525">
                     <a:solidFill>
                       <a:srgbClr val="000000"/>
                     </a:solidFill>
@@ -24132,7 +27531,7 @@
               </a:ln>
               <a:extLst>
                 <a:ext uri="{91240B29-F687-4f45-9708-019B960494DF}">
-                  <a14:hiddenLine xmlns="" xmlns:a16="http://schemas.microsoft.com/office/drawing/2014/main" xmlns:p14="http://schemas.microsoft.com/office/powerpoint/2010/main" xmlns:a14="http://schemas.microsoft.com/office/drawing/2010/main" w="9525">
+                  <a14:hiddenLine xmlns:a14="http://schemas.microsoft.com/office/drawing/2010/main" xmlns:p14="http://schemas.microsoft.com/office/powerpoint/2010/main" xmlns:a16="http://schemas.microsoft.com/office/drawing/2014/main" xmlns="" w="9525">
                     <a:solidFill>
                       <a:srgbClr val="000000"/>
                     </a:solidFill>
@@ -24237,7 +27636,7 @@
               </a:ln>
               <a:extLst>
                 <a:ext uri="{91240B29-F687-4f45-9708-019B960494DF}">
-                  <a14:hiddenLine xmlns="" xmlns:a16="http://schemas.microsoft.com/office/drawing/2014/main" xmlns:p14="http://schemas.microsoft.com/office/powerpoint/2010/main" xmlns:a14="http://schemas.microsoft.com/office/drawing/2010/main" w="9525">
+                  <a14:hiddenLine xmlns:a14="http://schemas.microsoft.com/office/drawing/2010/main" xmlns:p14="http://schemas.microsoft.com/office/powerpoint/2010/main" xmlns:a16="http://schemas.microsoft.com/office/drawing/2014/main" xmlns="" w="9525">
                     <a:solidFill>
                       <a:srgbClr val="000000"/>
                     </a:solidFill>
@@ -24320,7 +27719,7 @@
               </a:ln>
               <a:extLst>
                 <a:ext uri="{91240B29-F687-4f45-9708-019B960494DF}">
-                  <a14:hiddenLine xmlns="" xmlns:a16="http://schemas.microsoft.com/office/drawing/2014/main" xmlns:p14="http://schemas.microsoft.com/office/powerpoint/2010/main" xmlns:a14="http://schemas.microsoft.com/office/drawing/2010/main" w="9525">
+                  <a14:hiddenLine xmlns:a14="http://schemas.microsoft.com/office/drawing/2010/main" xmlns:p14="http://schemas.microsoft.com/office/powerpoint/2010/main" xmlns:a16="http://schemas.microsoft.com/office/drawing/2014/main" xmlns="" w="9525">
                     <a:solidFill>
                       <a:srgbClr val="000000"/>
                     </a:solidFill>
@@ -24425,7 +27824,7 @@
               </a:ln>
               <a:extLst>
                 <a:ext uri="{91240B29-F687-4f45-9708-019B960494DF}">
-                  <a14:hiddenLine xmlns="" xmlns:a16="http://schemas.microsoft.com/office/drawing/2014/main" xmlns:p14="http://schemas.microsoft.com/office/powerpoint/2010/main" xmlns:a14="http://schemas.microsoft.com/office/drawing/2010/main" w="9525">
+                  <a14:hiddenLine xmlns:a14="http://schemas.microsoft.com/office/drawing/2010/main" xmlns:p14="http://schemas.microsoft.com/office/powerpoint/2010/main" xmlns:a16="http://schemas.microsoft.com/office/drawing/2014/main" xmlns="" w="9525">
                     <a:solidFill>
                       <a:srgbClr val="000000"/>
                     </a:solidFill>
@@ -24474,7 +27873,7 @@
               </a:ln>
               <a:extLst>
                 <a:ext uri="{91240B29-F687-4f45-9708-019B960494DF}">
-                  <a14:hiddenLine xmlns="" xmlns:a16="http://schemas.microsoft.com/office/drawing/2014/main" xmlns:p14="http://schemas.microsoft.com/office/powerpoint/2010/main" xmlns:a14="http://schemas.microsoft.com/office/drawing/2010/main" w="9525">
+                  <a14:hiddenLine xmlns:a14="http://schemas.microsoft.com/office/drawing/2010/main" xmlns:p14="http://schemas.microsoft.com/office/powerpoint/2010/main" xmlns:a16="http://schemas.microsoft.com/office/drawing/2014/main" xmlns="" w="9525">
                     <a:solidFill>
                       <a:srgbClr val="000000"/>
                     </a:solidFill>
@@ -24536,7 +27935,7 @@
           <a:noFill/>
           <a:extLst>
             <a:ext uri="{909E8E84-426E-40dd-AFC4-6F175D3DCCD1}">
-              <a14:hiddenFill xmlns="" xmlns:a16="http://schemas.microsoft.com/office/drawing/2014/main" xmlns:p14="http://schemas.microsoft.com/office/powerpoint/2010/main" xmlns:a14="http://schemas.microsoft.com/office/drawing/2010/main">
+              <a14:hiddenFill xmlns:a14="http://schemas.microsoft.com/office/drawing/2010/main" xmlns:p14="http://schemas.microsoft.com/office/powerpoint/2010/main" xmlns:a16="http://schemas.microsoft.com/office/drawing/2014/main" xmlns="">
                 <a:solidFill>
                   <a:srgbClr val="FFFFFF"/>
                 </a:solidFill>
@@ -24762,6 +28161,107 @@
 <file path=ppt/slides/slide7.xml><?xml version="1.0" encoding="utf-8"?>
 <p:sld xmlns:a="http://schemas.openxmlformats.org/drawingml/2006/main" xmlns:r="http://schemas.openxmlformats.org/officeDocument/2006/relationships" xmlns:p="http://schemas.openxmlformats.org/presentationml/2006/main">
   <p:cSld>
+    <p:spTree>
+      <p:nvGrpSpPr>
+        <p:cNvPr id="1" name=""/>
+        <p:cNvGrpSpPr/>
+        <p:nvPr/>
+      </p:nvGrpSpPr>
+      <p:grpSpPr>
+        <a:xfrm>
+          <a:off x="0" y="0"/>
+          <a:ext cx="0" cy="0"/>
+          <a:chOff x="0" y="0"/>
+          <a:chExt cx="0" cy="0"/>
+        </a:xfrm>
+      </p:grpSpPr>
+      <p:pic>
+        <p:nvPicPr>
+          <p:cNvPr id="9" name="Marcador de contenido 8" descr="Gráfico&#10;&#10;Descripción generada automáticamente">
+            <a:extLst>
+              <a:ext uri="{FF2B5EF4-FFF2-40B4-BE49-F238E27FC236}">
+                <a16:creationId xmlns:a16="http://schemas.microsoft.com/office/drawing/2014/main" id="{88964A31-21C0-4AFA-9622-B036223D3083}"/>
+              </a:ext>
+            </a:extLst>
+          </p:cNvPr>
+          <p:cNvPicPr>
+            <a:picLocks noGrp="1" noChangeAspect="1"/>
+          </p:cNvPicPr>
+          <p:nvPr>
+            <p:ph idx="1"/>
+          </p:nvPr>
+        </p:nvPicPr>
+        <p:blipFill>
+          <a:blip r:embed="rId2">
+            <a:extLst>
+              <a:ext uri="{28A0092B-C50C-407E-A947-70E740481C1C}">
+                <a14:useLocalDpi xmlns:a14="http://schemas.microsoft.com/office/drawing/2010/main" val="0"/>
+              </a:ext>
+            </a:extLst>
+          </a:blip>
+          <a:stretch>
+            <a:fillRect/>
+          </a:stretch>
+        </p:blipFill>
+        <p:spPr>
+          <a:xfrm>
+            <a:off x="6809430" y="1081632"/>
+            <a:ext cx="5075625" cy="4951828"/>
+          </a:xfrm>
+        </p:spPr>
+      </p:pic>
+      <p:pic>
+        <p:nvPicPr>
+          <p:cNvPr id="11" name="Imagen 10" descr="Imagen que contiene Interfaz de usuario gráfica&#10;&#10;Descripción generada automáticamente">
+            <a:extLst>
+              <a:ext uri="{FF2B5EF4-FFF2-40B4-BE49-F238E27FC236}">
+                <a16:creationId xmlns:a16="http://schemas.microsoft.com/office/drawing/2014/main" id="{7C2BF246-056A-436B-9B84-BBD02FBA6CCC}"/>
+              </a:ext>
+            </a:extLst>
+          </p:cNvPr>
+          <p:cNvPicPr>
+            <a:picLocks noChangeAspect="1"/>
+          </p:cNvPicPr>
+          <p:nvPr/>
+        </p:nvPicPr>
+        <p:blipFill>
+          <a:blip r:embed="rId3">
+            <a:extLst>
+              <a:ext uri="{28A0092B-C50C-407E-A947-70E740481C1C}">
+                <a14:useLocalDpi xmlns:a14="http://schemas.microsoft.com/office/drawing/2010/main" val="0"/>
+              </a:ext>
+            </a:extLst>
+          </a:blip>
+          <a:stretch>
+            <a:fillRect/>
+          </a:stretch>
+        </p:blipFill>
+        <p:spPr>
+          <a:xfrm>
+            <a:off x="132522" y="768626"/>
+            <a:ext cx="6469379" cy="5577840"/>
+          </a:xfrm>
+          <a:prstGeom prst="rect">
+            <a:avLst/>
+          </a:prstGeom>
+        </p:spPr>
+      </p:pic>
+    </p:spTree>
+    <p:extLst>
+      <p:ext uri="{BB962C8B-B14F-4D97-AF65-F5344CB8AC3E}">
+        <p14:creationId xmlns:p14="http://schemas.microsoft.com/office/powerpoint/2010/main" val="3603071621"/>
+      </p:ext>
+    </p:extLst>
+  </p:cSld>
+  <p:clrMapOvr>
+    <a:masterClrMapping/>
+  </p:clrMapOvr>
+</p:sld>
+</file>
+
+<file path=ppt/slides/slide8.xml><?xml version="1.0" encoding="utf-8"?>
+<p:sld xmlns:a="http://schemas.openxmlformats.org/drawingml/2006/main" xmlns:r="http://schemas.openxmlformats.org/officeDocument/2006/relationships" xmlns:p="http://schemas.openxmlformats.org/presentationml/2006/main">
+  <p:cSld>
     <p:bg>
       <p:bgPr>
         <a:blipFill>
@@ -24908,7 +28408,7 @@
           <a:noFill/>
           <a:extLst>
             <a:ext uri="{909E8E84-426E-40dd-AFC4-6F175D3DCCD1}">
-              <a14:hiddenFill xmlns="" xmlns:a16="http://schemas.microsoft.com/office/drawing/2014/main" xmlns:p14="http://schemas.microsoft.com/office/powerpoint/2010/main" xmlns:a14="http://schemas.microsoft.com/office/drawing/2010/main">
+              <a14:hiddenFill xmlns:a14="http://schemas.microsoft.com/office/drawing/2010/main" xmlns:p14="http://schemas.microsoft.com/office/powerpoint/2010/main" xmlns:a16="http://schemas.microsoft.com/office/drawing/2014/main" xmlns="">
                 <a:solidFill>
                   <a:srgbClr val="FFFFFF"/>
                 </a:solidFill>
@@ -25188,7 +28688,7 @@
             </a:ln>
             <a:extLst>
               <a:ext uri="{91240B29-F687-4f45-9708-019B960494DF}">
-                <a14:hiddenLine xmlns="" xmlns:a16="http://schemas.microsoft.com/office/drawing/2014/main" xmlns:p14="http://schemas.microsoft.com/office/powerpoint/2010/main" xmlns:a14="http://schemas.microsoft.com/office/drawing/2010/main" w="9525">
+                <a14:hiddenLine xmlns:a14="http://schemas.microsoft.com/office/drawing/2010/main" xmlns:p14="http://schemas.microsoft.com/office/powerpoint/2010/main" xmlns:a16="http://schemas.microsoft.com/office/drawing/2014/main" xmlns="" w="9525">
                   <a:solidFill>
                     <a:srgbClr val="000000"/>
                   </a:solidFill>
@@ -25293,7 +28793,7 @@
             </a:ln>
             <a:extLst>
               <a:ext uri="{91240B29-F687-4f45-9708-019B960494DF}">
-                <a14:hiddenLine xmlns="" xmlns:a16="http://schemas.microsoft.com/office/drawing/2014/main" xmlns:p14="http://schemas.microsoft.com/office/powerpoint/2010/main" xmlns:a14="http://schemas.microsoft.com/office/drawing/2010/main" w="9525">
+                <a14:hiddenLine xmlns:a14="http://schemas.microsoft.com/office/drawing/2010/main" xmlns:p14="http://schemas.microsoft.com/office/powerpoint/2010/main" xmlns:a16="http://schemas.microsoft.com/office/drawing/2014/main" xmlns="" w="9525">
                   <a:solidFill>
                     <a:srgbClr val="000000"/>
                   </a:solidFill>
@@ -25398,7 +28898,7 @@
             </a:ln>
             <a:extLst>
               <a:ext uri="{91240B29-F687-4f45-9708-019B960494DF}">
-                <a14:hiddenLine xmlns="" xmlns:a16="http://schemas.microsoft.com/office/drawing/2014/main" xmlns:p14="http://schemas.microsoft.com/office/powerpoint/2010/main" xmlns:a14="http://schemas.microsoft.com/office/drawing/2010/main" w="9525">
+                <a14:hiddenLine xmlns:a14="http://schemas.microsoft.com/office/drawing/2010/main" xmlns:p14="http://schemas.microsoft.com/office/powerpoint/2010/main" xmlns:a16="http://schemas.microsoft.com/office/drawing/2014/main" xmlns="" w="9525">
                   <a:solidFill>
                     <a:srgbClr val="000000"/>
                   </a:solidFill>
@@ -25475,7 +28975,7 @@
             </a:ln>
             <a:extLst>
               <a:ext uri="{91240B29-F687-4f45-9708-019B960494DF}">
-                <a14:hiddenLine xmlns="" xmlns:a16="http://schemas.microsoft.com/office/drawing/2014/main" xmlns:p14="http://schemas.microsoft.com/office/powerpoint/2010/main" xmlns:a14="http://schemas.microsoft.com/office/drawing/2010/main" w="9525">
+                <a14:hiddenLine xmlns:a14="http://schemas.microsoft.com/office/drawing/2010/main" xmlns:p14="http://schemas.microsoft.com/office/powerpoint/2010/main" xmlns:a16="http://schemas.microsoft.com/office/drawing/2014/main" xmlns="" w="9525">
                   <a:solidFill>
                     <a:srgbClr val="000000"/>
                   </a:solidFill>
@@ -25580,7 +29080,7 @@
             </a:ln>
             <a:extLst>
               <a:ext uri="{91240B29-F687-4f45-9708-019B960494DF}">
-                <a14:hiddenLine xmlns="" xmlns:a16="http://schemas.microsoft.com/office/drawing/2014/main" xmlns:p14="http://schemas.microsoft.com/office/powerpoint/2010/main" xmlns:a14="http://schemas.microsoft.com/office/drawing/2010/main" w="9525">
+                <a14:hiddenLine xmlns:a14="http://schemas.microsoft.com/office/drawing/2010/main" xmlns:p14="http://schemas.microsoft.com/office/powerpoint/2010/main" xmlns:a16="http://schemas.microsoft.com/office/drawing/2014/main" xmlns="" w="9525">
                   <a:solidFill>
                     <a:srgbClr val="000000"/>
                   </a:solidFill>
@@ -25657,7 +29157,7 @@
             </a:ln>
             <a:extLst>
               <a:ext uri="{91240B29-F687-4f45-9708-019B960494DF}">
-                <a14:hiddenLine xmlns="" xmlns:a16="http://schemas.microsoft.com/office/drawing/2014/main" xmlns:p14="http://schemas.microsoft.com/office/powerpoint/2010/main" xmlns:a14="http://schemas.microsoft.com/office/drawing/2010/main" w="9525">
+                <a14:hiddenLine xmlns:a14="http://schemas.microsoft.com/office/drawing/2010/main" xmlns:p14="http://schemas.microsoft.com/office/powerpoint/2010/main" xmlns:a16="http://schemas.microsoft.com/office/drawing/2014/main" xmlns="" w="9525">
                   <a:solidFill>
                     <a:srgbClr val="000000"/>
                   </a:solidFill>
@@ -25734,7 +29234,7 @@
             </a:ln>
             <a:extLst>
               <a:ext uri="{91240B29-F687-4f45-9708-019B960494DF}">
-                <a14:hiddenLine xmlns="" xmlns:a16="http://schemas.microsoft.com/office/drawing/2014/main" xmlns:p14="http://schemas.microsoft.com/office/powerpoint/2010/main" xmlns:a14="http://schemas.microsoft.com/office/drawing/2010/main" w="9525">
+                <a14:hiddenLine xmlns:a14="http://schemas.microsoft.com/office/drawing/2010/main" xmlns:p14="http://schemas.microsoft.com/office/powerpoint/2010/main" xmlns:a16="http://schemas.microsoft.com/office/drawing/2014/main" xmlns="" w="9525">
                   <a:solidFill>
                     <a:srgbClr val="000000"/>
                   </a:solidFill>
@@ -25839,7 +29339,7 @@
             </a:ln>
             <a:extLst>
               <a:ext uri="{91240B29-F687-4f45-9708-019B960494DF}">
-                <a14:hiddenLine xmlns="" xmlns:a16="http://schemas.microsoft.com/office/drawing/2014/main" xmlns:p14="http://schemas.microsoft.com/office/powerpoint/2010/main" xmlns:a14="http://schemas.microsoft.com/office/drawing/2010/main" w="9525">
+                <a14:hiddenLine xmlns:a14="http://schemas.microsoft.com/office/drawing/2010/main" xmlns:p14="http://schemas.microsoft.com/office/powerpoint/2010/main" xmlns:a16="http://schemas.microsoft.com/office/drawing/2014/main" xmlns="" w="9525">
                   <a:solidFill>
                     <a:srgbClr val="000000"/>
                   </a:solidFill>
@@ -25944,7 +29444,7 @@
             </a:ln>
             <a:extLst>
               <a:ext uri="{91240B29-F687-4f45-9708-019B960494DF}">
-                <a14:hiddenLine xmlns="" xmlns:a16="http://schemas.microsoft.com/office/drawing/2014/main" xmlns:p14="http://schemas.microsoft.com/office/powerpoint/2010/main" xmlns:a14="http://schemas.microsoft.com/office/drawing/2010/main" w="9525">
+                <a14:hiddenLine xmlns:a14="http://schemas.microsoft.com/office/drawing/2010/main" xmlns:p14="http://schemas.microsoft.com/office/powerpoint/2010/main" xmlns:a16="http://schemas.microsoft.com/office/drawing/2014/main" xmlns="" w="9525">
                   <a:solidFill>
                     <a:srgbClr val="000000"/>
                   </a:solidFill>
@@ -26021,7 +29521,7 @@
             </a:ln>
             <a:extLst>
               <a:ext uri="{91240B29-F687-4f45-9708-019B960494DF}">
-                <a14:hiddenLine xmlns="" xmlns:a16="http://schemas.microsoft.com/office/drawing/2014/main" xmlns:p14="http://schemas.microsoft.com/office/powerpoint/2010/main" xmlns:a14="http://schemas.microsoft.com/office/drawing/2010/main" w="9525">
+                <a14:hiddenLine xmlns:a14="http://schemas.microsoft.com/office/drawing/2010/main" xmlns:p14="http://schemas.microsoft.com/office/powerpoint/2010/main" xmlns:a16="http://schemas.microsoft.com/office/drawing/2014/main" xmlns="" w="9525">
                   <a:solidFill>
                     <a:srgbClr val="000000"/>
                   </a:solidFill>
@@ -26146,7 +29646,7 @@
             </a:ln>
             <a:extLst>
               <a:ext uri="{91240B29-F687-4f45-9708-019B960494DF}">
-                <a14:hiddenLine xmlns="" xmlns:a16="http://schemas.microsoft.com/office/drawing/2014/main" xmlns:p14="http://schemas.microsoft.com/office/powerpoint/2010/main" xmlns:a14="http://schemas.microsoft.com/office/drawing/2010/main" w="9525">
+                <a14:hiddenLine xmlns:a14="http://schemas.microsoft.com/office/drawing/2010/main" xmlns:p14="http://schemas.microsoft.com/office/powerpoint/2010/main" xmlns:a16="http://schemas.microsoft.com/office/drawing/2014/main" xmlns="" w="9525">
                   <a:solidFill>
                     <a:srgbClr val="000000"/>
                   </a:solidFill>
@@ -26260,7 +29760,7 @@
             </a:ln>
             <a:extLst>
               <a:ext uri="{91240B29-F687-4f45-9708-019B960494DF}">
-                <a14:hiddenLine xmlns="" xmlns:a16="http://schemas.microsoft.com/office/drawing/2014/main" xmlns:p14="http://schemas.microsoft.com/office/powerpoint/2010/main" xmlns:a14="http://schemas.microsoft.com/office/drawing/2010/main" w="9525">
+                <a14:hiddenLine xmlns:a14="http://schemas.microsoft.com/office/drawing/2010/main" xmlns:p14="http://schemas.microsoft.com/office/powerpoint/2010/main" xmlns:a16="http://schemas.microsoft.com/office/drawing/2014/main" xmlns="" w="9525">
                   <a:solidFill>
                     <a:srgbClr val="000000"/>
                   </a:solidFill>
@@ -26337,7 +29837,7 @@
             </a:ln>
             <a:extLst>
               <a:ext uri="{91240B29-F687-4f45-9708-019B960494DF}">
-                <a14:hiddenLine xmlns="" xmlns:a16="http://schemas.microsoft.com/office/drawing/2014/main" xmlns:p14="http://schemas.microsoft.com/office/powerpoint/2010/main" xmlns:a14="http://schemas.microsoft.com/office/drawing/2010/main" w="9525">
+                <a14:hiddenLine xmlns:a14="http://schemas.microsoft.com/office/drawing/2010/main" xmlns:p14="http://schemas.microsoft.com/office/powerpoint/2010/main" xmlns:a16="http://schemas.microsoft.com/office/drawing/2014/main" xmlns="" w="9525">
                   <a:solidFill>
                     <a:srgbClr val="000000"/>
                   </a:solidFill>
@@ -26414,7 +29914,7 @@
             </a:ln>
             <a:extLst>
               <a:ext uri="{91240B29-F687-4f45-9708-019B960494DF}">
-                <a14:hiddenLine xmlns="" xmlns:a16="http://schemas.microsoft.com/office/drawing/2014/main" xmlns:p14="http://schemas.microsoft.com/office/powerpoint/2010/main" xmlns:a14="http://schemas.microsoft.com/office/drawing/2010/main" w="9525">
+                <a14:hiddenLine xmlns:a14="http://schemas.microsoft.com/office/drawing/2010/main" xmlns:p14="http://schemas.microsoft.com/office/powerpoint/2010/main" xmlns:a16="http://schemas.microsoft.com/office/drawing/2014/main" xmlns="" w="9525">
                   <a:solidFill>
                     <a:srgbClr val="000000"/>
                   </a:solidFill>
@@ -26519,7 +30019,7 @@
             </a:ln>
             <a:extLst>
               <a:ext uri="{91240B29-F687-4f45-9708-019B960494DF}">
-                <a14:hiddenLine xmlns="" xmlns:a16="http://schemas.microsoft.com/office/drawing/2014/main" xmlns:p14="http://schemas.microsoft.com/office/powerpoint/2010/main" xmlns:a14="http://schemas.microsoft.com/office/drawing/2010/main" w="9525">
+                <a14:hiddenLine xmlns:a14="http://schemas.microsoft.com/office/drawing/2010/main" xmlns:p14="http://schemas.microsoft.com/office/powerpoint/2010/main" xmlns:a16="http://schemas.microsoft.com/office/drawing/2014/main" xmlns="" w="9525">
                   <a:solidFill>
                     <a:srgbClr val="000000"/>
                   </a:solidFill>
@@ -26568,7 +30068,7 @@
             </a:ln>
             <a:extLst>
               <a:ext uri="{91240B29-F687-4f45-9708-019B960494DF}">
-                <a14:hiddenLine xmlns="" xmlns:a16="http://schemas.microsoft.com/office/drawing/2014/main" xmlns:p14="http://schemas.microsoft.com/office/powerpoint/2010/main" xmlns:a14="http://schemas.microsoft.com/office/drawing/2010/main" w="9525">
+                <a14:hiddenLine xmlns:a14="http://schemas.microsoft.com/office/drawing/2010/main" xmlns:p14="http://schemas.microsoft.com/office/powerpoint/2010/main" xmlns:a16="http://schemas.microsoft.com/office/drawing/2014/main" xmlns="" w="9525">
                   <a:solidFill>
                     <a:srgbClr val="000000"/>
                   </a:solidFill>
@@ -26648,7 +30148,7 @@
             </a:ln>
             <a:extLst>
               <a:ext uri="{91240B29-F687-4f45-9708-019B960494DF}">
-                <a14:hiddenLine xmlns="" xmlns:a16="http://schemas.microsoft.com/office/drawing/2014/main" xmlns:p14="http://schemas.microsoft.com/office/powerpoint/2010/main" xmlns:a14="http://schemas.microsoft.com/office/drawing/2010/main" w="9525">
+                <a14:hiddenLine xmlns:a14="http://schemas.microsoft.com/office/drawing/2010/main" xmlns:p14="http://schemas.microsoft.com/office/powerpoint/2010/main" xmlns:a16="http://schemas.microsoft.com/office/drawing/2014/main" xmlns="" w="9525">
                   <a:solidFill>
                     <a:srgbClr val="000000"/>
                   </a:solidFill>
@@ -26753,7 +30253,7 @@
             </a:ln>
             <a:extLst>
               <a:ext uri="{91240B29-F687-4f45-9708-019B960494DF}">
-                <a14:hiddenLine xmlns="" xmlns:a16="http://schemas.microsoft.com/office/drawing/2014/main" xmlns:p14="http://schemas.microsoft.com/office/powerpoint/2010/main" xmlns:a14="http://schemas.microsoft.com/office/drawing/2010/main" w="9525">
+                <a14:hiddenLine xmlns:a14="http://schemas.microsoft.com/office/drawing/2010/main" xmlns:p14="http://schemas.microsoft.com/office/powerpoint/2010/main" xmlns:a16="http://schemas.microsoft.com/office/drawing/2014/main" xmlns="" w="9525">
                   <a:solidFill>
                     <a:srgbClr val="000000"/>
                   </a:solidFill>
@@ -26830,7 +30330,7 @@
             </a:ln>
             <a:extLst>
               <a:ext uri="{91240B29-F687-4f45-9708-019B960494DF}">
-                <a14:hiddenLine xmlns="" xmlns:a16="http://schemas.microsoft.com/office/drawing/2014/main" xmlns:p14="http://schemas.microsoft.com/office/powerpoint/2010/main" xmlns:a14="http://schemas.microsoft.com/office/drawing/2010/main" w="9525">
+                <a14:hiddenLine xmlns:a14="http://schemas.microsoft.com/office/drawing/2010/main" xmlns:p14="http://schemas.microsoft.com/office/powerpoint/2010/main" xmlns:a16="http://schemas.microsoft.com/office/drawing/2014/main" xmlns="" w="9525">
                   <a:solidFill>
                     <a:srgbClr val="000000"/>
                   </a:solidFill>
@@ -26935,7 +30435,7 @@
             </a:ln>
             <a:extLst>
               <a:ext uri="{91240B29-F687-4f45-9708-019B960494DF}">
-                <a14:hiddenLine xmlns="" xmlns:a16="http://schemas.microsoft.com/office/drawing/2014/main" xmlns:p14="http://schemas.microsoft.com/office/powerpoint/2010/main" xmlns:a14="http://schemas.microsoft.com/office/drawing/2010/main" w="9525">
+                <a14:hiddenLine xmlns:a14="http://schemas.microsoft.com/office/drawing/2010/main" xmlns:p14="http://schemas.microsoft.com/office/powerpoint/2010/main" xmlns:a16="http://schemas.microsoft.com/office/drawing/2014/main" xmlns="" w="9525">
                   <a:solidFill>
                     <a:srgbClr val="000000"/>
                   </a:solidFill>
@@ -27015,7 +30515,7 @@
             </a:ln>
             <a:extLst>
               <a:ext uri="{91240B29-F687-4f45-9708-019B960494DF}">
-                <a14:hiddenLine xmlns="" xmlns:a16="http://schemas.microsoft.com/office/drawing/2014/main" xmlns:p14="http://schemas.microsoft.com/office/powerpoint/2010/main" xmlns:a14="http://schemas.microsoft.com/office/drawing/2010/main" w="9525">
+                <a14:hiddenLine xmlns:a14="http://schemas.microsoft.com/office/drawing/2010/main" xmlns:p14="http://schemas.microsoft.com/office/powerpoint/2010/main" xmlns:a16="http://schemas.microsoft.com/office/drawing/2014/main" xmlns="" w="9525">
                   <a:solidFill>
                     <a:srgbClr val="000000"/>
                   </a:solidFill>
@@ -27092,7 +30592,7 @@
             </a:ln>
             <a:extLst>
               <a:ext uri="{91240B29-F687-4f45-9708-019B960494DF}">
-                <a14:hiddenLine xmlns="" xmlns:a16="http://schemas.microsoft.com/office/drawing/2014/main" xmlns:p14="http://schemas.microsoft.com/office/powerpoint/2010/main" xmlns:a14="http://schemas.microsoft.com/office/drawing/2010/main" w="9525">
+                <a14:hiddenLine xmlns:a14="http://schemas.microsoft.com/office/drawing/2010/main" xmlns:p14="http://schemas.microsoft.com/office/powerpoint/2010/main" xmlns:a16="http://schemas.microsoft.com/office/drawing/2014/main" xmlns="" w="9525">
                   <a:solidFill>
                     <a:srgbClr val="000000"/>
                   </a:solidFill>
@@ -27197,7 +30697,7 @@
             </a:ln>
             <a:extLst>
               <a:ext uri="{91240B29-F687-4f45-9708-019B960494DF}">
-                <a14:hiddenLine xmlns="" xmlns:a16="http://schemas.microsoft.com/office/drawing/2014/main" xmlns:p14="http://schemas.microsoft.com/office/powerpoint/2010/main" xmlns:a14="http://schemas.microsoft.com/office/drawing/2010/main" w="9525">
+                <a14:hiddenLine xmlns:a14="http://schemas.microsoft.com/office/drawing/2010/main" xmlns:p14="http://schemas.microsoft.com/office/powerpoint/2010/main" xmlns:a16="http://schemas.microsoft.com/office/drawing/2014/main" xmlns="" w="9525">
                   <a:solidFill>
                     <a:srgbClr val="000000"/>
                   </a:solidFill>
@@ -27302,7 +30802,7 @@
             </a:ln>
             <a:extLst>
               <a:ext uri="{91240B29-F687-4f45-9708-019B960494DF}">
-                <a14:hiddenLine xmlns="" xmlns:a16="http://schemas.microsoft.com/office/drawing/2014/main" xmlns:p14="http://schemas.microsoft.com/office/powerpoint/2010/main" xmlns:a14="http://schemas.microsoft.com/office/drawing/2010/main" w="9525">
+                <a14:hiddenLine xmlns:a14="http://schemas.microsoft.com/office/drawing/2010/main" xmlns:p14="http://schemas.microsoft.com/office/powerpoint/2010/main" xmlns:a16="http://schemas.microsoft.com/office/drawing/2014/main" xmlns="" w="9525">
                   <a:solidFill>
                     <a:srgbClr val="000000"/>
                   </a:solidFill>
@@ -27382,7 +30882,7 @@
             </a:ln>
             <a:extLst>
               <a:ext uri="{91240B29-F687-4f45-9708-019B960494DF}">
-                <a14:hiddenLine xmlns="" xmlns:a16="http://schemas.microsoft.com/office/drawing/2014/main" xmlns:p14="http://schemas.microsoft.com/office/powerpoint/2010/main" xmlns:a14="http://schemas.microsoft.com/office/drawing/2010/main" w="9525">
+                <a14:hiddenLine xmlns:a14="http://schemas.microsoft.com/office/drawing/2010/main" xmlns:p14="http://schemas.microsoft.com/office/powerpoint/2010/main" xmlns:a16="http://schemas.microsoft.com/office/drawing/2014/main" xmlns="" w="9525">
                   <a:solidFill>
                     <a:srgbClr val="000000"/>
                   </a:solidFill>
@@ -27517,7 +31017,7 @@
             </a:ln>
             <a:extLst>
               <a:ext uri="{91240B29-F687-4f45-9708-019B960494DF}">
-                <a14:hiddenLine xmlns="" xmlns:a16="http://schemas.microsoft.com/office/drawing/2014/main" xmlns:p14="http://schemas.microsoft.com/office/powerpoint/2010/main" xmlns:a14="http://schemas.microsoft.com/office/drawing/2010/main" w="9525">
+                <a14:hiddenLine xmlns:a14="http://schemas.microsoft.com/office/drawing/2010/main" xmlns:p14="http://schemas.microsoft.com/office/powerpoint/2010/main" xmlns:a16="http://schemas.microsoft.com/office/drawing/2014/main" xmlns="" w="9525">
                   <a:solidFill>
                     <a:srgbClr val="000000"/>
                   </a:solidFill>
@@ -27803,7 +31303,7 @@
 </p:sld>
 </file>
 
-<file path=ppt/slides/slide8.xml><?xml version="1.0" encoding="utf-8"?>
+<file path=ppt/slides/slide9.xml><?xml version="1.0" encoding="utf-8"?>
 <p:sld xmlns:a="http://schemas.openxmlformats.org/drawingml/2006/main" xmlns:r="http://schemas.openxmlformats.org/officeDocument/2006/relationships" xmlns:p="http://schemas.openxmlformats.org/presentationml/2006/main">
   <p:cSld>
     <p:spTree>
@@ -27928,209 +31428,6 @@
     <p:extLst>
       <p:ext uri="{BB962C8B-B14F-4D97-AF65-F5344CB8AC3E}">
         <p14:creationId xmlns:p14="http://schemas.microsoft.com/office/powerpoint/2010/main" val="3244955177"/>
-      </p:ext>
-    </p:extLst>
-  </p:cSld>
-  <p:clrMapOvr>
-    <a:masterClrMapping/>
-  </p:clrMapOvr>
-</p:sld>
-</file>
-
-<file path=ppt/slides/slide9.xml><?xml version="1.0" encoding="utf-8"?>
-<p:sld xmlns:a="http://schemas.openxmlformats.org/drawingml/2006/main" xmlns:r="http://schemas.openxmlformats.org/officeDocument/2006/relationships" xmlns:p="http://schemas.openxmlformats.org/presentationml/2006/main">
-  <p:cSld>
-    <p:spTree>
-      <p:nvGrpSpPr>
-        <p:cNvPr id="1" name=""/>
-        <p:cNvGrpSpPr/>
-        <p:nvPr/>
-      </p:nvGrpSpPr>
-      <p:grpSpPr>
-        <a:xfrm>
-          <a:off x="0" y="0"/>
-          <a:ext cx="0" cy="0"/>
-          <a:chOff x="0" y="0"/>
-          <a:chExt cx="0" cy="0"/>
-        </a:xfrm>
-      </p:grpSpPr>
-      <p:sp>
-        <p:nvSpPr>
-          <p:cNvPr id="2" name="Título 1">
-            <a:extLst>
-              <a:ext uri="{FF2B5EF4-FFF2-40B4-BE49-F238E27FC236}">
-                <a16:creationId xmlns:a16="http://schemas.microsoft.com/office/drawing/2014/main" id="{05F0A0A1-AF60-458B-9C2F-ED908DEB7098}"/>
-              </a:ext>
-            </a:extLst>
-          </p:cNvPr>
-          <p:cNvSpPr>
-            <a:spLocks noGrp="1"/>
-          </p:cNvSpPr>
-          <p:nvPr>
-            <p:ph type="title"/>
-          </p:nvPr>
-        </p:nvSpPr>
-        <p:spPr>
-          <a:xfrm>
-            <a:off x="1141413" y="300466"/>
-            <a:ext cx="9905998" cy="1478570"/>
-          </a:xfrm>
-        </p:spPr>
-        <p:txBody>
-          <a:bodyPr/>
-          <a:lstStyle/>
-          <a:p>
-            <a:r>
-              <a:rPr lang="en-US" dirty="0"/>
-              <a:t>Conclusion</a:t>
-            </a:r>
-          </a:p>
-        </p:txBody>
-      </p:sp>
-      <p:sp>
-        <p:nvSpPr>
-          <p:cNvPr id="3" name="Marcador de contenido 2">
-            <a:extLst>
-              <a:ext uri="{FF2B5EF4-FFF2-40B4-BE49-F238E27FC236}">
-                <a16:creationId xmlns:a16="http://schemas.microsoft.com/office/drawing/2014/main" id="{8DF9B589-1579-41A0-A689-CD72FAC22DF4}"/>
-              </a:ext>
-            </a:extLst>
-          </p:cNvPr>
-          <p:cNvSpPr>
-            <a:spLocks noGrp="1"/>
-          </p:cNvSpPr>
-          <p:nvPr>
-            <p:ph idx="1"/>
-          </p:nvPr>
-        </p:nvSpPr>
-        <p:spPr>
-          <a:xfrm>
-            <a:off x="1141412" y="1683026"/>
-            <a:ext cx="9905999" cy="4664765"/>
-          </a:xfrm>
-        </p:spPr>
-        <p:txBody>
-          <a:bodyPr/>
-          <a:lstStyle/>
-          <a:p>
-            <a:r>
-              <a:rPr lang="en-US" dirty="0"/>
-              <a:t>The objective of this case study was to analyze where accident are more likely to occur. </a:t>
-            </a:r>
-          </a:p>
-          <a:p>
-            <a:r>
-              <a:rPr lang="en-US" dirty="0"/>
-              <a:t>The results are the following, overall, people will have more chances to suffer a car accident if…</a:t>
-            </a:r>
-          </a:p>
-          <a:p>
-            <a:pPr lvl="1"/>
-            <a:r>
-              <a:rPr lang="en-US" dirty="0"/>
-              <a:t>They are driving trough the first 15 – 50 locations shown in the </a:t>
-            </a:r>
-            <a:r>
-              <a:rPr lang="en-US" dirty="0" err="1"/>
-              <a:t>Jupyter</a:t>
-            </a:r>
-            <a:r>
-              <a:rPr lang="en-US" dirty="0"/>
-              <a:t> Notebook (The first 15 are show in the slide 8)</a:t>
-            </a:r>
-          </a:p>
-          <a:p>
-            <a:pPr lvl="1"/>
-            <a:r>
-              <a:rPr lang="en-US" dirty="0"/>
-              <a:t>They are driving when t</a:t>
-            </a:r>
-            <a:r>
-              <a:rPr lang="en-US" sz="2000" dirty="0"/>
-              <a:t>he weather is clear, the </a:t>
-            </a:r>
-            <a:r>
-              <a:rPr lang="en-US" sz="2000" dirty="0" err="1"/>
-              <a:t>Junctiontype</a:t>
-            </a:r>
-            <a:r>
-              <a:rPr lang="en-US" sz="2000" dirty="0"/>
-              <a:t> is Mid-Block and ROADCOND is Dry</a:t>
-            </a:r>
-          </a:p>
-          <a:p>
-            <a:pPr lvl="1"/>
-            <a:r>
-              <a:rPr lang="en-US" dirty="0"/>
-              <a:t>Finally the people involver is 2.5 per accident and 1.9 vehicles</a:t>
-            </a:r>
-            <a:endParaRPr lang="en-US" sz="2000" dirty="0"/>
-          </a:p>
-          <a:p>
-            <a:pPr lvl="1"/>
-            <a:endParaRPr lang="en-US" dirty="0"/>
-          </a:p>
-        </p:txBody>
-      </p:sp>
-      <p:sp>
-        <p:nvSpPr>
-          <p:cNvPr id="5" name="Flecha: a la derecha 4">
-            <a:extLst>
-              <a:ext uri="{FF2B5EF4-FFF2-40B4-BE49-F238E27FC236}">
-                <a16:creationId xmlns:a16="http://schemas.microsoft.com/office/drawing/2014/main" id="{23933BA5-02C5-4403-90AD-65D7EF29AFF0}"/>
-              </a:ext>
-            </a:extLst>
-          </p:cNvPr>
-          <p:cNvSpPr/>
-          <p:nvPr/>
-        </p:nvSpPr>
-        <p:spPr>
-          <a:xfrm>
-            <a:off x="1431237" y="6069496"/>
-            <a:ext cx="9496906" cy="488038"/>
-          </a:xfrm>
-          <a:prstGeom prst="rightArrow">
-            <a:avLst/>
-          </a:prstGeom>
-          <a:noFill/>
-          <a:ln w="19050">
-            <a:solidFill>
-              <a:schemeClr val="bg2">
-                <a:lumMod val="40000"/>
-                <a:lumOff val="60000"/>
-              </a:schemeClr>
-            </a:solidFill>
-          </a:ln>
-        </p:spPr>
-        <p:style>
-          <a:lnRef idx="2">
-            <a:schemeClr val="accent1">
-              <a:shade val="50000"/>
-            </a:schemeClr>
-          </a:lnRef>
-          <a:fillRef idx="1">
-            <a:schemeClr val="accent1"/>
-          </a:fillRef>
-          <a:effectRef idx="0">
-            <a:schemeClr val="accent1"/>
-          </a:effectRef>
-          <a:fontRef idx="minor">
-            <a:schemeClr val="lt1"/>
-          </a:fontRef>
-        </p:style>
-        <p:txBody>
-          <a:bodyPr rtlCol="0" anchor="ctr"/>
-          <a:lstStyle/>
-          <a:p>
-            <a:pPr algn="ctr"/>
-            <a:endParaRPr lang="es-MX"/>
-          </a:p>
-        </p:txBody>
-      </p:sp>
-    </p:spTree>
-    <p:extLst>
-      <p:ext uri="{BB962C8B-B14F-4D97-AF65-F5344CB8AC3E}">
-        <p14:creationId xmlns:p14="http://schemas.microsoft.com/office/powerpoint/2010/main" val="193001652"/>
       </p:ext>
     </p:extLst>
   </p:cSld>
